--- a/практика 4 курс преддипломная/ВКР/Аверяскин презентация ВКР.pptx
+++ b/практика 4 курс преддипломная/ВКР/Аверяскин презентация ВКР.pptx
@@ -2,7 +2,7 @@
 <file path=ppt/presentation.xml><?xml version="1.0" encoding="utf-8"?>
 <p:presentation xmlns:a="http://schemas.openxmlformats.org/drawingml/2006/main" xmlns:r="http://schemas.openxmlformats.org/officeDocument/2006/relationships" xmlns:p="http://schemas.openxmlformats.org/presentationml/2006/main" saveSubsetFonts="1">
   <p:sldMasterIdLst>
-    <p:sldMasterId id="2147483696" r:id="rId1"/>
+    <p:sldMasterId id="2147483708" r:id="rId1"/>
   </p:sldMasterIdLst>
   <p:notesMasterIdLst>
     <p:notesMasterId r:id="rId14"/>
@@ -189,7 +189,10 @@
             </a:lvl1pPr>
           </a:lstStyle>
           <a:p>
-            <a:endParaRPr lang="ru-RU"/>
+            <a:r>
+              <a:rPr lang="ru-RU"/>
+              <a:t>Оптимизация локальной компьютерной сети КГБПОУ «ККРИТ», используя технологию VLAN</a:t>
+            </a:r>
           </a:p>
         </p:txBody>
       </p:sp>
@@ -223,7 +226,7 @@
             <a:fld id="{50DF128F-174A-4644-81F1-8EFEFF7F73FB}" type="datetimeFigureOut">
               <a:rPr lang="ru-RU" smtClean="0"/>
               <a:pPr/>
-              <a:t>07.06.2021</a:t>
+              <a:t>09.06.2021</a:t>
             </a:fld>
             <a:endParaRPr lang="ru-RU"/>
           </a:p>
@@ -304,7 +307,7 @@
     </p:extLst>
   </p:cSld>
   <p:clrMap bg1="lt1" tx1="dk1" bg2="lt2" tx2="dk2" accent1="accent1" accent2="accent2" accent3="accent3" accent4="accent4" accent5="accent5" accent6="accent6" hlink="hlink" folHlink="folHlink"/>
-  <p:hf hdr="0" ftr="0" dt="0"/>
+  <p:hf ftr="0" dt="0"/>
 </p:handoutMaster>
 </file>
 
@@ -357,7 +360,10 @@
             </a:lvl1pPr>
           </a:lstStyle>
           <a:p>
-            <a:endParaRPr lang="ru-RU"/>
+            <a:r>
+              <a:rPr lang="ru-RU"/>
+              <a:t>Оптимизация локальной компьютерной сети КГБПОУ «ККРИТ», используя технологию VLAN</a:t>
+            </a:r>
           </a:p>
         </p:txBody>
       </p:sp>
@@ -391,7 +397,7 @@
             <a:fld id="{B575C6DE-95E4-4442-AB0C-FFFE2B9BF911}" type="datetimeFigureOut">
               <a:rPr lang="ru-RU" smtClean="0"/>
               <a:pPr/>
-              <a:t>07.06.2021</a:t>
+              <a:t>09.06.2021</a:t>
             </a:fld>
             <a:endParaRPr lang="ru-RU"/>
           </a:p>
@@ -564,7 +570,7 @@
     </p:extLst>
   </p:cSld>
   <p:clrMap bg1="lt1" tx1="dk1" bg2="lt2" tx2="dk2" accent1="accent1" accent2="accent2" accent3="accent3" accent4="accent4" accent5="accent5" accent6="accent6" hlink="hlink" folHlink="folHlink"/>
-  <p:hf hdr="0" ftr="0" dt="0"/>
+  <p:hf ftr="0" dt="0"/>
   <p:notesStyle>
     <a:lvl1pPr marL="0" algn="l" defTabSz="914400" rtl="0" eaLnBrk="1" latinLnBrk="0" hangingPunct="1">
       <a:defRPr sz="1200" kern="1200">
@@ -732,6 +738,28 @@
           </a:p>
         </p:txBody>
       </p:sp>
+      <p:sp>
+        <p:nvSpPr>
+          <p:cNvPr id="5" name="Верхний колонтитул 4"/>
+          <p:cNvSpPr>
+            <a:spLocks noGrp="1"/>
+          </p:cNvSpPr>
+          <p:nvPr>
+            <p:ph type="hdr" sz="quarter" idx="11"/>
+          </p:nvPr>
+        </p:nvSpPr>
+        <p:spPr/>
+        <p:txBody>
+          <a:bodyPr/>
+          <a:lstStyle/>
+          <a:p>
+            <a:r>
+              <a:rPr lang="ru-RU"/>
+              <a:t>Оптимизация локальной компьютерной сети КГБПОУ «ККРИТ», используя технологию VLAN</a:t>
+            </a:r>
+          </a:p>
+        </p:txBody>
+      </p:sp>
     </p:spTree>
     <p:extLst>
       <p:ext uri="{BB962C8B-B14F-4D97-AF65-F5344CB8AC3E}">
@@ -745,14 +773,9 @@
 </p:notes>
 </file>
 
-<file path=ppt/slideLayouts/slideLayout1.xml><?xml version="1.0" encoding="utf-8"?>
-<p:sldLayout xmlns:a="http://schemas.openxmlformats.org/drawingml/2006/main" xmlns:r="http://schemas.openxmlformats.org/officeDocument/2006/relationships" xmlns:p="http://schemas.openxmlformats.org/presentationml/2006/main" showMasterSp="0" type="title" preserve="1">
-  <p:cSld name="Титульный слайд">
-    <p:bg>
-      <p:bgRef idx="1003">
-        <a:schemeClr val="bg1"/>
-      </p:bgRef>
-    </p:bg>
+<file path=ppt/notesSlides/notesSlide2.xml><?xml version="1.0" encoding="utf-8"?>
+<p:notes xmlns:a="http://schemas.openxmlformats.org/drawingml/2006/main" xmlns:r="http://schemas.openxmlformats.org/officeDocument/2006/relationships" xmlns:p="http://schemas.openxmlformats.org/presentationml/2006/main">
+  <p:cSld>
     <p:spTree>
       <p:nvGrpSpPr>
         <p:cNvPr id="1" name=""/>
@@ -769,101 +792,264 @@
       </p:grpSpPr>
       <p:sp>
         <p:nvSpPr>
-          <p:cNvPr id="12" name="Прямоугольник 11"/>
-          <p:cNvSpPr/>
-          <p:nvPr/>
-        </p:nvSpPr>
-        <p:spPr>
-          <a:xfrm>
-            <a:off x="0" y="0"/>
-            <a:ext cx="9144000" cy="6858000"/>
-          </a:xfrm>
-          <a:prstGeom prst="rect">
-            <a:avLst/>
-          </a:prstGeom>
-          <a:solidFill>
-            <a:srgbClr val="FFFFFF"/>
-          </a:solidFill>
-          <a:ln w="12700" cap="flat" cmpd="sng" algn="ctr">
-            <a:noFill/>
-            <a:prstDash val="solid"/>
-          </a:ln>
-        </p:spPr>
-        <p:style>
-          <a:lnRef idx="2">
-            <a:schemeClr val="accent1"/>
-          </a:lnRef>
-          <a:fillRef idx="1">
-            <a:schemeClr val="accent1"/>
-          </a:fillRef>
-          <a:effectRef idx="0">
-            <a:schemeClr val="accent1"/>
-          </a:effectRef>
-          <a:fontRef idx="minor">
-            <a:schemeClr val="lt1"/>
-          </a:fontRef>
-        </p:style>
-        <p:txBody>
-          <a:bodyPr rtlCol="0" anchor="ctr"/>
-          <a:lstStyle/>
-          <a:p>
-            <a:pPr algn="ctr" eaLnBrk="1" latinLnBrk="0" hangingPunct="1"/>
-            <a:endParaRPr kumimoji="0" lang="en-US"/>
-          </a:p>
-        </p:txBody>
-      </p:sp>
-      <p:sp useBgFill="1">
-        <p:nvSpPr>
-          <p:cNvPr id="13" name="Скругленный прямоугольник 12"/>
-          <p:cNvSpPr/>
-          <p:nvPr/>
-        </p:nvSpPr>
-        <p:spPr>
-          <a:xfrm>
-            <a:off x="65313" y="69755"/>
-            <a:ext cx="9013372" cy="6692201"/>
-          </a:xfrm>
-          <a:prstGeom prst="roundRect">
-            <a:avLst>
-              <a:gd name="adj" fmla="val 4929"/>
-            </a:avLst>
-          </a:prstGeom>
-          <a:ln w="6350" cap="sq" cmpd="sng" algn="ctr">
-            <a:solidFill>
-              <a:schemeClr val="tx1">
-                <a:alpha val="100000"/>
-              </a:schemeClr>
-            </a:solidFill>
-            <a:prstDash val="solid"/>
-          </a:ln>
-          <a:effectLst/>
-        </p:spPr>
-        <p:style>
-          <a:lnRef idx="3">
-            <a:schemeClr val="lt1"/>
-          </a:lnRef>
-          <a:fillRef idx="1001">
-            <a:schemeClr val="lt1"/>
-          </a:fillRef>
-          <a:effectRef idx="1">
-            <a:schemeClr val="accent1"/>
-          </a:effectRef>
-          <a:fontRef idx="minor">
-            <a:schemeClr val="lt1"/>
-          </a:fontRef>
-        </p:style>
-        <p:txBody>
-          <a:bodyPr anchor="ctr"/>
-          <a:lstStyle/>
-          <a:p>
-            <a:pPr algn="ctr" eaLnBrk="1" latinLnBrk="0" hangingPunct="1"/>
-            <a:endParaRPr kumimoji="0" lang="en-US"/>
-          </a:p>
-        </p:txBody>
-      </p:sp>
-      <p:sp>
-        <p:nvSpPr>
-          <p:cNvPr id="9" name="Подзаголовок 8"/>
+          <p:cNvPr id="2" name="Образ слайда 1"/>
+          <p:cNvSpPr>
+            <a:spLocks noGrp="1" noRot="1" noChangeAspect="1"/>
+          </p:cNvSpPr>
+          <p:nvPr>
+            <p:ph type="sldImg"/>
+          </p:nvPr>
+        </p:nvSpPr>
+        <p:spPr/>
+      </p:sp>
+      <p:sp>
+        <p:nvSpPr>
+          <p:cNvPr id="3" name="Заметки 2"/>
+          <p:cNvSpPr>
+            <a:spLocks noGrp="1"/>
+          </p:cNvSpPr>
+          <p:nvPr>
+            <p:ph type="body" idx="1"/>
+          </p:nvPr>
+        </p:nvSpPr>
+        <p:spPr/>
+        <p:txBody>
+          <a:bodyPr/>
+          <a:lstStyle/>
+          <a:p>
+            <a:endParaRPr lang="ru-RU"/>
+          </a:p>
+        </p:txBody>
+      </p:sp>
+      <p:sp>
+        <p:nvSpPr>
+          <p:cNvPr id="4" name="Номер слайда 3"/>
+          <p:cNvSpPr>
+            <a:spLocks noGrp="1"/>
+          </p:cNvSpPr>
+          <p:nvPr>
+            <p:ph type="sldNum" sz="quarter" idx="10"/>
+          </p:nvPr>
+        </p:nvSpPr>
+        <p:spPr/>
+        <p:txBody>
+          <a:bodyPr/>
+          <a:lstStyle/>
+          <a:p>
+            <a:fld id="{FE21E180-E81F-4CE3-8149-5F1CF3B8A739}" type="slidenum">
+              <a:rPr lang="ru-RU" smtClean="0"/>
+              <a:pPr/>
+              <a:t>2</a:t>
+            </a:fld>
+            <a:endParaRPr lang="ru-RU"/>
+          </a:p>
+        </p:txBody>
+      </p:sp>
+      <p:sp>
+        <p:nvSpPr>
+          <p:cNvPr id="5" name="Верхний колонтитул 4"/>
+          <p:cNvSpPr>
+            <a:spLocks noGrp="1"/>
+          </p:cNvSpPr>
+          <p:nvPr>
+            <p:ph type="hdr" sz="quarter" idx="11"/>
+          </p:nvPr>
+        </p:nvSpPr>
+        <p:spPr/>
+        <p:txBody>
+          <a:bodyPr/>
+          <a:lstStyle/>
+          <a:p>
+            <a:r>
+              <a:rPr lang="ru-RU"/>
+              <a:t>Оптимизация локальной компьютерной сети КГБПОУ «ККРИТ», используя технологию VLAN</a:t>
+            </a:r>
+          </a:p>
+        </p:txBody>
+      </p:sp>
+    </p:spTree>
+    <p:extLst>
+      <p:ext uri="{BB962C8B-B14F-4D97-AF65-F5344CB8AC3E}">
+        <p14:creationId xmlns:p14="http://schemas.microsoft.com/office/powerpoint/2010/main" val="2032903437"/>
+      </p:ext>
+    </p:extLst>
+  </p:cSld>
+  <p:clrMapOvr>
+    <a:masterClrMapping/>
+  </p:clrMapOvr>
+</p:notes>
+</file>
+
+<file path=ppt/notesSlides/notesSlide3.xml><?xml version="1.0" encoding="utf-8"?>
+<p:notes xmlns:a="http://schemas.openxmlformats.org/drawingml/2006/main" xmlns:r="http://schemas.openxmlformats.org/officeDocument/2006/relationships" xmlns:p="http://schemas.openxmlformats.org/presentationml/2006/main">
+  <p:cSld>
+    <p:spTree>
+      <p:nvGrpSpPr>
+        <p:cNvPr id="1" name=""/>
+        <p:cNvGrpSpPr/>
+        <p:nvPr/>
+      </p:nvGrpSpPr>
+      <p:grpSpPr>
+        <a:xfrm>
+          <a:off x="0" y="0"/>
+          <a:ext cx="0" cy="0"/>
+          <a:chOff x="0" y="0"/>
+          <a:chExt cx="0" cy="0"/>
+        </a:xfrm>
+      </p:grpSpPr>
+      <p:sp>
+        <p:nvSpPr>
+          <p:cNvPr id="2" name="Образ слайда 1"/>
+          <p:cNvSpPr>
+            <a:spLocks noGrp="1" noRot="1" noChangeAspect="1"/>
+          </p:cNvSpPr>
+          <p:nvPr>
+            <p:ph type="sldImg"/>
+          </p:nvPr>
+        </p:nvSpPr>
+        <p:spPr/>
+      </p:sp>
+      <p:sp>
+        <p:nvSpPr>
+          <p:cNvPr id="3" name="Заметки 2"/>
+          <p:cNvSpPr>
+            <a:spLocks noGrp="1"/>
+          </p:cNvSpPr>
+          <p:nvPr>
+            <p:ph type="body" idx="1"/>
+          </p:nvPr>
+        </p:nvSpPr>
+        <p:spPr/>
+        <p:txBody>
+          <a:bodyPr/>
+          <a:lstStyle/>
+          <a:p>
+            <a:endParaRPr lang="ru-RU"/>
+          </a:p>
+        </p:txBody>
+      </p:sp>
+      <p:sp>
+        <p:nvSpPr>
+          <p:cNvPr id="4" name="Номер слайда 3"/>
+          <p:cNvSpPr>
+            <a:spLocks noGrp="1"/>
+          </p:cNvSpPr>
+          <p:nvPr>
+            <p:ph type="sldNum" sz="quarter" idx="10"/>
+          </p:nvPr>
+        </p:nvSpPr>
+        <p:spPr/>
+        <p:txBody>
+          <a:bodyPr/>
+          <a:lstStyle/>
+          <a:p>
+            <a:fld id="{FE21E180-E81F-4CE3-8149-5F1CF3B8A739}" type="slidenum">
+              <a:rPr lang="ru-RU" smtClean="0"/>
+              <a:pPr/>
+              <a:t>3</a:t>
+            </a:fld>
+            <a:endParaRPr lang="ru-RU"/>
+          </a:p>
+        </p:txBody>
+      </p:sp>
+      <p:sp>
+        <p:nvSpPr>
+          <p:cNvPr id="5" name="Верхний колонтитул 4"/>
+          <p:cNvSpPr>
+            <a:spLocks noGrp="1"/>
+          </p:cNvSpPr>
+          <p:nvPr>
+            <p:ph type="hdr" sz="quarter" idx="11"/>
+          </p:nvPr>
+        </p:nvSpPr>
+        <p:spPr/>
+        <p:txBody>
+          <a:bodyPr/>
+          <a:lstStyle/>
+          <a:p>
+            <a:r>
+              <a:rPr lang="ru-RU"/>
+              <a:t>Оптимизация локальной компьютерной сети КГБПОУ «ККРИТ», используя технологию VLAN</a:t>
+            </a:r>
+          </a:p>
+        </p:txBody>
+      </p:sp>
+    </p:spTree>
+    <p:extLst>
+      <p:ext uri="{BB962C8B-B14F-4D97-AF65-F5344CB8AC3E}">
+        <p14:creationId xmlns:p14="http://schemas.microsoft.com/office/powerpoint/2010/main" val="872601009"/>
+      </p:ext>
+    </p:extLst>
+  </p:cSld>
+  <p:clrMapOvr>
+    <a:masterClrMapping/>
+  </p:clrMapOvr>
+</p:notes>
+</file>
+
+<file path=ppt/slideLayouts/slideLayout1.xml><?xml version="1.0" encoding="utf-8"?>
+<p:sldLayout xmlns:a="http://schemas.openxmlformats.org/drawingml/2006/main" xmlns:r="http://schemas.openxmlformats.org/officeDocument/2006/relationships" xmlns:p="http://schemas.openxmlformats.org/presentationml/2006/main" type="title" preserve="1">
+  <p:cSld name="Титульный слайд">
+    <p:spTree>
+      <p:nvGrpSpPr>
+        <p:cNvPr id="1" name=""/>
+        <p:cNvGrpSpPr/>
+        <p:nvPr/>
+      </p:nvGrpSpPr>
+      <p:grpSpPr>
+        <a:xfrm>
+          <a:off x="0" y="0"/>
+          <a:ext cx="0" cy="0"/>
+          <a:chOff x="0" y="0"/>
+          <a:chExt cx="0" cy="0"/>
+        </a:xfrm>
+      </p:grpSpPr>
+      <p:sp>
+        <p:nvSpPr>
+          <p:cNvPr id="2" name="Заголовок 1">
+            <a:extLst>
+              <a:ext uri="{FF2B5EF4-FFF2-40B4-BE49-F238E27FC236}">
+                <a16:creationId xmlns:a16="http://schemas.microsoft.com/office/drawing/2014/main" id="{70128984-DC73-4B78-B565-96798818E0FA}"/>
+              </a:ext>
+            </a:extLst>
+          </p:cNvPr>
+          <p:cNvSpPr>
+            <a:spLocks noGrp="1"/>
+          </p:cNvSpPr>
+          <p:nvPr>
+            <p:ph type="ctrTitle"/>
+          </p:nvPr>
+        </p:nvSpPr>
+        <p:spPr>
+          <a:xfrm>
+            <a:off x="1143000" y="1122363"/>
+            <a:ext cx="6858000" cy="2387600"/>
+          </a:xfrm>
+        </p:spPr>
+        <p:txBody>
+          <a:bodyPr anchor="b"/>
+          <a:lstStyle>
+            <a:lvl1pPr algn="ctr">
+              <a:defRPr sz="4500"/>
+            </a:lvl1pPr>
+          </a:lstStyle>
+          <a:p>
+            <a:r>
+              <a:rPr lang="ru-RU"/>
+              <a:t>Образец заголовка</a:t>
+            </a:r>
+          </a:p>
+        </p:txBody>
+      </p:sp>
+      <p:sp>
+        <p:nvSpPr>
+          <p:cNvPr id="3" name="Подзаголовок 2">
+            <a:extLst>
+              <a:ext uri="{FF2B5EF4-FFF2-40B4-BE49-F238E27FC236}">
+                <a16:creationId xmlns:a16="http://schemas.microsoft.com/office/drawing/2014/main" id="{F42EB5E7-2B44-4819-BED5-285DB9295001}"/>
+              </a:ext>
+            </a:extLst>
+          </p:cNvPr>
           <p:cNvSpPr>
             <a:spLocks noGrp="1"/>
           </p:cNvSpPr>
@@ -873,8 +1059,8 @@
         </p:nvSpPr>
         <p:spPr>
           <a:xfrm>
-            <a:off x="1295400" y="3200400"/>
-            <a:ext cx="6400800" cy="1600200"/>
+            <a:off x="1143000" y="3602038"/>
+            <a:ext cx="6858000" cy="1655762"/>
           </a:xfrm>
         </p:spPr>
         <p:txBody>
@@ -882,49 +1068,58 @@
           <a:lstStyle>
             <a:lvl1pPr marL="0" indent="0" algn="ctr">
               <a:buNone/>
-              <a:defRPr sz="2600">
-                <a:solidFill>
-                  <a:schemeClr val="tx2"/>
-                </a:solidFill>
-              </a:defRPr>
+              <a:defRPr sz="1800"/>
             </a:lvl1pPr>
-            <a:lvl2pPr marL="457200" indent="0" algn="ctr">
+            <a:lvl2pPr marL="342900" indent="0" algn="ctr">
               <a:buNone/>
+              <a:defRPr sz="1500"/>
             </a:lvl2pPr>
-            <a:lvl3pPr marL="914400" indent="0" algn="ctr">
+            <a:lvl3pPr marL="685800" indent="0" algn="ctr">
               <a:buNone/>
+              <a:defRPr sz="1350"/>
             </a:lvl3pPr>
-            <a:lvl4pPr marL="1371600" indent="0" algn="ctr">
+            <a:lvl4pPr marL="1028700" indent="0" algn="ctr">
               <a:buNone/>
+              <a:defRPr sz="1200"/>
             </a:lvl4pPr>
-            <a:lvl5pPr marL="1828800" indent="0" algn="ctr">
+            <a:lvl5pPr marL="1371600" indent="0" algn="ctr">
               <a:buNone/>
+              <a:defRPr sz="1200"/>
             </a:lvl5pPr>
-            <a:lvl6pPr marL="2286000" indent="0" algn="ctr">
+            <a:lvl6pPr marL="1714500" indent="0" algn="ctr">
               <a:buNone/>
+              <a:defRPr sz="1200"/>
             </a:lvl6pPr>
-            <a:lvl7pPr marL="2743200" indent="0" algn="ctr">
+            <a:lvl7pPr marL="2057400" indent="0" algn="ctr">
               <a:buNone/>
+              <a:defRPr sz="1200"/>
             </a:lvl7pPr>
-            <a:lvl8pPr marL="3200400" indent="0" algn="ctr">
+            <a:lvl8pPr marL="2400300" indent="0" algn="ctr">
               <a:buNone/>
+              <a:defRPr sz="1200"/>
             </a:lvl8pPr>
-            <a:lvl9pPr marL="3657600" indent="0" algn="ctr">
+            <a:lvl9pPr marL="2743200" indent="0" algn="ctr">
               <a:buNone/>
+              <a:defRPr sz="1200"/>
             </a:lvl9pPr>
           </a:lstStyle>
           <a:p>
             <a:r>
-              <a:rPr kumimoji="0" lang="ru-RU"/>
+              <a:rPr lang="ru-RU"/>
               <a:t>Образец подзаголовка</a:t>
             </a:r>
-            <a:endParaRPr kumimoji="0" lang="en-US"/>
-          </a:p>
-        </p:txBody>
-      </p:sp>
-      <p:sp>
-        <p:nvSpPr>
-          <p:cNvPr id="28" name="Дата 27"/>
+          </a:p>
+        </p:txBody>
+      </p:sp>
+      <p:sp>
+        <p:nvSpPr>
+          <p:cNvPr id="4" name="Дата 3">
+            <a:extLst>
+              <a:ext uri="{FF2B5EF4-FFF2-40B4-BE49-F238E27FC236}">
+                <a16:creationId xmlns:a16="http://schemas.microsoft.com/office/drawing/2014/main" id="{A6AA3CFD-6886-4E3C-8B22-41F92588C8BC}"/>
+              </a:ext>
+            </a:extLst>
+          </p:cNvPr>
           <p:cNvSpPr>
             <a:spLocks noGrp="1"/>
           </p:cNvSpPr>
@@ -940,7 +1135,7 @@
             <a:fld id="{3056EE07-439D-40A8-B0B1-6FA70D688FD8}" type="datetime1">
               <a:rPr lang="ru-RU" smtClean="0"/>
               <a:pPr/>
-              <a:t>07.06.2021</a:t>
+              <a:t>09.06.2021</a:t>
             </a:fld>
             <a:endParaRPr lang="ru-RU"/>
           </a:p>
@@ -948,7 +1143,13 @@
       </p:sp>
       <p:sp>
         <p:nvSpPr>
-          <p:cNvPr id="17" name="Нижний колонтитул 16"/>
+          <p:cNvPr id="5" name="Нижний колонтитул 4">
+            <a:extLst>
+              <a:ext uri="{FF2B5EF4-FFF2-40B4-BE49-F238E27FC236}">
+                <a16:creationId xmlns:a16="http://schemas.microsoft.com/office/drawing/2014/main" id="{CB682CEB-DD9D-435F-9CAD-F95671347DE3}"/>
+              </a:ext>
+            </a:extLst>
+          </p:cNvPr>
           <p:cNvSpPr>
             <a:spLocks noGrp="1"/>
           </p:cNvSpPr>
@@ -967,7 +1168,13 @@
       </p:sp>
       <p:sp>
         <p:nvSpPr>
-          <p:cNvPr id="29" name="Номер слайда 28"/>
+          <p:cNvPr id="6" name="Номер слайда 5">
+            <a:extLst>
+              <a:ext uri="{FF2B5EF4-FFF2-40B4-BE49-F238E27FC236}">
+                <a16:creationId xmlns:a16="http://schemas.microsoft.com/office/drawing/2014/main" id="{B667FC21-8EAC-42D4-A440-2EE0B5B58835}"/>
+              </a:ext>
+            </a:extLst>
+          </p:cNvPr>
           <p:cNvSpPr>
             <a:spLocks noGrp="1"/>
           </p:cNvSpPr>
@@ -977,18 +1184,8 @@
         </p:nvSpPr>
         <p:spPr/>
         <p:txBody>
-          <a:bodyPr lIns="0" tIns="0" rIns="0" bIns="0">
-            <a:noAutofit/>
-          </a:bodyPr>
-          <a:lstStyle>
-            <a:lvl1pPr>
-              <a:defRPr sz="1400">
-                <a:solidFill>
-                  <a:srgbClr val="FFFFFF"/>
-                </a:solidFill>
-              </a:defRPr>
-            </a:lvl1pPr>
-          </a:lstStyle>
+          <a:bodyPr/>
+          <a:lstStyle/>
           <a:p>
             <a:fld id="{B19B0651-EE4F-4900-A07F-96A6BFA9D0F0}" type="slidenum">
               <a:rPr lang="ru-RU" smtClean="0"/>
@@ -999,188 +1196,15 @@
           </a:p>
         </p:txBody>
       </p:sp>
-      <p:sp>
-        <p:nvSpPr>
-          <p:cNvPr id="7" name="Прямоугольник 6"/>
-          <p:cNvSpPr/>
-          <p:nvPr/>
-        </p:nvSpPr>
-        <p:spPr>
-          <a:xfrm>
-            <a:off x="62931" y="1449303"/>
-            <a:ext cx="9021537" cy="1527349"/>
-          </a:xfrm>
-          <a:prstGeom prst="rect">
-            <a:avLst/>
-          </a:prstGeom>
-          <a:solidFill>
-            <a:schemeClr val="accent1">
-              <a:alpha val="100000"/>
-            </a:schemeClr>
-          </a:solidFill>
-          <a:ln w="19050" cap="sq" cmpd="sng" algn="ctr">
-            <a:noFill/>
-            <a:prstDash val="solid"/>
-          </a:ln>
-          <a:effectLst/>
-        </p:spPr>
-        <p:style>
-          <a:lnRef idx="3">
-            <a:schemeClr val="lt1"/>
-          </a:lnRef>
-          <a:fillRef idx="1">
-            <a:schemeClr val="accent1"/>
-          </a:fillRef>
-          <a:effectRef idx="1">
-            <a:schemeClr val="accent1"/>
-          </a:effectRef>
-          <a:fontRef idx="minor">
-            <a:schemeClr val="lt1"/>
-          </a:fontRef>
-        </p:style>
-        <p:txBody>
-          <a:bodyPr anchor="ctr"/>
-          <a:lstStyle/>
-          <a:p>
-            <a:pPr algn="ctr" eaLnBrk="1" latinLnBrk="0" hangingPunct="1"/>
-            <a:endParaRPr kumimoji="0" lang="en-US"/>
-          </a:p>
-        </p:txBody>
-      </p:sp>
-      <p:sp>
-        <p:nvSpPr>
-          <p:cNvPr id="10" name="Прямоугольник 9"/>
-          <p:cNvSpPr/>
-          <p:nvPr/>
-        </p:nvSpPr>
-        <p:spPr>
-          <a:xfrm>
-            <a:off x="62931" y="1396720"/>
-            <a:ext cx="9021537" cy="120580"/>
-          </a:xfrm>
-          <a:prstGeom prst="rect">
-            <a:avLst/>
-          </a:prstGeom>
-          <a:solidFill>
-            <a:schemeClr val="accent1">
-              <a:tint val="60000"/>
-            </a:schemeClr>
-          </a:solidFill>
-          <a:ln w="19050" cap="sq" cmpd="sng" algn="ctr">
-            <a:noFill/>
-            <a:prstDash val="solid"/>
-          </a:ln>
-          <a:effectLst/>
-        </p:spPr>
-        <p:style>
-          <a:lnRef idx="3">
-            <a:schemeClr val="lt1"/>
-          </a:lnRef>
-          <a:fillRef idx="1">
-            <a:schemeClr val="accent1"/>
-          </a:fillRef>
-          <a:effectRef idx="1">
-            <a:schemeClr val="accent1"/>
-          </a:effectRef>
-          <a:fontRef idx="minor">
-            <a:schemeClr val="lt1"/>
-          </a:fontRef>
-        </p:style>
-        <p:txBody>
-          <a:bodyPr anchor="ctr"/>
-          <a:lstStyle/>
-          <a:p>
-            <a:pPr algn="ctr" eaLnBrk="1" latinLnBrk="0" hangingPunct="1"/>
-            <a:endParaRPr kumimoji="0" lang="en-US"/>
-          </a:p>
-        </p:txBody>
-      </p:sp>
-      <p:sp>
-        <p:nvSpPr>
-          <p:cNvPr id="11" name="Прямоугольник 10"/>
-          <p:cNvSpPr/>
-          <p:nvPr/>
-        </p:nvSpPr>
-        <p:spPr>
-          <a:xfrm>
-            <a:off x="62931" y="2976649"/>
-            <a:ext cx="9021537" cy="110532"/>
-          </a:xfrm>
-          <a:prstGeom prst="rect">
-            <a:avLst/>
-          </a:prstGeom>
-          <a:solidFill>
-            <a:schemeClr val="accent5"/>
-          </a:solidFill>
-          <a:ln w="19050" cap="sq" cmpd="sng" algn="ctr">
-            <a:noFill/>
-            <a:prstDash val="solid"/>
-          </a:ln>
-          <a:effectLst/>
-        </p:spPr>
-        <p:style>
-          <a:lnRef idx="3">
-            <a:schemeClr val="lt1"/>
-          </a:lnRef>
-          <a:fillRef idx="1">
-            <a:schemeClr val="accent1"/>
-          </a:fillRef>
-          <a:effectRef idx="1">
-            <a:schemeClr val="accent1"/>
-          </a:effectRef>
-          <a:fontRef idx="minor">
-            <a:schemeClr val="lt1"/>
-          </a:fontRef>
-        </p:style>
-        <p:txBody>
-          <a:bodyPr anchor="ctr"/>
-          <a:lstStyle/>
-          <a:p>
-            <a:pPr algn="ctr" eaLnBrk="1" latinLnBrk="0" hangingPunct="1"/>
-            <a:endParaRPr kumimoji="0" lang="en-US"/>
-          </a:p>
-        </p:txBody>
-      </p:sp>
-      <p:sp>
-        <p:nvSpPr>
-          <p:cNvPr id="8" name="Заголовок 7"/>
-          <p:cNvSpPr>
-            <a:spLocks noGrp="1"/>
-          </p:cNvSpPr>
-          <p:nvPr>
-            <p:ph type="ctrTitle"/>
-          </p:nvPr>
-        </p:nvSpPr>
-        <p:spPr>
-          <a:xfrm>
-            <a:off x="457200" y="1505930"/>
-            <a:ext cx="8229600" cy="1470025"/>
-          </a:xfrm>
-        </p:spPr>
-        <p:txBody>
-          <a:bodyPr anchor="ctr"/>
-          <a:lstStyle>
-            <a:lvl1pPr algn="ctr">
-              <a:defRPr lang="en-US" dirty="0">
-                <a:solidFill>
-                  <a:srgbClr val="FFFFFF"/>
-                </a:solidFill>
-              </a:defRPr>
-            </a:lvl1pPr>
-          </a:lstStyle>
-          <a:p>
-            <a:r>
-              <a:rPr kumimoji="0" lang="ru-RU"/>
-              <a:t>Образец заголовка</a:t>
-            </a:r>
-            <a:endParaRPr kumimoji="0" lang="en-US"/>
-          </a:p>
-        </p:txBody>
-      </p:sp>
     </p:spTree>
+    <p:extLst>
+      <p:ext uri="{BB962C8B-B14F-4D97-AF65-F5344CB8AC3E}">
+        <p14:creationId xmlns:p14="http://schemas.microsoft.com/office/powerpoint/2010/main" val="3375752580"/>
+      </p:ext>
+    </p:extLst>
   </p:cSld>
   <p:clrMapOvr>
-    <a:overrideClrMapping bg1="lt1" tx1="dk1" bg2="lt2" tx2="dk2" accent1="accent1" accent2="accent2" accent3="accent3" accent4="accent4" accent5="accent5" accent6="accent6" hlink="hlink" folHlink="folHlink"/>
+    <a:masterClrMapping/>
   </p:clrMapOvr>
 </p:sldLayout>
 </file>
@@ -1204,7 +1228,13 @@
       </p:grpSpPr>
       <p:sp>
         <p:nvSpPr>
-          <p:cNvPr id="2" name="Заголовок 1"/>
+          <p:cNvPr id="2" name="Заголовок 1">
+            <a:extLst>
+              <a:ext uri="{FF2B5EF4-FFF2-40B4-BE49-F238E27FC236}">
+                <a16:creationId xmlns:a16="http://schemas.microsoft.com/office/drawing/2014/main" id="{EC82368B-73E8-42FA-834C-B667B23B4E4C}"/>
+              </a:ext>
+            </a:extLst>
+          </p:cNvPr>
           <p:cNvSpPr>
             <a:spLocks noGrp="1"/>
           </p:cNvSpPr>
@@ -1218,16 +1248,21 @@
           <a:lstStyle/>
           <a:p>
             <a:r>
-              <a:rPr kumimoji="0" lang="ru-RU"/>
+              <a:rPr lang="ru-RU"/>
               <a:t>Образец заголовка</a:t>
             </a:r>
-            <a:endParaRPr kumimoji="0" lang="en-US"/>
-          </a:p>
-        </p:txBody>
-      </p:sp>
-      <p:sp>
-        <p:nvSpPr>
-          <p:cNvPr id="3" name="Вертикальный текст 2"/>
+          </a:p>
+        </p:txBody>
+      </p:sp>
+      <p:sp>
+        <p:nvSpPr>
+          <p:cNvPr id="3" name="Вертикальный текст 2">
+            <a:extLst>
+              <a:ext uri="{FF2B5EF4-FFF2-40B4-BE49-F238E27FC236}">
+                <a16:creationId xmlns:a16="http://schemas.microsoft.com/office/drawing/2014/main" id="{3EEBC992-64C6-4FD2-8DA3-586489BE5F2A}"/>
+              </a:ext>
+            </a:extLst>
+          </p:cNvPr>
           <p:cNvSpPr>
             <a:spLocks noGrp="1"/>
           </p:cNvSpPr>
@@ -1240,46 +1275,51 @@
           <a:bodyPr vert="eaVert"/>
           <a:lstStyle/>
           <a:p>
-            <a:pPr lvl="0" eaLnBrk="1" latinLnBrk="0" hangingPunct="1"/>
+            <a:pPr lvl="0"/>
             <a:r>
               <a:rPr lang="ru-RU"/>
               <a:t>Образец текста</a:t>
             </a:r>
           </a:p>
           <a:p>
-            <a:pPr lvl="1" eaLnBrk="1" latinLnBrk="0" hangingPunct="1"/>
+            <a:pPr lvl="1"/>
             <a:r>
               <a:rPr lang="ru-RU"/>
               <a:t>Второй уровень</a:t>
             </a:r>
           </a:p>
           <a:p>
-            <a:pPr lvl="2" eaLnBrk="1" latinLnBrk="0" hangingPunct="1"/>
+            <a:pPr lvl="2"/>
             <a:r>
               <a:rPr lang="ru-RU"/>
               <a:t>Третий уровень</a:t>
             </a:r>
           </a:p>
           <a:p>
-            <a:pPr lvl="3" eaLnBrk="1" latinLnBrk="0" hangingPunct="1"/>
+            <a:pPr lvl="3"/>
             <a:r>
               <a:rPr lang="ru-RU"/>
               <a:t>Четвертый уровень</a:t>
             </a:r>
           </a:p>
           <a:p>
-            <a:pPr lvl="4" eaLnBrk="1" latinLnBrk="0" hangingPunct="1"/>
+            <a:pPr lvl="4"/>
             <a:r>
               <a:rPr lang="ru-RU"/>
               <a:t>Пятый уровень</a:t>
             </a:r>
-            <a:endParaRPr kumimoji="0" lang="en-US"/>
-          </a:p>
-        </p:txBody>
-      </p:sp>
-      <p:sp>
-        <p:nvSpPr>
-          <p:cNvPr id="4" name="Дата 3"/>
+          </a:p>
+        </p:txBody>
+      </p:sp>
+      <p:sp>
+        <p:nvSpPr>
+          <p:cNvPr id="4" name="Дата 3">
+            <a:extLst>
+              <a:ext uri="{FF2B5EF4-FFF2-40B4-BE49-F238E27FC236}">
+                <a16:creationId xmlns:a16="http://schemas.microsoft.com/office/drawing/2014/main" id="{55FC8E3D-4A92-4ABF-9775-AD8DE5682B46}"/>
+              </a:ext>
+            </a:extLst>
+          </p:cNvPr>
           <p:cNvSpPr>
             <a:spLocks noGrp="1"/>
           </p:cNvSpPr>
@@ -1295,7 +1335,7 @@
             <a:fld id="{D978DFEC-50A4-4CBC-81C5-A1DEF38C99F5}" type="datetime1">
               <a:rPr lang="ru-RU" smtClean="0"/>
               <a:pPr/>
-              <a:t>07.06.2021</a:t>
+              <a:t>09.06.2021</a:t>
             </a:fld>
             <a:endParaRPr lang="ru-RU"/>
           </a:p>
@@ -1303,7 +1343,13 @@
       </p:sp>
       <p:sp>
         <p:nvSpPr>
-          <p:cNvPr id="5" name="Нижний колонтитул 4"/>
+          <p:cNvPr id="5" name="Нижний колонтитул 4">
+            <a:extLst>
+              <a:ext uri="{FF2B5EF4-FFF2-40B4-BE49-F238E27FC236}">
+                <a16:creationId xmlns:a16="http://schemas.microsoft.com/office/drawing/2014/main" id="{D7632375-D65F-421B-8155-50038F4D0035}"/>
+              </a:ext>
+            </a:extLst>
+          </p:cNvPr>
           <p:cNvSpPr>
             <a:spLocks noGrp="1"/>
           </p:cNvSpPr>
@@ -1322,7 +1368,13 @@
       </p:sp>
       <p:sp>
         <p:nvSpPr>
-          <p:cNvPr id="6" name="Номер слайда 5"/>
+          <p:cNvPr id="6" name="Номер слайда 5">
+            <a:extLst>
+              <a:ext uri="{FF2B5EF4-FFF2-40B4-BE49-F238E27FC236}">
+                <a16:creationId xmlns:a16="http://schemas.microsoft.com/office/drawing/2014/main" id="{4A89CE12-DC8A-4FA8-925B-9F92104B4FB7}"/>
+              </a:ext>
+            </a:extLst>
+          </p:cNvPr>
           <p:cNvSpPr>
             <a:spLocks noGrp="1"/>
           </p:cNvSpPr>
@@ -1345,6 +1397,11 @@
         </p:txBody>
       </p:sp>
     </p:spTree>
+    <p:extLst>
+      <p:ext uri="{BB962C8B-B14F-4D97-AF65-F5344CB8AC3E}">
+        <p14:creationId xmlns:p14="http://schemas.microsoft.com/office/powerpoint/2010/main" val="1771525062"/>
+      </p:ext>
+    </p:extLst>
   </p:cSld>
   <p:clrMapOvr>
     <a:masterClrMapping/>
@@ -1371,7 +1428,13 @@
       </p:grpSpPr>
       <p:sp>
         <p:nvSpPr>
-          <p:cNvPr id="2" name="Вертикальный заголовок 1"/>
+          <p:cNvPr id="2" name="Вертикальный заголовок 1">
+            <a:extLst>
+              <a:ext uri="{FF2B5EF4-FFF2-40B4-BE49-F238E27FC236}">
+                <a16:creationId xmlns:a16="http://schemas.microsoft.com/office/drawing/2014/main" id="{81341832-DD97-4927-AFF6-089D2A7D9659}"/>
+              </a:ext>
+            </a:extLst>
+          </p:cNvPr>
           <p:cNvSpPr>
             <a:spLocks noGrp="1"/>
           </p:cNvSpPr>
@@ -1381,8 +1444,8 @@
         </p:nvSpPr>
         <p:spPr>
           <a:xfrm>
-            <a:off x="6629400" y="274641"/>
-            <a:ext cx="2011680" cy="5851525"/>
+            <a:off x="6543675" y="365125"/>
+            <a:ext cx="1971675" cy="5811838"/>
           </a:xfrm>
         </p:spPr>
         <p:txBody>
@@ -1390,16 +1453,21 @@
           <a:lstStyle/>
           <a:p>
             <a:r>
-              <a:rPr kumimoji="0" lang="ru-RU"/>
+              <a:rPr lang="ru-RU"/>
               <a:t>Образец заголовка</a:t>
             </a:r>
-            <a:endParaRPr kumimoji="0" lang="en-US"/>
-          </a:p>
-        </p:txBody>
-      </p:sp>
-      <p:sp>
-        <p:nvSpPr>
-          <p:cNvPr id="3" name="Вертикальный текст 2"/>
+          </a:p>
+        </p:txBody>
+      </p:sp>
+      <p:sp>
+        <p:nvSpPr>
+          <p:cNvPr id="3" name="Вертикальный текст 2">
+            <a:extLst>
+              <a:ext uri="{FF2B5EF4-FFF2-40B4-BE49-F238E27FC236}">
+                <a16:creationId xmlns:a16="http://schemas.microsoft.com/office/drawing/2014/main" id="{B0A95388-BAD2-4431-AF66-63BB20EE15EB}"/>
+              </a:ext>
+            </a:extLst>
+          </p:cNvPr>
           <p:cNvSpPr>
             <a:spLocks noGrp="1"/>
           </p:cNvSpPr>
@@ -1409,54 +1477,59 @@
         </p:nvSpPr>
         <p:spPr>
           <a:xfrm>
-            <a:off x="914400" y="274640"/>
-            <a:ext cx="5562600" cy="5851525"/>
+            <a:off x="628650" y="365125"/>
+            <a:ext cx="5800725" cy="5811838"/>
           </a:xfrm>
         </p:spPr>
         <p:txBody>
           <a:bodyPr vert="eaVert"/>
           <a:lstStyle/>
           <a:p>
-            <a:pPr lvl="0" eaLnBrk="1" latinLnBrk="0" hangingPunct="1"/>
+            <a:pPr lvl="0"/>
             <a:r>
               <a:rPr lang="ru-RU"/>
               <a:t>Образец текста</a:t>
             </a:r>
           </a:p>
           <a:p>
-            <a:pPr lvl="1" eaLnBrk="1" latinLnBrk="0" hangingPunct="1"/>
+            <a:pPr lvl="1"/>
             <a:r>
               <a:rPr lang="ru-RU"/>
               <a:t>Второй уровень</a:t>
             </a:r>
           </a:p>
           <a:p>
-            <a:pPr lvl="2" eaLnBrk="1" latinLnBrk="0" hangingPunct="1"/>
+            <a:pPr lvl="2"/>
             <a:r>
               <a:rPr lang="ru-RU"/>
               <a:t>Третий уровень</a:t>
             </a:r>
           </a:p>
           <a:p>
-            <a:pPr lvl="3" eaLnBrk="1" latinLnBrk="0" hangingPunct="1"/>
+            <a:pPr lvl="3"/>
             <a:r>
               <a:rPr lang="ru-RU"/>
               <a:t>Четвертый уровень</a:t>
             </a:r>
           </a:p>
           <a:p>
-            <a:pPr lvl="4" eaLnBrk="1" latinLnBrk="0" hangingPunct="1"/>
+            <a:pPr lvl="4"/>
             <a:r>
               <a:rPr lang="ru-RU"/>
               <a:t>Пятый уровень</a:t>
             </a:r>
-            <a:endParaRPr kumimoji="0" lang="en-US"/>
-          </a:p>
-        </p:txBody>
-      </p:sp>
-      <p:sp>
-        <p:nvSpPr>
-          <p:cNvPr id="4" name="Дата 3"/>
+          </a:p>
+        </p:txBody>
+      </p:sp>
+      <p:sp>
+        <p:nvSpPr>
+          <p:cNvPr id="4" name="Дата 3">
+            <a:extLst>
+              <a:ext uri="{FF2B5EF4-FFF2-40B4-BE49-F238E27FC236}">
+                <a16:creationId xmlns:a16="http://schemas.microsoft.com/office/drawing/2014/main" id="{F0D2A82D-8A1C-43E8-A449-41DE0250C938}"/>
+              </a:ext>
+            </a:extLst>
+          </p:cNvPr>
           <p:cNvSpPr>
             <a:spLocks noGrp="1"/>
           </p:cNvSpPr>
@@ -1472,7 +1545,7 @@
             <a:fld id="{B9EAD665-5C04-450D-9889-CABB9893D79F}" type="datetime1">
               <a:rPr lang="ru-RU" smtClean="0"/>
               <a:pPr/>
-              <a:t>07.06.2021</a:t>
+              <a:t>09.06.2021</a:t>
             </a:fld>
             <a:endParaRPr lang="ru-RU"/>
           </a:p>
@@ -1480,7 +1553,13 @@
       </p:sp>
       <p:sp>
         <p:nvSpPr>
-          <p:cNvPr id="5" name="Нижний колонтитул 4"/>
+          <p:cNvPr id="5" name="Нижний колонтитул 4">
+            <a:extLst>
+              <a:ext uri="{FF2B5EF4-FFF2-40B4-BE49-F238E27FC236}">
+                <a16:creationId xmlns:a16="http://schemas.microsoft.com/office/drawing/2014/main" id="{FE133CC2-DF2C-4023-BC11-D0AF5E4D04B7}"/>
+              </a:ext>
+            </a:extLst>
+          </p:cNvPr>
           <p:cNvSpPr>
             <a:spLocks noGrp="1"/>
           </p:cNvSpPr>
@@ -1499,7 +1578,13 @@
       </p:sp>
       <p:sp>
         <p:nvSpPr>
-          <p:cNvPr id="6" name="Номер слайда 5"/>
+          <p:cNvPr id="6" name="Номер слайда 5">
+            <a:extLst>
+              <a:ext uri="{FF2B5EF4-FFF2-40B4-BE49-F238E27FC236}">
+                <a16:creationId xmlns:a16="http://schemas.microsoft.com/office/drawing/2014/main" id="{A44BA1A5-2C63-4EEE-8827-A7C94ABB6C69}"/>
+              </a:ext>
+            </a:extLst>
+          </p:cNvPr>
           <p:cNvSpPr>
             <a:spLocks noGrp="1"/>
           </p:cNvSpPr>
@@ -1522,6 +1607,11 @@
         </p:txBody>
       </p:sp>
     </p:spTree>
+    <p:extLst>
+      <p:ext uri="{BB962C8B-B14F-4D97-AF65-F5344CB8AC3E}">
+        <p14:creationId xmlns:p14="http://schemas.microsoft.com/office/powerpoint/2010/main" val="1116962928"/>
+      </p:ext>
+    </p:extLst>
   </p:cSld>
   <p:clrMapOvr>
     <a:masterClrMapping/>
@@ -1548,7 +1638,13 @@
       </p:grpSpPr>
       <p:sp>
         <p:nvSpPr>
-          <p:cNvPr id="2" name="Заголовок 1"/>
+          <p:cNvPr id="2" name="Заголовок 1">
+            <a:extLst>
+              <a:ext uri="{FF2B5EF4-FFF2-40B4-BE49-F238E27FC236}">
+                <a16:creationId xmlns:a16="http://schemas.microsoft.com/office/drawing/2014/main" id="{36A3BA97-99F6-497A-9534-D433F1BC82FA}"/>
+              </a:ext>
+            </a:extLst>
+          </p:cNvPr>
           <p:cNvSpPr>
             <a:spLocks noGrp="1"/>
           </p:cNvSpPr>
@@ -1562,16 +1658,78 @@
           <a:lstStyle/>
           <a:p>
             <a:r>
-              <a:rPr kumimoji="0" lang="ru-RU"/>
+              <a:rPr lang="ru-RU"/>
               <a:t>Образец заголовка</a:t>
             </a:r>
-            <a:endParaRPr kumimoji="0" lang="en-US"/>
-          </a:p>
-        </p:txBody>
-      </p:sp>
-      <p:sp>
-        <p:nvSpPr>
-          <p:cNvPr id="4" name="Дата 3"/>
+          </a:p>
+        </p:txBody>
+      </p:sp>
+      <p:sp>
+        <p:nvSpPr>
+          <p:cNvPr id="3" name="Объект 2">
+            <a:extLst>
+              <a:ext uri="{FF2B5EF4-FFF2-40B4-BE49-F238E27FC236}">
+                <a16:creationId xmlns:a16="http://schemas.microsoft.com/office/drawing/2014/main" id="{50868578-B2FE-461E-A538-40AB0A07D5B0}"/>
+              </a:ext>
+            </a:extLst>
+          </p:cNvPr>
+          <p:cNvSpPr>
+            <a:spLocks noGrp="1"/>
+          </p:cNvSpPr>
+          <p:nvPr>
+            <p:ph idx="1"/>
+          </p:nvPr>
+        </p:nvSpPr>
+        <p:spPr/>
+        <p:txBody>
+          <a:bodyPr/>
+          <a:lstStyle/>
+          <a:p>
+            <a:pPr lvl="0"/>
+            <a:r>
+              <a:rPr lang="ru-RU"/>
+              <a:t>Образец текста</a:t>
+            </a:r>
+          </a:p>
+          <a:p>
+            <a:pPr lvl="1"/>
+            <a:r>
+              <a:rPr lang="ru-RU"/>
+              <a:t>Второй уровень</a:t>
+            </a:r>
+          </a:p>
+          <a:p>
+            <a:pPr lvl="2"/>
+            <a:r>
+              <a:rPr lang="ru-RU"/>
+              <a:t>Третий уровень</a:t>
+            </a:r>
+          </a:p>
+          <a:p>
+            <a:pPr lvl="3"/>
+            <a:r>
+              <a:rPr lang="ru-RU"/>
+              <a:t>Четвертый уровень</a:t>
+            </a:r>
+          </a:p>
+          <a:p>
+            <a:pPr lvl="4"/>
+            <a:r>
+              <a:rPr lang="ru-RU"/>
+              <a:t>Пятый уровень</a:t>
+            </a:r>
+          </a:p>
+        </p:txBody>
+      </p:sp>
+      <p:sp>
+        <p:nvSpPr>
+          <p:cNvPr id="4" name="Дата 3">
+            <a:extLst>
+              <a:ext uri="{FF2B5EF4-FFF2-40B4-BE49-F238E27FC236}">
+                <a16:creationId xmlns:a16="http://schemas.microsoft.com/office/drawing/2014/main" id="{DE38F46E-B93D-440F-BAEE-D12DDDE3FE0D}"/>
+              </a:ext>
+            </a:extLst>
+          </p:cNvPr>
           <p:cNvSpPr>
             <a:spLocks noGrp="1"/>
           </p:cNvSpPr>
@@ -1587,7 +1745,7 @@
             <a:fld id="{B2490683-9178-4F11-A096-02F6706D5CBB}" type="datetime1">
               <a:rPr lang="ru-RU" smtClean="0"/>
               <a:pPr/>
-              <a:t>07.06.2021</a:t>
+              <a:t>09.06.2021</a:t>
             </a:fld>
             <a:endParaRPr lang="ru-RU"/>
           </a:p>
@@ -1595,7 +1753,13 @@
       </p:sp>
       <p:sp>
         <p:nvSpPr>
-          <p:cNvPr id="5" name="Нижний колонтитул 4"/>
+          <p:cNvPr id="5" name="Нижний колонтитул 4">
+            <a:extLst>
+              <a:ext uri="{FF2B5EF4-FFF2-40B4-BE49-F238E27FC236}">
+                <a16:creationId xmlns:a16="http://schemas.microsoft.com/office/drawing/2014/main" id="{BF5C814B-B8CD-45D2-A4A0-E45664467CDC}"/>
+              </a:ext>
+            </a:extLst>
+          </p:cNvPr>
           <p:cNvSpPr>
             <a:spLocks noGrp="1"/>
           </p:cNvSpPr>
@@ -1614,7 +1778,13 @@
       </p:sp>
       <p:sp>
         <p:nvSpPr>
-          <p:cNvPr id="6" name="Номер слайда 5"/>
+          <p:cNvPr id="6" name="Номер слайда 5">
+            <a:extLst>
+              <a:ext uri="{FF2B5EF4-FFF2-40B4-BE49-F238E27FC236}">
+                <a16:creationId xmlns:a16="http://schemas.microsoft.com/office/drawing/2014/main" id="{E5F0BEB0-D802-45EB-BBE0-0532D30D9762}"/>
+              </a:ext>
+            </a:extLst>
+          </p:cNvPr>
           <p:cNvSpPr>
             <a:spLocks noGrp="1"/>
           </p:cNvSpPr>
@@ -1636,64 +1806,12 @@
           </a:p>
         </p:txBody>
       </p:sp>
-      <p:sp>
-        <p:nvSpPr>
-          <p:cNvPr id="8" name="Содержимое 7"/>
-          <p:cNvSpPr>
-            <a:spLocks noGrp="1"/>
-          </p:cNvSpPr>
-          <p:nvPr>
-            <p:ph sz="quarter" idx="1"/>
-          </p:nvPr>
-        </p:nvSpPr>
-        <p:spPr>
-          <a:xfrm>
-            <a:off x="914400" y="1447800"/>
-            <a:ext cx="7772400" cy="4572000"/>
-          </a:xfrm>
-        </p:spPr>
-        <p:txBody>
-          <a:bodyPr vert="horz"/>
-          <a:lstStyle/>
-          <a:p>
-            <a:pPr lvl="0" eaLnBrk="1" latinLnBrk="0" hangingPunct="1"/>
-            <a:r>
-              <a:rPr lang="ru-RU"/>
-              <a:t>Образец текста</a:t>
-            </a:r>
-          </a:p>
-          <a:p>
-            <a:pPr lvl="1" eaLnBrk="1" latinLnBrk="0" hangingPunct="1"/>
-            <a:r>
-              <a:rPr lang="ru-RU"/>
-              <a:t>Второй уровень</a:t>
-            </a:r>
-          </a:p>
-          <a:p>
-            <a:pPr lvl="2" eaLnBrk="1" latinLnBrk="0" hangingPunct="1"/>
-            <a:r>
-              <a:rPr lang="ru-RU"/>
-              <a:t>Третий уровень</a:t>
-            </a:r>
-          </a:p>
-          <a:p>
-            <a:pPr lvl="3" eaLnBrk="1" latinLnBrk="0" hangingPunct="1"/>
-            <a:r>
-              <a:rPr lang="ru-RU"/>
-              <a:t>Четвертый уровень</a:t>
-            </a:r>
-          </a:p>
-          <a:p>
-            <a:pPr lvl="4" eaLnBrk="1" latinLnBrk="0" hangingPunct="1"/>
-            <a:r>
-              <a:rPr lang="ru-RU"/>
-              <a:t>Пятый уровень</a:t>
-            </a:r>
-            <a:endParaRPr kumimoji="0" lang="en-US"/>
-          </a:p>
-        </p:txBody>
-      </p:sp>
     </p:spTree>
+    <p:extLst>
+      <p:ext uri="{BB962C8B-B14F-4D97-AF65-F5344CB8AC3E}">
+        <p14:creationId xmlns:p14="http://schemas.microsoft.com/office/powerpoint/2010/main" val="773761990"/>
+      </p:ext>
+    </p:extLst>
   </p:cSld>
   <p:clrMapOvr>
     <a:masterClrMapping/>
@@ -1702,13 +1820,8 @@
 </file>
 
 <file path=ppt/slideLayouts/slideLayout3.xml><?xml version="1.0" encoding="utf-8"?>
-<p:sldLayout xmlns:a="http://schemas.openxmlformats.org/drawingml/2006/main" xmlns:r="http://schemas.openxmlformats.org/officeDocument/2006/relationships" xmlns:p="http://schemas.openxmlformats.org/presentationml/2006/main" showMasterSp="0" type="secHead" preserve="1">
+<p:sldLayout xmlns:a="http://schemas.openxmlformats.org/drawingml/2006/main" xmlns:r="http://schemas.openxmlformats.org/officeDocument/2006/relationships" xmlns:p="http://schemas.openxmlformats.org/presentationml/2006/main" type="secHead" preserve="1">
   <p:cSld name="Заголовок раздела">
-    <p:bg>
-      <p:bgRef idx="1003">
-        <a:schemeClr val="bg1"/>
-      </p:bgRef>
-    </p:bg>
     <p:spTree>
       <p:nvGrpSpPr>
         <p:cNvPr id="1" name=""/>
@@ -1725,101 +1838,13 @@
       </p:grpSpPr>
       <p:sp>
         <p:nvSpPr>
-          <p:cNvPr id="11" name="Прямоугольник 10"/>
-          <p:cNvSpPr/>
-          <p:nvPr/>
-        </p:nvSpPr>
-        <p:spPr>
-          <a:xfrm>
-            <a:off x="0" y="0"/>
-            <a:ext cx="9144000" cy="6858000"/>
-          </a:xfrm>
-          <a:prstGeom prst="rect">
-            <a:avLst/>
-          </a:prstGeom>
-          <a:solidFill>
-            <a:srgbClr val="FFFFFF"/>
-          </a:solidFill>
-          <a:ln w="12700" cap="flat" cmpd="sng" algn="ctr">
-            <a:noFill/>
-            <a:prstDash val="solid"/>
-          </a:ln>
-        </p:spPr>
-        <p:style>
-          <a:lnRef idx="2">
-            <a:schemeClr val="accent1"/>
-          </a:lnRef>
-          <a:fillRef idx="1">
-            <a:schemeClr val="accent1"/>
-          </a:fillRef>
-          <a:effectRef idx="0">
-            <a:schemeClr val="accent1"/>
-          </a:effectRef>
-          <a:fontRef idx="minor">
-            <a:schemeClr val="lt1"/>
-          </a:fontRef>
-        </p:style>
-        <p:txBody>
-          <a:bodyPr rtlCol="0" anchor="ctr"/>
-          <a:lstStyle/>
-          <a:p>
-            <a:pPr algn="ctr" eaLnBrk="1" latinLnBrk="0" hangingPunct="1"/>
-            <a:endParaRPr kumimoji="0" lang="en-US"/>
-          </a:p>
-        </p:txBody>
-      </p:sp>
-      <p:sp useBgFill="1">
-        <p:nvSpPr>
-          <p:cNvPr id="10" name="Скругленный прямоугольник 9"/>
-          <p:cNvSpPr/>
-          <p:nvPr/>
-        </p:nvSpPr>
-        <p:spPr>
-          <a:xfrm>
-            <a:off x="65313" y="69755"/>
-            <a:ext cx="9013372" cy="6692201"/>
-          </a:xfrm>
-          <a:prstGeom prst="roundRect">
-            <a:avLst>
-              <a:gd name="adj" fmla="val 4929"/>
-            </a:avLst>
-          </a:prstGeom>
-          <a:ln w="6350" cap="sq" cmpd="sng" algn="ctr">
-            <a:solidFill>
-              <a:schemeClr val="tx1">
-                <a:alpha val="100000"/>
-              </a:schemeClr>
-            </a:solidFill>
-            <a:prstDash val="solid"/>
-          </a:ln>
-          <a:effectLst/>
-        </p:spPr>
-        <p:style>
-          <a:lnRef idx="3">
-            <a:schemeClr val="lt1"/>
-          </a:lnRef>
-          <a:fillRef idx="1003">
-            <a:schemeClr val="lt1"/>
-          </a:fillRef>
-          <a:effectRef idx="1">
-            <a:schemeClr val="accent1"/>
-          </a:effectRef>
-          <a:fontRef idx="minor">
-            <a:schemeClr val="lt1"/>
-          </a:fontRef>
-        </p:style>
-        <p:txBody>
-          <a:bodyPr anchor="ctr"/>
-          <a:lstStyle/>
-          <a:p>
-            <a:pPr algn="ctr" eaLnBrk="1" latinLnBrk="0" hangingPunct="1"/>
-            <a:endParaRPr kumimoji="0" lang="en-US"/>
-          </a:p>
-        </p:txBody>
-      </p:sp>
-      <p:sp>
-        <p:nvSpPr>
-          <p:cNvPr id="2" name="Заголовок 1"/>
+          <p:cNvPr id="2" name="Заголовок 1">
+            <a:extLst>
+              <a:ext uri="{FF2B5EF4-FFF2-40B4-BE49-F238E27FC236}">
+                <a16:creationId xmlns:a16="http://schemas.microsoft.com/office/drawing/2014/main" id="{5CDFEEE2-CACE-4988-97AE-7B459D172577}"/>
+              </a:ext>
+            </a:extLst>
+          </p:cNvPr>
           <p:cNvSpPr>
             <a:spLocks noGrp="1"/>
           </p:cNvSpPr>
@@ -1829,30 +1854,34 @@
         </p:nvSpPr>
         <p:spPr>
           <a:xfrm>
-            <a:off x="722313" y="952500"/>
-            <a:ext cx="7772400" cy="1362075"/>
-          </a:xfrm>
-        </p:spPr>
-        <p:txBody>
-          <a:bodyPr anchor="b" anchorCtr="0"/>
+            <a:off x="623888" y="1709739"/>
+            <a:ext cx="7886700" cy="2852737"/>
+          </a:xfrm>
+        </p:spPr>
+        <p:txBody>
+          <a:bodyPr anchor="b"/>
           <a:lstStyle>
-            <a:lvl1pPr algn="l">
-              <a:buNone/>
-              <a:defRPr sz="4000" b="0" cap="none"/>
+            <a:lvl1pPr>
+              <a:defRPr sz="4500"/>
             </a:lvl1pPr>
           </a:lstStyle>
           <a:p>
             <a:r>
-              <a:rPr kumimoji="0" lang="ru-RU"/>
+              <a:rPr lang="ru-RU"/>
               <a:t>Образец заголовка</a:t>
             </a:r>
-            <a:endParaRPr kumimoji="0" lang="en-US"/>
-          </a:p>
-        </p:txBody>
-      </p:sp>
-      <p:sp>
-        <p:nvSpPr>
-          <p:cNvPr id="3" name="Текст 2"/>
+          </a:p>
+        </p:txBody>
+      </p:sp>
+      <p:sp>
+        <p:nvSpPr>
+          <p:cNvPr id="3" name="Текст 2">
+            <a:extLst>
+              <a:ext uri="{FF2B5EF4-FFF2-40B4-BE49-F238E27FC236}">
+                <a16:creationId xmlns:a16="http://schemas.microsoft.com/office/drawing/2014/main" id="{ECCA7FCE-026A-4234-85C3-778414D4B2EF}"/>
+              </a:ext>
+            </a:extLst>
+          </p:cNvPr>
           <p:cNvSpPr>
             <a:spLocks noGrp="1"/>
           </p:cNvSpPr>
@@ -1862,24 +1891,14 @@
         </p:nvSpPr>
         <p:spPr>
           <a:xfrm>
-            <a:off x="722313" y="2547938"/>
-            <a:ext cx="7772400" cy="1338262"/>
-          </a:xfrm>
-        </p:spPr>
-        <p:txBody>
-          <a:bodyPr anchor="t" anchorCtr="0"/>
+            <a:off x="623888" y="4589464"/>
+            <a:ext cx="7886700" cy="1500187"/>
+          </a:xfrm>
+        </p:spPr>
+        <p:txBody>
+          <a:bodyPr/>
           <a:lstStyle>
             <a:lvl1pPr marL="0" indent="0">
-              <a:buNone/>
-              <a:defRPr sz="2400">
-                <a:solidFill>
-                  <a:schemeClr val="tx1">
-                    <a:tint val="75000"/>
-                  </a:schemeClr>
-                </a:solidFill>
-              </a:defRPr>
-            </a:lvl1pPr>
-            <a:lvl2pPr>
               <a:buNone/>
               <a:defRPr sz="1800">
                 <a:solidFill>
@@ -1888,10 +1907,20 @@
                   </a:schemeClr>
                 </a:solidFill>
               </a:defRPr>
+            </a:lvl1pPr>
+            <a:lvl2pPr marL="342900" indent="0">
+              <a:buNone/>
+              <a:defRPr sz="1500">
+                <a:solidFill>
+                  <a:schemeClr val="tx1">
+                    <a:tint val="75000"/>
+                  </a:schemeClr>
+                </a:solidFill>
+              </a:defRPr>
             </a:lvl2pPr>
-            <a:lvl3pPr>
+            <a:lvl3pPr marL="685800" indent="0">
               <a:buNone/>
-              <a:defRPr sz="1600">
+              <a:defRPr sz="1350">
                 <a:solidFill>
                   <a:schemeClr val="tx1">
                     <a:tint val="75000"/>
@@ -1899,9 +1928,9 @@
                 </a:solidFill>
               </a:defRPr>
             </a:lvl3pPr>
-            <a:lvl4pPr>
+            <a:lvl4pPr marL="1028700" indent="0">
               <a:buNone/>
-              <a:defRPr sz="1400">
+              <a:defRPr sz="1200">
                 <a:solidFill>
                   <a:schemeClr val="tx1">
                     <a:tint val="75000"/>
@@ -1909,9 +1938,9 @@
                 </a:solidFill>
               </a:defRPr>
             </a:lvl4pPr>
-            <a:lvl5pPr>
+            <a:lvl5pPr marL="1371600" indent="0">
               <a:buNone/>
-              <a:defRPr sz="1400">
+              <a:defRPr sz="1200">
                 <a:solidFill>
                   <a:schemeClr val="tx1">
                     <a:tint val="75000"/>
@@ -1919,11 +1948,51 @@
                 </a:solidFill>
               </a:defRPr>
             </a:lvl5pPr>
+            <a:lvl6pPr marL="1714500" indent="0">
+              <a:buNone/>
+              <a:defRPr sz="1200">
+                <a:solidFill>
+                  <a:schemeClr val="tx1">
+                    <a:tint val="75000"/>
+                  </a:schemeClr>
+                </a:solidFill>
+              </a:defRPr>
+            </a:lvl6pPr>
+            <a:lvl7pPr marL="2057400" indent="0">
+              <a:buNone/>
+              <a:defRPr sz="1200">
+                <a:solidFill>
+                  <a:schemeClr val="tx1">
+                    <a:tint val="75000"/>
+                  </a:schemeClr>
+                </a:solidFill>
+              </a:defRPr>
+            </a:lvl7pPr>
+            <a:lvl8pPr marL="2400300" indent="0">
+              <a:buNone/>
+              <a:defRPr sz="1200">
+                <a:solidFill>
+                  <a:schemeClr val="tx1">
+                    <a:tint val="75000"/>
+                  </a:schemeClr>
+                </a:solidFill>
+              </a:defRPr>
+            </a:lvl8pPr>
+            <a:lvl9pPr marL="2743200" indent="0">
+              <a:buNone/>
+              <a:defRPr sz="1200">
+                <a:solidFill>
+                  <a:schemeClr val="tx1">
+                    <a:tint val="75000"/>
+                  </a:schemeClr>
+                </a:solidFill>
+              </a:defRPr>
+            </a:lvl9pPr>
           </a:lstStyle>
           <a:p>
-            <a:pPr lvl="0" eaLnBrk="1" latinLnBrk="0" hangingPunct="1"/>
-            <a:r>
-              <a:rPr kumimoji="0" lang="ru-RU"/>
+            <a:pPr lvl="0"/>
+            <a:r>
+              <a:rPr lang="ru-RU"/>
               <a:t>Образец текста</a:t>
             </a:r>
           </a:p>
@@ -1931,7 +2000,13 @@
       </p:sp>
       <p:sp>
         <p:nvSpPr>
-          <p:cNvPr id="4" name="Дата 3"/>
+          <p:cNvPr id="4" name="Дата 3">
+            <a:extLst>
+              <a:ext uri="{FF2B5EF4-FFF2-40B4-BE49-F238E27FC236}">
+                <a16:creationId xmlns:a16="http://schemas.microsoft.com/office/drawing/2014/main" id="{3504661A-4291-4056-8943-E46FDB538C72}"/>
+              </a:ext>
+            </a:extLst>
+          </p:cNvPr>
           <p:cNvSpPr>
             <a:spLocks noGrp="1"/>
           </p:cNvSpPr>
@@ -1947,7 +2022,7 @@
             <a:fld id="{3B5CB79F-6CDB-4995-85FF-2A33F5B99820}" type="datetime1">
               <a:rPr lang="ru-RU" smtClean="0"/>
               <a:pPr/>
-              <a:t>07.06.2021</a:t>
+              <a:t>09.06.2021</a:t>
             </a:fld>
             <a:endParaRPr lang="ru-RU"/>
           </a:p>
@@ -1955,7 +2030,13 @@
       </p:sp>
       <p:sp>
         <p:nvSpPr>
-          <p:cNvPr id="5" name="Нижний колонтитул 4"/>
+          <p:cNvPr id="5" name="Нижний колонтитул 4">
+            <a:extLst>
+              <a:ext uri="{FF2B5EF4-FFF2-40B4-BE49-F238E27FC236}">
+                <a16:creationId xmlns:a16="http://schemas.microsoft.com/office/drawing/2014/main" id="{028BEBCC-F93C-4A08-8E9A-3432A4B9A7FC}"/>
+              </a:ext>
+            </a:extLst>
+          </p:cNvPr>
           <p:cNvSpPr>
             <a:spLocks noGrp="1"/>
           </p:cNvSpPr>
@@ -1963,12 +2044,7 @@
             <p:ph type="ftr" sz="quarter" idx="11"/>
           </p:nvPr>
         </p:nvSpPr>
-        <p:spPr>
-          <a:xfrm>
-            <a:off x="800100" y="6172200"/>
-            <a:ext cx="4000500" cy="457200"/>
-          </a:xfrm>
-        </p:spPr>
+        <p:spPr/>
         <p:txBody>
           <a:bodyPr/>
           <a:lstStyle/>
@@ -1979,149 +2055,13 @@
       </p:sp>
       <p:sp>
         <p:nvSpPr>
-          <p:cNvPr id="7" name="Прямоугольник 6"/>
-          <p:cNvSpPr/>
-          <p:nvPr/>
-        </p:nvSpPr>
-        <p:spPr>
-          <a:xfrm flipV="1">
-            <a:off x="69412" y="2376830"/>
-            <a:ext cx="9013515" cy="91440"/>
-          </a:xfrm>
-          <a:prstGeom prst="rect">
-            <a:avLst/>
-          </a:prstGeom>
-          <a:solidFill>
-            <a:schemeClr val="accent1">
-              <a:alpha val="100000"/>
-            </a:schemeClr>
-          </a:solidFill>
-          <a:ln w="19050" cap="sq" cmpd="sng" algn="ctr">
-            <a:noFill/>
-            <a:prstDash val="solid"/>
-          </a:ln>
-          <a:effectLst/>
-        </p:spPr>
-        <p:style>
-          <a:lnRef idx="3">
-            <a:schemeClr val="lt1"/>
-          </a:lnRef>
-          <a:fillRef idx="1">
-            <a:schemeClr val="accent1"/>
-          </a:fillRef>
-          <a:effectRef idx="1">
-            <a:schemeClr val="accent1"/>
-          </a:effectRef>
-          <a:fontRef idx="minor">
-            <a:schemeClr val="lt1"/>
-          </a:fontRef>
-        </p:style>
-        <p:txBody>
-          <a:bodyPr anchor="ctr"/>
-          <a:lstStyle/>
-          <a:p>
-            <a:pPr algn="ctr" eaLnBrk="1" latinLnBrk="0" hangingPunct="1"/>
-            <a:endParaRPr kumimoji="0" lang="en-US"/>
-          </a:p>
-        </p:txBody>
-      </p:sp>
-      <p:sp>
-        <p:nvSpPr>
-          <p:cNvPr id="8" name="Прямоугольник 7"/>
-          <p:cNvSpPr/>
-          <p:nvPr/>
-        </p:nvSpPr>
-        <p:spPr>
-          <a:xfrm>
-            <a:off x="69146" y="2341475"/>
-            <a:ext cx="9013781" cy="45719"/>
-          </a:xfrm>
-          <a:prstGeom prst="rect">
-            <a:avLst/>
-          </a:prstGeom>
-          <a:solidFill>
-            <a:schemeClr val="accent1">
-              <a:tint val="60000"/>
-            </a:schemeClr>
-          </a:solidFill>
-          <a:ln w="19050" cap="sq" cmpd="sng" algn="ctr">
-            <a:noFill/>
-            <a:prstDash val="solid"/>
-          </a:ln>
-          <a:effectLst/>
-        </p:spPr>
-        <p:style>
-          <a:lnRef idx="3">
-            <a:schemeClr val="lt1"/>
-          </a:lnRef>
-          <a:fillRef idx="1">
-            <a:schemeClr val="accent1"/>
-          </a:fillRef>
-          <a:effectRef idx="1">
-            <a:schemeClr val="accent1"/>
-          </a:effectRef>
-          <a:fontRef idx="minor">
-            <a:schemeClr val="lt1"/>
-          </a:fontRef>
-        </p:style>
-        <p:txBody>
-          <a:bodyPr anchor="ctr"/>
-          <a:lstStyle/>
-          <a:p>
-            <a:pPr algn="ctr" eaLnBrk="1" latinLnBrk="0" hangingPunct="1"/>
-            <a:endParaRPr kumimoji="0" lang="en-US"/>
-          </a:p>
-        </p:txBody>
-      </p:sp>
-      <p:sp>
-        <p:nvSpPr>
-          <p:cNvPr id="9" name="Прямоугольник 8"/>
-          <p:cNvSpPr/>
-          <p:nvPr/>
-        </p:nvSpPr>
-        <p:spPr>
-          <a:xfrm>
-            <a:off x="68306" y="2468880"/>
-            <a:ext cx="9014621" cy="45720"/>
-          </a:xfrm>
-          <a:prstGeom prst="rect">
-            <a:avLst/>
-          </a:prstGeom>
-          <a:solidFill>
-            <a:schemeClr val="accent5"/>
-          </a:solidFill>
-          <a:ln w="19050" cap="sq" cmpd="sng" algn="ctr">
-            <a:noFill/>
-            <a:prstDash val="solid"/>
-          </a:ln>
-          <a:effectLst/>
-        </p:spPr>
-        <p:style>
-          <a:lnRef idx="3">
-            <a:schemeClr val="lt1"/>
-          </a:lnRef>
-          <a:fillRef idx="1">
-            <a:schemeClr val="accent1"/>
-          </a:fillRef>
-          <a:effectRef idx="1">
-            <a:schemeClr val="accent1"/>
-          </a:effectRef>
-          <a:fontRef idx="minor">
-            <a:schemeClr val="lt1"/>
-          </a:fontRef>
-        </p:style>
-        <p:txBody>
-          <a:bodyPr anchor="ctr"/>
-          <a:lstStyle/>
-          <a:p>
-            <a:pPr algn="ctr" eaLnBrk="1" latinLnBrk="0" hangingPunct="1"/>
-            <a:endParaRPr kumimoji="0" lang="en-US"/>
-          </a:p>
-        </p:txBody>
-      </p:sp>
-      <p:sp>
-        <p:nvSpPr>
-          <p:cNvPr id="6" name="Номер слайда 5"/>
+          <p:cNvPr id="6" name="Номер слайда 5">
+            <a:extLst>
+              <a:ext uri="{FF2B5EF4-FFF2-40B4-BE49-F238E27FC236}">
+                <a16:creationId xmlns:a16="http://schemas.microsoft.com/office/drawing/2014/main" id="{F9B7FB69-668A-4AB6-B54B-A40B2F9303D1}"/>
+              </a:ext>
+            </a:extLst>
+          </p:cNvPr>
           <p:cNvSpPr>
             <a:spLocks noGrp="1"/>
           </p:cNvSpPr>
@@ -2129,12 +2069,7 @@
             <p:ph type="sldNum" sz="quarter" idx="12"/>
           </p:nvPr>
         </p:nvSpPr>
-        <p:spPr>
-          <a:xfrm>
-            <a:off x="146304" y="6208776"/>
-            <a:ext cx="457200" cy="457200"/>
-          </a:xfrm>
-        </p:spPr>
+        <p:spPr/>
         <p:txBody>
           <a:bodyPr/>
           <a:lstStyle/>
@@ -2149,9 +2084,14 @@
         </p:txBody>
       </p:sp>
     </p:spTree>
+    <p:extLst>
+      <p:ext uri="{BB962C8B-B14F-4D97-AF65-F5344CB8AC3E}">
+        <p14:creationId xmlns:p14="http://schemas.microsoft.com/office/powerpoint/2010/main" val="2432404574"/>
+      </p:ext>
+    </p:extLst>
   </p:cSld>
   <p:clrMapOvr>
-    <a:overrideClrMapping bg1="lt1" tx1="dk1" bg2="lt2" tx2="dk2" accent1="accent1" accent2="accent2" accent3="accent3" accent4="accent4" accent5="accent5" accent6="accent6" hlink="hlink" folHlink="folHlink"/>
+    <a:masterClrMapping/>
   </p:clrMapOvr>
 </p:sldLayout>
 </file>
@@ -2175,7 +2115,13 @@
       </p:grpSpPr>
       <p:sp>
         <p:nvSpPr>
-          <p:cNvPr id="2" name="Заголовок 1"/>
+          <p:cNvPr id="2" name="Заголовок 1">
+            <a:extLst>
+              <a:ext uri="{FF2B5EF4-FFF2-40B4-BE49-F238E27FC236}">
+                <a16:creationId xmlns:a16="http://schemas.microsoft.com/office/drawing/2014/main" id="{B96FEB7A-8B47-49F0-AC7A-57563CD08453}"/>
+              </a:ext>
+            </a:extLst>
+          </p:cNvPr>
           <p:cNvSpPr>
             <a:spLocks noGrp="1"/>
           </p:cNvSpPr>
@@ -2189,16 +2135,145 @@
           <a:lstStyle/>
           <a:p>
             <a:r>
-              <a:rPr kumimoji="0" lang="ru-RU"/>
+              <a:rPr lang="ru-RU"/>
               <a:t>Образец заголовка</a:t>
             </a:r>
-            <a:endParaRPr kumimoji="0" lang="en-US"/>
-          </a:p>
-        </p:txBody>
-      </p:sp>
-      <p:sp>
-        <p:nvSpPr>
-          <p:cNvPr id="5" name="Дата 4"/>
+          </a:p>
+        </p:txBody>
+      </p:sp>
+      <p:sp>
+        <p:nvSpPr>
+          <p:cNvPr id="3" name="Объект 2">
+            <a:extLst>
+              <a:ext uri="{FF2B5EF4-FFF2-40B4-BE49-F238E27FC236}">
+                <a16:creationId xmlns:a16="http://schemas.microsoft.com/office/drawing/2014/main" id="{753B6191-EEF0-47D1-99BC-79E9C0B33013}"/>
+              </a:ext>
+            </a:extLst>
+          </p:cNvPr>
+          <p:cNvSpPr>
+            <a:spLocks noGrp="1"/>
+          </p:cNvSpPr>
+          <p:nvPr>
+            <p:ph sz="half" idx="1"/>
+          </p:nvPr>
+        </p:nvSpPr>
+        <p:spPr>
+          <a:xfrm>
+            <a:off x="628650" y="1825625"/>
+            <a:ext cx="3886200" cy="4351338"/>
+          </a:xfrm>
+        </p:spPr>
+        <p:txBody>
+          <a:bodyPr/>
+          <a:lstStyle/>
+          <a:p>
+            <a:pPr lvl="0"/>
+            <a:r>
+              <a:rPr lang="ru-RU"/>
+              <a:t>Образец текста</a:t>
+            </a:r>
+          </a:p>
+          <a:p>
+            <a:pPr lvl="1"/>
+            <a:r>
+              <a:rPr lang="ru-RU"/>
+              <a:t>Второй уровень</a:t>
+            </a:r>
+          </a:p>
+          <a:p>
+            <a:pPr lvl="2"/>
+            <a:r>
+              <a:rPr lang="ru-RU"/>
+              <a:t>Третий уровень</a:t>
+            </a:r>
+          </a:p>
+          <a:p>
+            <a:pPr lvl="3"/>
+            <a:r>
+              <a:rPr lang="ru-RU"/>
+              <a:t>Четвертый уровень</a:t>
+            </a:r>
+          </a:p>
+          <a:p>
+            <a:pPr lvl="4"/>
+            <a:r>
+              <a:rPr lang="ru-RU"/>
+              <a:t>Пятый уровень</a:t>
+            </a:r>
+          </a:p>
+        </p:txBody>
+      </p:sp>
+      <p:sp>
+        <p:nvSpPr>
+          <p:cNvPr id="4" name="Объект 3">
+            <a:extLst>
+              <a:ext uri="{FF2B5EF4-FFF2-40B4-BE49-F238E27FC236}">
+                <a16:creationId xmlns:a16="http://schemas.microsoft.com/office/drawing/2014/main" id="{C444BE41-8B3B-4443-9E13-70A8F9B67A23}"/>
+              </a:ext>
+            </a:extLst>
+          </p:cNvPr>
+          <p:cNvSpPr>
+            <a:spLocks noGrp="1"/>
+          </p:cNvSpPr>
+          <p:nvPr>
+            <p:ph sz="half" idx="2"/>
+          </p:nvPr>
+        </p:nvSpPr>
+        <p:spPr>
+          <a:xfrm>
+            <a:off x="4629150" y="1825625"/>
+            <a:ext cx="3886200" cy="4351338"/>
+          </a:xfrm>
+        </p:spPr>
+        <p:txBody>
+          <a:bodyPr/>
+          <a:lstStyle/>
+          <a:p>
+            <a:pPr lvl="0"/>
+            <a:r>
+              <a:rPr lang="ru-RU"/>
+              <a:t>Образец текста</a:t>
+            </a:r>
+          </a:p>
+          <a:p>
+            <a:pPr lvl="1"/>
+            <a:r>
+              <a:rPr lang="ru-RU"/>
+              <a:t>Второй уровень</a:t>
+            </a:r>
+          </a:p>
+          <a:p>
+            <a:pPr lvl="2"/>
+            <a:r>
+              <a:rPr lang="ru-RU"/>
+              <a:t>Третий уровень</a:t>
+            </a:r>
+          </a:p>
+          <a:p>
+            <a:pPr lvl="3"/>
+            <a:r>
+              <a:rPr lang="ru-RU"/>
+              <a:t>Четвертый уровень</a:t>
+            </a:r>
+          </a:p>
+          <a:p>
+            <a:pPr lvl="4"/>
+            <a:r>
+              <a:rPr lang="ru-RU"/>
+              <a:t>Пятый уровень</a:t>
+            </a:r>
+          </a:p>
+        </p:txBody>
+      </p:sp>
+      <p:sp>
+        <p:nvSpPr>
+          <p:cNvPr id="5" name="Дата 4">
+            <a:extLst>
+              <a:ext uri="{FF2B5EF4-FFF2-40B4-BE49-F238E27FC236}">
+                <a16:creationId xmlns:a16="http://schemas.microsoft.com/office/drawing/2014/main" id="{EDCF472D-5473-4867-998B-887D534CA31D}"/>
+              </a:ext>
+            </a:extLst>
+          </p:cNvPr>
           <p:cNvSpPr>
             <a:spLocks noGrp="1"/>
           </p:cNvSpPr>
@@ -2214,7 +2289,7 @@
             <a:fld id="{3B439258-C7D3-4452-8350-B0FFD367D714}" type="datetime1">
               <a:rPr lang="ru-RU" smtClean="0"/>
               <a:pPr/>
-              <a:t>07.06.2021</a:t>
+              <a:t>09.06.2021</a:t>
             </a:fld>
             <a:endParaRPr lang="ru-RU"/>
           </a:p>
@@ -2222,7 +2297,13 @@
       </p:sp>
       <p:sp>
         <p:nvSpPr>
-          <p:cNvPr id="6" name="Нижний колонтитул 5"/>
+          <p:cNvPr id="6" name="Нижний колонтитул 5">
+            <a:extLst>
+              <a:ext uri="{FF2B5EF4-FFF2-40B4-BE49-F238E27FC236}">
+                <a16:creationId xmlns:a16="http://schemas.microsoft.com/office/drawing/2014/main" id="{8078884A-74E5-43C4-883D-C342A7E0EC1B}"/>
+              </a:ext>
+            </a:extLst>
+          </p:cNvPr>
           <p:cNvSpPr>
             <a:spLocks noGrp="1"/>
           </p:cNvSpPr>
@@ -2241,7 +2322,13 @@
       </p:sp>
       <p:sp>
         <p:nvSpPr>
-          <p:cNvPr id="7" name="Номер слайда 6"/>
+          <p:cNvPr id="7" name="Номер слайда 6">
+            <a:extLst>
+              <a:ext uri="{FF2B5EF4-FFF2-40B4-BE49-F238E27FC236}">
+                <a16:creationId xmlns:a16="http://schemas.microsoft.com/office/drawing/2014/main" id="{3856D407-2D70-423F-AABA-A206A9D3FE8E}"/>
+              </a:ext>
+            </a:extLst>
+          </p:cNvPr>
           <p:cNvSpPr>
             <a:spLocks noGrp="1"/>
           </p:cNvSpPr>
@@ -2263,121 +2350,12 @@
           </a:p>
         </p:txBody>
       </p:sp>
-      <p:sp>
-        <p:nvSpPr>
-          <p:cNvPr id="9" name="Содержимое 8"/>
-          <p:cNvSpPr>
-            <a:spLocks noGrp="1"/>
-          </p:cNvSpPr>
-          <p:nvPr>
-            <p:ph sz="quarter" idx="1"/>
-          </p:nvPr>
-        </p:nvSpPr>
-        <p:spPr>
-          <a:xfrm>
-            <a:off x="914400" y="1447800"/>
-            <a:ext cx="3749040" cy="4572000"/>
-          </a:xfrm>
-        </p:spPr>
-        <p:txBody>
-          <a:bodyPr vert="horz"/>
-          <a:lstStyle/>
-          <a:p>
-            <a:pPr lvl="0" eaLnBrk="1" latinLnBrk="0" hangingPunct="1"/>
-            <a:r>
-              <a:rPr lang="ru-RU"/>
-              <a:t>Образец текста</a:t>
-            </a:r>
-          </a:p>
-          <a:p>
-            <a:pPr lvl="1" eaLnBrk="1" latinLnBrk="0" hangingPunct="1"/>
-            <a:r>
-              <a:rPr lang="ru-RU"/>
-              <a:t>Второй уровень</a:t>
-            </a:r>
-          </a:p>
-          <a:p>
-            <a:pPr lvl="2" eaLnBrk="1" latinLnBrk="0" hangingPunct="1"/>
-            <a:r>
-              <a:rPr lang="ru-RU"/>
-              <a:t>Третий уровень</a:t>
-            </a:r>
-          </a:p>
-          <a:p>
-            <a:pPr lvl="3" eaLnBrk="1" latinLnBrk="0" hangingPunct="1"/>
-            <a:r>
-              <a:rPr lang="ru-RU"/>
-              <a:t>Четвертый уровень</a:t>
-            </a:r>
-          </a:p>
-          <a:p>
-            <a:pPr lvl="4" eaLnBrk="1" latinLnBrk="0" hangingPunct="1"/>
-            <a:r>
-              <a:rPr lang="ru-RU"/>
-              <a:t>Пятый уровень</a:t>
-            </a:r>
-            <a:endParaRPr kumimoji="0" lang="en-US"/>
-          </a:p>
-        </p:txBody>
-      </p:sp>
-      <p:sp>
-        <p:nvSpPr>
-          <p:cNvPr id="11" name="Содержимое 10"/>
-          <p:cNvSpPr>
-            <a:spLocks noGrp="1"/>
-          </p:cNvSpPr>
-          <p:nvPr>
-            <p:ph sz="quarter" idx="2"/>
-          </p:nvPr>
-        </p:nvSpPr>
-        <p:spPr>
-          <a:xfrm>
-            <a:off x="4933950" y="1447800"/>
-            <a:ext cx="3749040" cy="4572000"/>
-          </a:xfrm>
-        </p:spPr>
-        <p:txBody>
-          <a:bodyPr vert="horz"/>
-          <a:lstStyle/>
-          <a:p>
-            <a:pPr lvl="0" eaLnBrk="1" latinLnBrk="0" hangingPunct="1"/>
-            <a:r>
-              <a:rPr lang="ru-RU"/>
-              <a:t>Образец текста</a:t>
-            </a:r>
-          </a:p>
-          <a:p>
-            <a:pPr lvl="1" eaLnBrk="1" latinLnBrk="0" hangingPunct="1"/>
-            <a:r>
-              <a:rPr lang="ru-RU"/>
-              <a:t>Второй уровень</a:t>
-            </a:r>
-          </a:p>
-          <a:p>
-            <a:pPr lvl="2" eaLnBrk="1" latinLnBrk="0" hangingPunct="1"/>
-            <a:r>
-              <a:rPr lang="ru-RU"/>
-              <a:t>Третий уровень</a:t>
-            </a:r>
-          </a:p>
-          <a:p>
-            <a:pPr lvl="3" eaLnBrk="1" latinLnBrk="0" hangingPunct="1"/>
-            <a:r>
-              <a:rPr lang="ru-RU"/>
-              <a:t>Четвертый уровень</a:t>
-            </a:r>
-          </a:p>
-          <a:p>
-            <a:pPr lvl="4" eaLnBrk="1" latinLnBrk="0" hangingPunct="1"/>
-            <a:r>
-              <a:rPr lang="ru-RU"/>
-              <a:t>Пятый уровень</a:t>
-            </a:r>
-            <a:endParaRPr kumimoji="0" lang="en-US"/>
-          </a:p>
-        </p:txBody>
-      </p:sp>
     </p:spTree>
+    <p:extLst>
+      <p:ext uri="{BB962C8B-B14F-4D97-AF65-F5344CB8AC3E}">
+        <p14:creationId xmlns:p14="http://schemas.microsoft.com/office/powerpoint/2010/main" val="3098784915"/>
+      </p:ext>
+    </p:extLst>
   </p:cSld>
   <p:clrMapOvr>
     <a:masterClrMapping/>
@@ -2404,7 +2382,13 @@
       </p:grpSpPr>
       <p:sp>
         <p:nvSpPr>
-          <p:cNvPr id="2" name="Заголовок 1"/>
+          <p:cNvPr id="2" name="Заголовок 1">
+            <a:extLst>
+              <a:ext uri="{FF2B5EF4-FFF2-40B4-BE49-F238E27FC236}">
+                <a16:creationId xmlns:a16="http://schemas.microsoft.com/office/drawing/2014/main" id="{20B37045-1F39-46D3-8C31-5372C40AC1DF}"/>
+              </a:ext>
+            </a:extLst>
+          </p:cNvPr>
           <p:cNvSpPr>
             <a:spLocks noGrp="1"/>
           </p:cNvSpPr>
@@ -2414,29 +2398,30 @@
         </p:nvSpPr>
         <p:spPr>
           <a:xfrm>
-            <a:off x="914400" y="273050"/>
-            <a:ext cx="7772400" cy="1143000"/>
-          </a:xfrm>
-        </p:spPr>
-        <p:txBody>
-          <a:bodyPr anchor="b" anchorCtr="0"/>
-          <a:lstStyle>
-            <a:lvl1pPr>
-              <a:defRPr/>
-            </a:lvl1pPr>
-          </a:lstStyle>
-          <a:p>
-            <a:r>
-              <a:rPr kumimoji="0" lang="ru-RU"/>
+            <a:off x="629841" y="365126"/>
+            <a:ext cx="7886700" cy="1325563"/>
+          </a:xfrm>
+        </p:spPr>
+        <p:txBody>
+          <a:bodyPr/>
+          <a:lstStyle/>
+          <a:p>
+            <a:r>
+              <a:rPr lang="ru-RU"/>
               <a:t>Образец заголовка</a:t>
             </a:r>
-            <a:endParaRPr kumimoji="0" lang="en-US"/>
-          </a:p>
-        </p:txBody>
-      </p:sp>
-      <p:sp>
-        <p:nvSpPr>
-          <p:cNvPr id="3" name="Текст 2"/>
+          </a:p>
+        </p:txBody>
+      </p:sp>
+      <p:sp>
+        <p:nvSpPr>
+          <p:cNvPr id="3" name="Текст 2">
+            <a:extLst>
+              <a:ext uri="{FF2B5EF4-FFF2-40B4-BE49-F238E27FC236}">
+                <a16:creationId xmlns:a16="http://schemas.microsoft.com/office/drawing/2014/main" id="{D307A204-CCB6-4F70-A6D1-F8625928E52A}"/>
+              </a:ext>
+            </a:extLst>
+          </p:cNvPr>
           <p:cNvSpPr>
             <a:spLocks noGrp="1"/>
           </p:cNvSpPr>
@@ -2446,52 +2431,54 @@
         </p:nvSpPr>
         <p:spPr>
           <a:xfrm>
-            <a:off x="914400" y="1447800"/>
-            <a:ext cx="3733800" cy="762000"/>
-          </a:xfrm>
-          <a:noFill/>
-          <a:ln w="12700" cap="sq" cmpd="sng" algn="ctr">
-            <a:noFill/>
-            <a:prstDash val="solid"/>
-          </a:ln>
-        </p:spPr>
-        <p:txBody>
-          <a:bodyPr lIns="91440" anchor="b" anchorCtr="0">
-            <a:noAutofit/>
-          </a:bodyPr>
+            <a:off x="629842" y="1681163"/>
+            <a:ext cx="3868340" cy="823912"/>
+          </a:xfrm>
+        </p:spPr>
+        <p:txBody>
+          <a:bodyPr anchor="b"/>
           <a:lstStyle>
             <a:lvl1pPr marL="0" indent="0">
               <a:buNone/>
-              <a:defRPr sz="2400" b="1">
-                <a:solidFill>
-                  <a:schemeClr val="accent1"/>
-                </a:solidFill>
-                <a:latin typeface="+mj-lt"/>
-                <a:ea typeface="+mj-ea"/>
-                <a:cs typeface="+mj-cs"/>
-              </a:defRPr>
+              <a:defRPr sz="1800" b="1"/>
             </a:lvl1pPr>
-            <a:lvl2pPr>
+            <a:lvl2pPr marL="342900" indent="0">
               <a:buNone/>
-              <a:defRPr sz="2000" b="1"/>
+              <a:defRPr sz="1500" b="1"/>
             </a:lvl2pPr>
-            <a:lvl3pPr>
+            <a:lvl3pPr marL="685800" indent="0">
               <a:buNone/>
-              <a:defRPr sz="1800" b="1"/>
+              <a:defRPr sz="1350" b="1"/>
             </a:lvl3pPr>
-            <a:lvl4pPr>
+            <a:lvl4pPr marL="1028700" indent="0">
               <a:buNone/>
-              <a:defRPr sz="1600" b="1"/>
+              <a:defRPr sz="1200" b="1"/>
             </a:lvl4pPr>
-            <a:lvl5pPr>
+            <a:lvl5pPr marL="1371600" indent="0">
               <a:buNone/>
-              <a:defRPr sz="1600" b="1"/>
+              <a:defRPr sz="1200" b="1"/>
             </a:lvl5pPr>
+            <a:lvl6pPr marL="1714500" indent="0">
+              <a:buNone/>
+              <a:defRPr sz="1200" b="1"/>
+            </a:lvl6pPr>
+            <a:lvl7pPr marL="2057400" indent="0">
+              <a:buNone/>
+              <a:defRPr sz="1200" b="1"/>
+            </a:lvl7pPr>
+            <a:lvl8pPr marL="2400300" indent="0">
+              <a:buNone/>
+              <a:defRPr sz="1200" b="1"/>
+            </a:lvl8pPr>
+            <a:lvl9pPr marL="2743200" indent="0">
+              <a:buNone/>
+              <a:defRPr sz="1200" b="1"/>
+            </a:lvl9pPr>
           </a:lstStyle>
           <a:p>
-            <a:pPr lvl="0" eaLnBrk="1" latinLnBrk="0" hangingPunct="1"/>
-            <a:r>
-              <a:rPr kumimoji="0" lang="ru-RU"/>
+            <a:pPr lvl="0"/>
+            <a:r>
+              <a:rPr lang="ru-RU"/>
               <a:t>Образец текста</a:t>
             </a:r>
           </a:p>
@@ -2499,62 +2486,132 @@
       </p:sp>
       <p:sp>
         <p:nvSpPr>
-          <p:cNvPr id="4" name="Текст 3"/>
+          <p:cNvPr id="4" name="Объект 3">
+            <a:extLst>
+              <a:ext uri="{FF2B5EF4-FFF2-40B4-BE49-F238E27FC236}">
+                <a16:creationId xmlns:a16="http://schemas.microsoft.com/office/drawing/2014/main" id="{CEA3FB3D-9F12-4B9B-886A-0ED9D4BA0AE8}"/>
+              </a:ext>
+            </a:extLst>
+          </p:cNvPr>
           <p:cNvSpPr>
             <a:spLocks noGrp="1"/>
           </p:cNvSpPr>
           <p:nvPr>
-            <p:ph type="body" sz="half" idx="3"/>
+            <p:ph sz="half" idx="2"/>
           </p:nvPr>
         </p:nvSpPr>
         <p:spPr>
           <a:xfrm>
-            <a:off x="4953000" y="1447800"/>
-            <a:ext cx="3733800" cy="762000"/>
-          </a:xfrm>
-          <a:noFill/>
-          <a:ln w="12700" cap="sq" cmpd="sng" algn="ctr">
-            <a:noFill/>
-            <a:prstDash val="solid"/>
-          </a:ln>
-        </p:spPr>
-        <p:txBody>
-          <a:bodyPr lIns="91440" anchor="b" anchorCtr="0">
-            <a:noAutofit/>
-          </a:bodyPr>
+            <a:off x="629842" y="2505075"/>
+            <a:ext cx="3868340" cy="3684588"/>
+          </a:xfrm>
+        </p:spPr>
+        <p:txBody>
+          <a:bodyPr/>
+          <a:lstStyle/>
+          <a:p>
+            <a:pPr lvl="0"/>
+            <a:r>
+              <a:rPr lang="ru-RU"/>
+              <a:t>Образец текста</a:t>
+            </a:r>
+          </a:p>
+          <a:p>
+            <a:pPr lvl="1"/>
+            <a:r>
+              <a:rPr lang="ru-RU"/>
+              <a:t>Второй уровень</a:t>
+            </a:r>
+          </a:p>
+          <a:p>
+            <a:pPr lvl="2"/>
+            <a:r>
+              <a:rPr lang="ru-RU"/>
+              <a:t>Третий уровень</a:t>
+            </a:r>
+          </a:p>
+          <a:p>
+            <a:pPr lvl="3"/>
+            <a:r>
+              <a:rPr lang="ru-RU"/>
+              <a:t>Четвертый уровень</a:t>
+            </a:r>
+          </a:p>
+          <a:p>
+            <a:pPr lvl="4"/>
+            <a:r>
+              <a:rPr lang="ru-RU"/>
+              <a:t>Пятый уровень</a:t>
+            </a:r>
+          </a:p>
+        </p:txBody>
+      </p:sp>
+      <p:sp>
+        <p:nvSpPr>
+          <p:cNvPr id="5" name="Текст 4">
+            <a:extLst>
+              <a:ext uri="{FF2B5EF4-FFF2-40B4-BE49-F238E27FC236}">
+                <a16:creationId xmlns:a16="http://schemas.microsoft.com/office/drawing/2014/main" id="{8FB056D6-4DFF-4E39-9FC3-44A713917EDB}"/>
+              </a:ext>
+            </a:extLst>
+          </p:cNvPr>
+          <p:cNvSpPr>
+            <a:spLocks noGrp="1"/>
+          </p:cNvSpPr>
+          <p:nvPr>
+            <p:ph type="body" sz="quarter" idx="3"/>
+          </p:nvPr>
+        </p:nvSpPr>
+        <p:spPr>
+          <a:xfrm>
+            <a:off x="4629150" y="1681163"/>
+            <a:ext cx="3887391" cy="823912"/>
+          </a:xfrm>
+        </p:spPr>
+        <p:txBody>
+          <a:bodyPr anchor="b"/>
           <a:lstStyle>
             <a:lvl1pPr marL="0" indent="0">
               <a:buNone/>
-              <a:defRPr sz="2400" b="1">
-                <a:solidFill>
-                  <a:schemeClr val="accent1"/>
-                </a:solidFill>
-                <a:latin typeface="+mj-lt"/>
-                <a:ea typeface="+mj-ea"/>
-                <a:cs typeface="+mj-cs"/>
-              </a:defRPr>
+              <a:defRPr sz="1800" b="1"/>
             </a:lvl1pPr>
-            <a:lvl2pPr>
+            <a:lvl2pPr marL="342900" indent="0">
               <a:buNone/>
-              <a:defRPr sz="2000" b="1"/>
+              <a:defRPr sz="1500" b="1"/>
             </a:lvl2pPr>
-            <a:lvl3pPr>
+            <a:lvl3pPr marL="685800" indent="0">
               <a:buNone/>
-              <a:defRPr sz="1800" b="1"/>
+              <a:defRPr sz="1350" b="1"/>
             </a:lvl3pPr>
-            <a:lvl4pPr>
+            <a:lvl4pPr marL="1028700" indent="0">
               <a:buNone/>
-              <a:defRPr sz="1600" b="1"/>
+              <a:defRPr sz="1200" b="1"/>
             </a:lvl4pPr>
-            <a:lvl5pPr>
+            <a:lvl5pPr marL="1371600" indent="0">
               <a:buNone/>
-              <a:defRPr sz="1600" b="1"/>
+              <a:defRPr sz="1200" b="1"/>
             </a:lvl5pPr>
+            <a:lvl6pPr marL="1714500" indent="0">
+              <a:buNone/>
+              <a:defRPr sz="1200" b="1"/>
+            </a:lvl6pPr>
+            <a:lvl7pPr marL="2057400" indent="0">
+              <a:buNone/>
+              <a:defRPr sz="1200" b="1"/>
+            </a:lvl7pPr>
+            <a:lvl8pPr marL="2400300" indent="0">
+              <a:buNone/>
+              <a:defRPr sz="1200" b="1"/>
+            </a:lvl8pPr>
+            <a:lvl9pPr marL="2743200" indent="0">
+              <a:buNone/>
+              <a:defRPr sz="1200" b="1"/>
+            </a:lvl9pPr>
           </a:lstStyle>
           <a:p>
-            <a:pPr lvl="0" eaLnBrk="1" latinLnBrk="0" hangingPunct="1"/>
-            <a:r>
-              <a:rPr kumimoji="0" lang="ru-RU"/>
+            <a:pPr lvl="0"/>
+            <a:r>
+              <a:rPr lang="ru-RU"/>
               <a:t>Образец текста</a:t>
             </a:r>
           </a:p>
@@ -2562,7 +2619,75 @@
       </p:sp>
       <p:sp>
         <p:nvSpPr>
-          <p:cNvPr id="7" name="Дата 6"/>
+          <p:cNvPr id="6" name="Объект 5">
+            <a:extLst>
+              <a:ext uri="{FF2B5EF4-FFF2-40B4-BE49-F238E27FC236}">
+                <a16:creationId xmlns:a16="http://schemas.microsoft.com/office/drawing/2014/main" id="{09077B55-0044-477F-A469-82C8138B2D30}"/>
+              </a:ext>
+            </a:extLst>
+          </p:cNvPr>
+          <p:cNvSpPr>
+            <a:spLocks noGrp="1"/>
+          </p:cNvSpPr>
+          <p:nvPr>
+            <p:ph sz="quarter" idx="4"/>
+          </p:nvPr>
+        </p:nvSpPr>
+        <p:spPr>
+          <a:xfrm>
+            <a:off x="4629150" y="2505075"/>
+            <a:ext cx="3887391" cy="3684588"/>
+          </a:xfrm>
+        </p:spPr>
+        <p:txBody>
+          <a:bodyPr/>
+          <a:lstStyle/>
+          <a:p>
+            <a:pPr lvl="0"/>
+            <a:r>
+              <a:rPr lang="ru-RU"/>
+              <a:t>Образец текста</a:t>
+            </a:r>
+          </a:p>
+          <a:p>
+            <a:pPr lvl="1"/>
+            <a:r>
+              <a:rPr lang="ru-RU"/>
+              <a:t>Второй уровень</a:t>
+            </a:r>
+          </a:p>
+          <a:p>
+            <a:pPr lvl="2"/>
+            <a:r>
+              <a:rPr lang="ru-RU"/>
+              <a:t>Третий уровень</a:t>
+            </a:r>
+          </a:p>
+          <a:p>
+            <a:pPr lvl="3"/>
+            <a:r>
+              <a:rPr lang="ru-RU"/>
+              <a:t>Четвертый уровень</a:t>
+            </a:r>
+          </a:p>
+          <a:p>
+            <a:pPr lvl="4"/>
+            <a:r>
+              <a:rPr lang="ru-RU"/>
+              <a:t>Пятый уровень</a:t>
+            </a:r>
+          </a:p>
+        </p:txBody>
+      </p:sp>
+      <p:sp>
+        <p:nvSpPr>
+          <p:cNvPr id="7" name="Дата 6">
+            <a:extLst>
+              <a:ext uri="{FF2B5EF4-FFF2-40B4-BE49-F238E27FC236}">
+                <a16:creationId xmlns:a16="http://schemas.microsoft.com/office/drawing/2014/main" id="{C03D082F-0C22-4E7B-A796-077B475033B8}"/>
+              </a:ext>
+            </a:extLst>
+          </p:cNvPr>
           <p:cNvSpPr>
             <a:spLocks noGrp="1"/>
           </p:cNvSpPr>
@@ -2578,7 +2703,7 @@
             <a:fld id="{749C8B68-8404-40F2-9225-BD838F762E27}" type="datetime1">
               <a:rPr lang="ru-RU" smtClean="0"/>
               <a:pPr/>
-              <a:t>07.06.2021</a:t>
+              <a:t>09.06.2021</a:t>
             </a:fld>
             <a:endParaRPr lang="ru-RU"/>
           </a:p>
@@ -2586,7 +2711,13 @@
       </p:sp>
       <p:sp>
         <p:nvSpPr>
-          <p:cNvPr id="8" name="Нижний колонтитул 7"/>
+          <p:cNvPr id="8" name="Нижний колонтитул 7">
+            <a:extLst>
+              <a:ext uri="{FF2B5EF4-FFF2-40B4-BE49-F238E27FC236}">
+                <a16:creationId xmlns:a16="http://schemas.microsoft.com/office/drawing/2014/main" id="{5F7F36C5-25E9-4B0C-8AB8-1A8C8528E943}"/>
+              </a:ext>
+            </a:extLst>
+          </p:cNvPr>
           <p:cNvSpPr>
             <a:spLocks noGrp="1"/>
           </p:cNvSpPr>
@@ -2605,7 +2736,13 @@
       </p:sp>
       <p:sp>
         <p:nvSpPr>
-          <p:cNvPr id="9" name="Номер слайда 8"/>
+          <p:cNvPr id="9" name="Номер слайда 8">
+            <a:extLst>
+              <a:ext uri="{FF2B5EF4-FFF2-40B4-BE49-F238E27FC236}">
+                <a16:creationId xmlns:a16="http://schemas.microsoft.com/office/drawing/2014/main" id="{E98BDB0A-E0E4-4F9D-A248-94A9BDA4E61A}"/>
+              </a:ext>
+            </a:extLst>
+          </p:cNvPr>
           <p:cNvSpPr>
             <a:spLocks noGrp="1"/>
           </p:cNvSpPr>
@@ -2627,121 +2764,12 @@
           </a:p>
         </p:txBody>
       </p:sp>
-      <p:sp>
-        <p:nvSpPr>
-          <p:cNvPr id="11" name="Содержимое 10"/>
-          <p:cNvSpPr>
-            <a:spLocks noGrp="1"/>
-          </p:cNvSpPr>
-          <p:nvPr>
-            <p:ph sz="half" idx="2"/>
-          </p:nvPr>
-        </p:nvSpPr>
-        <p:spPr>
-          <a:xfrm>
-            <a:off x="914400" y="2247900"/>
-            <a:ext cx="3733800" cy="3886200"/>
-          </a:xfrm>
-        </p:spPr>
-        <p:txBody>
-          <a:bodyPr vert="horz"/>
-          <a:lstStyle/>
-          <a:p>
-            <a:pPr lvl="0" eaLnBrk="1" latinLnBrk="0" hangingPunct="1"/>
-            <a:r>
-              <a:rPr lang="ru-RU"/>
-              <a:t>Образец текста</a:t>
-            </a:r>
-          </a:p>
-          <a:p>
-            <a:pPr lvl="1" eaLnBrk="1" latinLnBrk="0" hangingPunct="1"/>
-            <a:r>
-              <a:rPr lang="ru-RU"/>
-              <a:t>Второй уровень</a:t>
-            </a:r>
-          </a:p>
-          <a:p>
-            <a:pPr lvl="2" eaLnBrk="1" latinLnBrk="0" hangingPunct="1"/>
-            <a:r>
-              <a:rPr lang="ru-RU"/>
-              <a:t>Третий уровень</a:t>
-            </a:r>
-          </a:p>
-          <a:p>
-            <a:pPr lvl="3" eaLnBrk="1" latinLnBrk="0" hangingPunct="1"/>
-            <a:r>
-              <a:rPr lang="ru-RU"/>
-              <a:t>Четвертый уровень</a:t>
-            </a:r>
-          </a:p>
-          <a:p>
-            <a:pPr lvl="4" eaLnBrk="1" latinLnBrk="0" hangingPunct="1"/>
-            <a:r>
-              <a:rPr lang="ru-RU"/>
-              <a:t>Пятый уровень</a:t>
-            </a:r>
-            <a:endParaRPr kumimoji="0" lang="en-US"/>
-          </a:p>
-        </p:txBody>
-      </p:sp>
-      <p:sp>
-        <p:nvSpPr>
-          <p:cNvPr id="13" name="Содержимое 12"/>
-          <p:cNvSpPr>
-            <a:spLocks noGrp="1"/>
-          </p:cNvSpPr>
-          <p:nvPr>
-            <p:ph sz="half" idx="4"/>
-          </p:nvPr>
-        </p:nvSpPr>
-        <p:spPr>
-          <a:xfrm>
-            <a:off x="4953000" y="2247900"/>
-            <a:ext cx="3733800" cy="3886200"/>
-          </a:xfrm>
-        </p:spPr>
-        <p:txBody>
-          <a:bodyPr vert="horz"/>
-          <a:lstStyle/>
-          <a:p>
-            <a:pPr lvl="0" eaLnBrk="1" latinLnBrk="0" hangingPunct="1"/>
-            <a:r>
-              <a:rPr lang="ru-RU"/>
-              <a:t>Образец текста</a:t>
-            </a:r>
-          </a:p>
-          <a:p>
-            <a:pPr lvl="1" eaLnBrk="1" latinLnBrk="0" hangingPunct="1"/>
-            <a:r>
-              <a:rPr lang="ru-RU"/>
-              <a:t>Второй уровень</a:t>
-            </a:r>
-          </a:p>
-          <a:p>
-            <a:pPr lvl="2" eaLnBrk="1" latinLnBrk="0" hangingPunct="1"/>
-            <a:r>
-              <a:rPr lang="ru-RU"/>
-              <a:t>Третий уровень</a:t>
-            </a:r>
-          </a:p>
-          <a:p>
-            <a:pPr lvl="3" eaLnBrk="1" latinLnBrk="0" hangingPunct="1"/>
-            <a:r>
-              <a:rPr lang="ru-RU"/>
-              <a:t>Четвертый уровень</a:t>
-            </a:r>
-          </a:p>
-          <a:p>
-            <a:pPr lvl="4" eaLnBrk="1" latinLnBrk="0" hangingPunct="1"/>
-            <a:r>
-              <a:rPr lang="ru-RU"/>
-              <a:t>Пятый уровень</a:t>
-            </a:r>
-            <a:endParaRPr kumimoji="0" lang="en-US"/>
-          </a:p>
-        </p:txBody>
-      </p:sp>
     </p:spTree>
+    <p:extLst>
+      <p:ext uri="{BB962C8B-B14F-4D97-AF65-F5344CB8AC3E}">
+        <p14:creationId xmlns:p14="http://schemas.microsoft.com/office/powerpoint/2010/main" val="868645382"/>
+      </p:ext>
+    </p:extLst>
   </p:cSld>
   <p:clrMapOvr>
     <a:masterClrMapping/>
@@ -2768,7 +2796,13 @@
       </p:grpSpPr>
       <p:sp>
         <p:nvSpPr>
-          <p:cNvPr id="2" name="Заголовок 1"/>
+          <p:cNvPr id="2" name="Заголовок 1">
+            <a:extLst>
+              <a:ext uri="{FF2B5EF4-FFF2-40B4-BE49-F238E27FC236}">
+                <a16:creationId xmlns:a16="http://schemas.microsoft.com/office/drawing/2014/main" id="{7CD2D2B4-C581-4308-92E1-70B4C376D574}"/>
+              </a:ext>
+            </a:extLst>
+          </p:cNvPr>
           <p:cNvSpPr>
             <a:spLocks noGrp="1"/>
           </p:cNvSpPr>
@@ -2782,16 +2816,21 @@
           <a:lstStyle/>
           <a:p>
             <a:r>
-              <a:rPr kumimoji="0" lang="ru-RU"/>
+              <a:rPr lang="ru-RU"/>
               <a:t>Образец заголовка</a:t>
             </a:r>
-            <a:endParaRPr kumimoji="0" lang="en-US"/>
-          </a:p>
-        </p:txBody>
-      </p:sp>
-      <p:sp>
-        <p:nvSpPr>
-          <p:cNvPr id="3" name="Дата 2"/>
+          </a:p>
+        </p:txBody>
+      </p:sp>
+      <p:sp>
+        <p:nvSpPr>
+          <p:cNvPr id="3" name="Дата 2">
+            <a:extLst>
+              <a:ext uri="{FF2B5EF4-FFF2-40B4-BE49-F238E27FC236}">
+                <a16:creationId xmlns:a16="http://schemas.microsoft.com/office/drawing/2014/main" id="{8CBEBDDE-834A-42F2-A60C-F8B87EE990F3}"/>
+              </a:ext>
+            </a:extLst>
+          </p:cNvPr>
           <p:cNvSpPr>
             <a:spLocks noGrp="1"/>
           </p:cNvSpPr>
@@ -2807,7 +2846,7 @@
             <a:fld id="{7EF40831-6CFB-4D66-89A7-4C67CF7A8362}" type="datetime1">
               <a:rPr lang="ru-RU" smtClean="0"/>
               <a:pPr/>
-              <a:t>07.06.2021</a:t>
+              <a:t>09.06.2021</a:t>
             </a:fld>
             <a:endParaRPr lang="ru-RU"/>
           </a:p>
@@ -2815,7 +2854,13 @@
       </p:sp>
       <p:sp>
         <p:nvSpPr>
-          <p:cNvPr id="4" name="Нижний колонтитул 3"/>
+          <p:cNvPr id="4" name="Нижний колонтитул 3">
+            <a:extLst>
+              <a:ext uri="{FF2B5EF4-FFF2-40B4-BE49-F238E27FC236}">
+                <a16:creationId xmlns:a16="http://schemas.microsoft.com/office/drawing/2014/main" id="{9E16F3EA-037B-468B-8CCE-7C30BB6E7DEB}"/>
+              </a:ext>
+            </a:extLst>
+          </p:cNvPr>
           <p:cNvSpPr>
             <a:spLocks noGrp="1"/>
           </p:cNvSpPr>
@@ -2834,7 +2879,13 @@
       </p:sp>
       <p:sp>
         <p:nvSpPr>
-          <p:cNvPr id="5" name="Номер слайда 4"/>
+          <p:cNvPr id="5" name="Номер слайда 4">
+            <a:extLst>
+              <a:ext uri="{FF2B5EF4-FFF2-40B4-BE49-F238E27FC236}">
+                <a16:creationId xmlns:a16="http://schemas.microsoft.com/office/drawing/2014/main" id="{B2C2A843-2191-45B5-969C-6CFF99A8143D}"/>
+              </a:ext>
+            </a:extLst>
+          </p:cNvPr>
           <p:cNvSpPr>
             <a:spLocks noGrp="1"/>
           </p:cNvSpPr>
@@ -2857,6 +2908,11 @@
         </p:txBody>
       </p:sp>
     </p:spTree>
+    <p:extLst>
+      <p:ext uri="{BB962C8B-B14F-4D97-AF65-F5344CB8AC3E}">
+        <p14:creationId xmlns:p14="http://schemas.microsoft.com/office/powerpoint/2010/main" val="3403795791"/>
+      </p:ext>
+    </p:extLst>
   </p:cSld>
   <p:clrMapOvr>
     <a:masterClrMapping/>
@@ -2883,7 +2939,13 @@
       </p:grpSpPr>
       <p:sp>
         <p:nvSpPr>
-          <p:cNvPr id="2" name="Дата 1"/>
+          <p:cNvPr id="2" name="Дата 1">
+            <a:extLst>
+              <a:ext uri="{FF2B5EF4-FFF2-40B4-BE49-F238E27FC236}">
+                <a16:creationId xmlns:a16="http://schemas.microsoft.com/office/drawing/2014/main" id="{E26C81C2-8193-4EA4-B858-8CD0B1D11B8B}"/>
+              </a:ext>
+            </a:extLst>
+          </p:cNvPr>
           <p:cNvSpPr>
             <a:spLocks noGrp="1"/>
           </p:cNvSpPr>
@@ -2899,7 +2961,7 @@
             <a:fld id="{DF1BE21D-2D9C-41D0-AED9-4BA466AECC1B}" type="datetime1">
               <a:rPr lang="ru-RU" smtClean="0"/>
               <a:pPr/>
-              <a:t>07.06.2021</a:t>
+              <a:t>09.06.2021</a:t>
             </a:fld>
             <a:endParaRPr lang="ru-RU"/>
           </a:p>
@@ -2907,7 +2969,13 @@
       </p:sp>
       <p:sp>
         <p:nvSpPr>
-          <p:cNvPr id="3" name="Нижний колонтитул 2"/>
+          <p:cNvPr id="3" name="Нижний колонтитул 2">
+            <a:extLst>
+              <a:ext uri="{FF2B5EF4-FFF2-40B4-BE49-F238E27FC236}">
+                <a16:creationId xmlns:a16="http://schemas.microsoft.com/office/drawing/2014/main" id="{ED3C180F-BFB2-49EC-8755-B4288D63992A}"/>
+              </a:ext>
+            </a:extLst>
+          </p:cNvPr>
           <p:cNvSpPr>
             <a:spLocks noGrp="1"/>
           </p:cNvSpPr>
@@ -2926,7 +2994,13 @@
       </p:sp>
       <p:sp>
         <p:nvSpPr>
-          <p:cNvPr id="4" name="Номер слайда 3"/>
+          <p:cNvPr id="4" name="Номер слайда 3">
+            <a:extLst>
+              <a:ext uri="{FF2B5EF4-FFF2-40B4-BE49-F238E27FC236}">
+                <a16:creationId xmlns:a16="http://schemas.microsoft.com/office/drawing/2014/main" id="{69E21387-8874-46A3-A5E7-369D8DF21ACC}"/>
+              </a:ext>
+            </a:extLst>
+          </p:cNvPr>
           <p:cNvSpPr>
             <a:spLocks noGrp="1"/>
           </p:cNvSpPr>
@@ -2949,6 +3023,11 @@
         </p:txBody>
       </p:sp>
     </p:spTree>
+    <p:extLst>
+      <p:ext uri="{BB962C8B-B14F-4D97-AF65-F5344CB8AC3E}">
+        <p14:creationId xmlns:p14="http://schemas.microsoft.com/office/powerpoint/2010/main" val="178568908"/>
+      </p:ext>
+    </p:extLst>
   </p:cSld>
   <p:clrMapOvr>
     <a:masterClrMapping/>
@@ -2975,102 +3054,13 @@
       </p:grpSpPr>
       <p:sp>
         <p:nvSpPr>
-          <p:cNvPr id="8" name="Прямоугольник 7"/>
-          <p:cNvSpPr/>
-          <p:nvPr/>
-        </p:nvSpPr>
-        <p:spPr>
-          <a:xfrm>
-            <a:off x="0" y="0"/>
-            <a:ext cx="9144000" cy="6858000"/>
-          </a:xfrm>
-          <a:prstGeom prst="rect">
-            <a:avLst/>
-          </a:prstGeom>
-          <a:solidFill>
-            <a:srgbClr val="FFFFFF"/>
-          </a:solidFill>
-          <a:ln w="19050" cap="sq" cmpd="sng" algn="ctr">
-            <a:noFill/>
-            <a:prstDash val="solid"/>
-          </a:ln>
-          <a:effectLst/>
-        </p:spPr>
-        <p:style>
-          <a:lnRef idx="3">
-            <a:schemeClr val="lt1"/>
-          </a:lnRef>
-          <a:fillRef idx="1">
-            <a:schemeClr val="accent1"/>
-          </a:fillRef>
-          <a:effectRef idx="1">
-            <a:schemeClr val="accent1"/>
-          </a:effectRef>
-          <a:fontRef idx="minor">
-            <a:schemeClr val="lt1"/>
-          </a:fontRef>
-        </p:style>
-        <p:txBody>
-          <a:bodyPr anchor="ctr"/>
-          <a:lstStyle/>
-          <a:p>
-            <a:pPr algn="ctr" eaLnBrk="1" latinLnBrk="0" hangingPunct="1"/>
-            <a:endParaRPr kumimoji="0" lang="en-US"/>
-          </a:p>
-        </p:txBody>
-      </p:sp>
-      <p:sp useBgFill="1">
-        <p:nvSpPr>
-          <p:cNvPr id="9" name="Скругленный прямоугольник 8"/>
-          <p:cNvSpPr/>
-          <p:nvPr/>
-        </p:nvSpPr>
-        <p:spPr>
-          <a:xfrm>
-            <a:off x="64008" y="69755"/>
-            <a:ext cx="9013372" cy="6693408"/>
-          </a:xfrm>
-          <a:prstGeom prst="roundRect">
-            <a:avLst>
-              <a:gd name="adj" fmla="val 4929"/>
-            </a:avLst>
-          </a:prstGeom>
-          <a:ln w="6350" cap="sq" cmpd="sng" algn="ctr">
-            <a:solidFill>
-              <a:schemeClr val="tx1">
-                <a:alpha val="100000"/>
-              </a:schemeClr>
-            </a:solidFill>
-            <a:prstDash val="solid"/>
-          </a:ln>
-          <a:effectLst/>
-        </p:spPr>
-        <p:style>
-          <a:lnRef idx="3">
-            <a:schemeClr val="lt1"/>
-          </a:lnRef>
-          <a:fillRef idx="1001">
-            <a:schemeClr val="lt1"/>
-          </a:fillRef>
-          <a:effectRef idx="1">
-            <a:schemeClr val="accent1"/>
-          </a:effectRef>
-          <a:fontRef idx="minor">
-            <a:schemeClr val="lt1"/>
-          </a:fontRef>
-        </p:style>
-        <p:txBody>
-          <a:bodyPr anchor="ctr"/>
-          <a:lstStyle/>
-          <a:p>
-            <a:pPr algn="ctr" eaLnBrk="1" latinLnBrk="0" hangingPunct="1"/>
-            <a:endParaRPr kumimoji="0" lang="en-US"/>
-          </a:p>
-        </p:txBody>
-      </p:sp>
-      <p:sp>
-        <p:nvSpPr>
-          <p:cNvPr id="2" name="Заголовок 1"/>
+          <p:cNvPr id="2" name="Заголовок 1">
+            <a:extLst>
+              <a:ext uri="{FF2B5EF4-FFF2-40B4-BE49-F238E27FC236}">
+                <a16:creationId xmlns:a16="http://schemas.microsoft.com/office/drawing/2014/main" id="{1C5230AA-E695-4CC2-A80E-CAF935E4C602}"/>
+              </a:ext>
+            </a:extLst>
+          </p:cNvPr>
           <p:cNvSpPr>
             <a:spLocks noGrp="1"/>
           </p:cNvSpPr>
@@ -3080,41 +3070,135 @@
         </p:nvSpPr>
         <p:spPr>
           <a:xfrm>
-            <a:off x="914400" y="273050"/>
-            <a:ext cx="7772400" cy="1143000"/>
-          </a:xfrm>
-        </p:spPr>
-        <p:txBody>
-          <a:bodyPr anchor="b" anchorCtr="0"/>
+            <a:off x="629841" y="457200"/>
+            <a:ext cx="2949178" cy="1600200"/>
+          </a:xfrm>
+        </p:spPr>
+        <p:txBody>
+          <a:bodyPr anchor="b"/>
           <a:lstStyle>
-            <a:lvl1pPr algn="l">
-              <a:buNone/>
-              <a:defRPr sz="4000" b="0"/>
+            <a:lvl1pPr>
+              <a:defRPr sz="2400"/>
             </a:lvl1pPr>
           </a:lstStyle>
           <a:p>
             <a:r>
-              <a:rPr kumimoji="0" lang="ru-RU"/>
+              <a:rPr lang="ru-RU"/>
               <a:t>Образец заголовка</a:t>
             </a:r>
-            <a:endParaRPr kumimoji="0" lang="en-US"/>
-          </a:p>
-        </p:txBody>
-      </p:sp>
-      <p:sp>
-        <p:nvSpPr>
-          <p:cNvPr id="3" name="Текст 2"/>
+          </a:p>
+        </p:txBody>
+      </p:sp>
+      <p:sp>
+        <p:nvSpPr>
+          <p:cNvPr id="3" name="Объект 2">
+            <a:extLst>
+              <a:ext uri="{FF2B5EF4-FFF2-40B4-BE49-F238E27FC236}">
+                <a16:creationId xmlns:a16="http://schemas.microsoft.com/office/drawing/2014/main" id="{57366CDE-0087-4735-A716-7F17EC24DB5F}"/>
+              </a:ext>
+            </a:extLst>
+          </p:cNvPr>
           <p:cNvSpPr>
             <a:spLocks noGrp="1"/>
           </p:cNvSpPr>
           <p:nvPr>
-            <p:ph type="body" idx="2"/>
+            <p:ph idx="1"/>
           </p:nvPr>
         </p:nvSpPr>
         <p:spPr>
           <a:xfrm>
-            <a:off x="914400" y="1600200"/>
-            <a:ext cx="1905000" cy="4495800"/>
+            <a:off x="3887391" y="987426"/>
+            <a:ext cx="4629150" cy="4873625"/>
+          </a:xfrm>
+        </p:spPr>
+        <p:txBody>
+          <a:bodyPr/>
+          <a:lstStyle>
+            <a:lvl1pPr>
+              <a:defRPr sz="2400"/>
+            </a:lvl1pPr>
+            <a:lvl2pPr>
+              <a:defRPr sz="2100"/>
+            </a:lvl2pPr>
+            <a:lvl3pPr>
+              <a:defRPr sz="1800"/>
+            </a:lvl3pPr>
+            <a:lvl4pPr>
+              <a:defRPr sz="1500"/>
+            </a:lvl4pPr>
+            <a:lvl5pPr>
+              <a:defRPr sz="1500"/>
+            </a:lvl5pPr>
+            <a:lvl6pPr>
+              <a:defRPr sz="1500"/>
+            </a:lvl6pPr>
+            <a:lvl7pPr>
+              <a:defRPr sz="1500"/>
+            </a:lvl7pPr>
+            <a:lvl8pPr>
+              <a:defRPr sz="1500"/>
+            </a:lvl8pPr>
+            <a:lvl9pPr>
+              <a:defRPr sz="1500"/>
+            </a:lvl9pPr>
+          </a:lstStyle>
+          <a:p>
+            <a:pPr lvl="0"/>
+            <a:r>
+              <a:rPr lang="ru-RU"/>
+              <a:t>Образец текста</a:t>
+            </a:r>
+          </a:p>
+          <a:p>
+            <a:pPr lvl="1"/>
+            <a:r>
+              <a:rPr lang="ru-RU"/>
+              <a:t>Второй уровень</a:t>
+            </a:r>
+          </a:p>
+          <a:p>
+            <a:pPr lvl="2"/>
+            <a:r>
+              <a:rPr lang="ru-RU"/>
+              <a:t>Третий уровень</a:t>
+            </a:r>
+          </a:p>
+          <a:p>
+            <a:pPr lvl="3"/>
+            <a:r>
+              <a:rPr lang="ru-RU"/>
+              <a:t>Четвертый уровень</a:t>
+            </a:r>
+          </a:p>
+          <a:p>
+            <a:pPr lvl="4"/>
+            <a:r>
+              <a:rPr lang="ru-RU"/>
+              <a:t>Пятый уровень</a:t>
+            </a:r>
+          </a:p>
+        </p:txBody>
+      </p:sp>
+      <p:sp>
+        <p:nvSpPr>
+          <p:cNvPr id="4" name="Текст 3">
+            <a:extLst>
+              <a:ext uri="{FF2B5EF4-FFF2-40B4-BE49-F238E27FC236}">
+                <a16:creationId xmlns:a16="http://schemas.microsoft.com/office/drawing/2014/main" id="{B666433D-822D-41DF-9F99-6594ED2D2C65}"/>
+              </a:ext>
+            </a:extLst>
+          </p:cNvPr>
+          <p:cNvSpPr>
+            <a:spLocks noGrp="1"/>
+          </p:cNvSpPr>
+          <p:nvPr>
+            <p:ph type="body" sz="half" idx="2"/>
+          </p:nvPr>
+        </p:nvSpPr>
+        <p:spPr>
+          <a:xfrm>
+            <a:off x="629841" y="2057400"/>
+            <a:ext cx="2949178" cy="3811588"/>
           </a:xfrm>
         </p:spPr>
         <p:txBody>
@@ -3122,29 +3206,45 @@
           <a:lstStyle>
             <a:lvl1pPr marL="0" indent="0">
               <a:buNone/>
-              <a:defRPr sz="1800"/>
+              <a:defRPr sz="1200"/>
             </a:lvl1pPr>
-            <a:lvl2pPr>
+            <a:lvl2pPr marL="342900" indent="0">
               <a:buNone/>
-              <a:defRPr sz="1200"/>
+              <a:defRPr sz="1050"/>
             </a:lvl2pPr>
-            <a:lvl3pPr>
-              <a:buNone/>
-              <a:defRPr sz="1000"/>
-            </a:lvl3pPr>
-            <a:lvl4pPr>
+            <a:lvl3pPr marL="685800" indent="0">
               <a:buNone/>
               <a:defRPr sz="900"/>
+            </a:lvl3pPr>
+            <a:lvl4pPr marL="1028700" indent="0">
+              <a:buNone/>
+              <a:defRPr sz="750"/>
             </a:lvl4pPr>
-            <a:lvl5pPr>
+            <a:lvl5pPr marL="1371600" indent="0">
               <a:buNone/>
-              <a:defRPr sz="900"/>
+              <a:defRPr sz="750"/>
             </a:lvl5pPr>
+            <a:lvl6pPr marL="1714500" indent="0">
+              <a:buNone/>
+              <a:defRPr sz="750"/>
+            </a:lvl6pPr>
+            <a:lvl7pPr marL="2057400" indent="0">
+              <a:buNone/>
+              <a:defRPr sz="750"/>
+            </a:lvl7pPr>
+            <a:lvl8pPr marL="2400300" indent="0">
+              <a:buNone/>
+              <a:defRPr sz="750"/>
+            </a:lvl8pPr>
+            <a:lvl9pPr marL="2743200" indent="0">
+              <a:buNone/>
+              <a:defRPr sz="750"/>
+            </a:lvl9pPr>
           </a:lstStyle>
           <a:p>
-            <a:pPr lvl="0" eaLnBrk="1" latinLnBrk="0" hangingPunct="1"/>
-            <a:r>
-              <a:rPr kumimoji="0" lang="ru-RU"/>
+            <a:pPr lvl="0"/>
+            <a:r>
+              <a:rPr lang="ru-RU"/>
               <a:t>Образец текста</a:t>
             </a:r>
           </a:p>
@@ -3152,7 +3252,13 @@
       </p:sp>
       <p:sp>
         <p:nvSpPr>
-          <p:cNvPr id="5" name="Дата 4"/>
+          <p:cNvPr id="5" name="Дата 4">
+            <a:extLst>
+              <a:ext uri="{FF2B5EF4-FFF2-40B4-BE49-F238E27FC236}">
+                <a16:creationId xmlns:a16="http://schemas.microsoft.com/office/drawing/2014/main" id="{85295085-307B-462D-884C-35EE8D8A7DCF}"/>
+              </a:ext>
+            </a:extLst>
+          </p:cNvPr>
           <p:cNvSpPr>
             <a:spLocks noGrp="1"/>
           </p:cNvSpPr>
@@ -3168,7 +3274,7 @@
             <a:fld id="{918A7DE1-93FC-4D17-89B5-B3C3DF97501B}" type="datetime1">
               <a:rPr lang="ru-RU" smtClean="0"/>
               <a:pPr/>
-              <a:t>07.06.2021</a:t>
+              <a:t>09.06.2021</a:t>
             </a:fld>
             <a:endParaRPr lang="ru-RU"/>
           </a:p>
@@ -3176,7 +3282,13 @@
       </p:sp>
       <p:sp>
         <p:nvSpPr>
-          <p:cNvPr id="6" name="Нижний колонтитул 5"/>
+          <p:cNvPr id="6" name="Нижний колонтитул 5">
+            <a:extLst>
+              <a:ext uri="{FF2B5EF4-FFF2-40B4-BE49-F238E27FC236}">
+                <a16:creationId xmlns:a16="http://schemas.microsoft.com/office/drawing/2014/main" id="{C4FE9170-1030-49FE-8743-D6399CBCFBE6}"/>
+              </a:ext>
+            </a:extLst>
+          </p:cNvPr>
           <p:cNvSpPr>
             <a:spLocks noGrp="1"/>
           </p:cNvSpPr>
@@ -3195,7 +3307,13 @@
       </p:sp>
       <p:sp>
         <p:nvSpPr>
-          <p:cNvPr id="7" name="Номер слайда 6"/>
+          <p:cNvPr id="7" name="Номер слайда 6">
+            <a:extLst>
+              <a:ext uri="{FF2B5EF4-FFF2-40B4-BE49-F238E27FC236}">
+                <a16:creationId xmlns:a16="http://schemas.microsoft.com/office/drawing/2014/main" id="{7E4F08C3-92D4-4470-BBAC-088ADFD72C83}"/>
+              </a:ext>
+            </a:extLst>
+          </p:cNvPr>
           <p:cNvSpPr>
             <a:spLocks noGrp="1"/>
           </p:cNvSpPr>
@@ -3217,64 +3335,12 @@
           </a:p>
         </p:txBody>
       </p:sp>
-      <p:sp>
-        <p:nvSpPr>
-          <p:cNvPr id="11" name="Содержимое 10"/>
-          <p:cNvSpPr>
-            <a:spLocks noGrp="1"/>
-          </p:cNvSpPr>
-          <p:nvPr>
-            <p:ph sz="quarter" idx="1"/>
-          </p:nvPr>
-        </p:nvSpPr>
-        <p:spPr>
-          <a:xfrm>
-            <a:off x="2971800" y="1600200"/>
-            <a:ext cx="5715000" cy="4495800"/>
-          </a:xfrm>
-        </p:spPr>
-        <p:txBody>
-          <a:bodyPr vert="horz"/>
-          <a:lstStyle/>
-          <a:p>
-            <a:pPr lvl="0" eaLnBrk="1" latinLnBrk="0" hangingPunct="1"/>
-            <a:r>
-              <a:rPr lang="ru-RU"/>
-              <a:t>Образец текста</a:t>
-            </a:r>
-          </a:p>
-          <a:p>
-            <a:pPr lvl="1" eaLnBrk="1" latinLnBrk="0" hangingPunct="1"/>
-            <a:r>
-              <a:rPr lang="ru-RU"/>
-              <a:t>Второй уровень</a:t>
-            </a:r>
-          </a:p>
-          <a:p>
-            <a:pPr lvl="2" eaLnBrk="1" latinLnBrk="0" hangingPunct="1"/>
-            <a:r>
-              <a:rPr lang="ru-RU"/>
-              <a:t>Третий уровень</a:t>
-            </a:r>
-          </a:p>
-          <a:p>
-            <a:pPr lvl="3" eaLnBrk="1" latinLnBrk="0" hangingPunct="1"/>
-            <a:r>
-              <a:rPr lang="ru-RU"/>
-              <a:t>Четвертый уровень</a:t>
-            </a:r>
-          </a:p>
-          <a:p>
-            <a:pPr lvl="4" eaLnBrk="1" latinLnBrk="0" hangingPunct="1"/>
-            <a:r>
-              <a:rPr lang="ru-RU"/>
-              <a:t>Пятый уровень</a:t>
-            </a:r>
-            <a:endParaRPr kumimoji="0" lang="en-US"/>
-          </a:p>
-        </p:txBody>
-      </p:sp>
     </p:spTree>
+    <p:extLst>
+      <p:ext uri="{BB962C8B-B14F-4D97-AF65-F5344CB8AC3E}">
+        <p14:creationId xmlns:p14="http://schemas.microsoft.com/office/powerpoint/2010/main" val="20608942"/>
+      </p:ext>
+    </p:extLst>
   </p:cSld>
   <p:clrMapOvr>
     <a:masterClrMapping/>
@@ -3301,7 +3367,13 @@
       </p:grpSpPr>
       <p:sp>
         <p:nvSpPr>
-          <p:cNvPr id="2" name="Заголовок 1"/>
+          <p:cNvPr id="2" name="Заголовок 1">
+            <a:extLst>
+              <a:ext uri="{FF2B5EF4-FFF2-40B4-BE49-F238E27FC236}">
+                <a16:creationId xmlns:a16="http://schemas.microsoft.com/office/drawing/2014/main" id="{D1B0B344-1414-4FAE-9B5D-F317F6B6F820}"/>
+              </a:ext>
+            </a:extLst>
+          </p:cNvPr>
           <p:cNvSpPr>
             <a:spLocks noGrp="1"/>
           </p:cNvSpPr>
@@ -3311,32 +3383,101 @@
         </p:nvSpPr>
         <p:spPr>
           <a:xfrm>
-            <a:off x="914400" y="4900550"/>
-            <a:ext cx="7315200" cy="522288"/>
-          </a:xfrm>
-        </p:spPr>
-        <p:txBody>
-          <a:bodyPr anchor="ctr">
-            <a:noAutofit/>
-          </a:bodyPr>
+            <a:off x="629841" y="457200"/>
+            <a:ext cx="2949178" cy="1600200"/>
+          </a:xfrm>
+        </p:spPr>
+        <p:txBody>
+          <a:bodyPr anchor="b"/>
           <a:lstStyle>
-            <a:lvl1pPr algn="l">
-              <a:buNone/>
-              <a:defRPr sz="2800" b="0"/>
+            <a:lvl1pPr>
+              <a:defRPr sz="2400"/>
             </a:lvl1pPr>
           </a:lstStyle>
           <a:p>
             <a:r>
-              <a:rPr kumimoji="0" lang="ru-RU"/>
+              <a:rPr lang="ru-RU"/>
               <a:t>Образец заголовка</a:t>
             </a:r>
-            <a:endParaRPr kumimoji="0" lang="en-US"/>
-          </a:p>
-        </p:txBody>
-      </p:sp>
-      <p:sp>
-        <p:nvSpPr>
-          <p:cNvPr id="4" name="Текст 3"/>
+          </a:p>
+        </p:txBody>
+      </p:sp>
+      <p:sp>
+        <p:nvSpPr>
+          <p:cNvPr id="3" name="Рисунок 2">
+            <a:extLst>
+              <a:ext uri="{FF2B5EF4-FFF2-40B4-BE49-F238E27FC236}">
+                <a16:creationId xmlns:a16="http://schemas.microsoft.com/office/drawing/2014/main" id="{0AD54F9D-8637-454D-948A-309CAF9C30A8}"/>
+              </a:ext>
+            </a:extLst>
+          </p:cNvPr>
+          <p:cNvSpPr>
+            <a:spLocks noGrp="1"/>
+          </p:cNvSpPr>
+          <p:nvPr>
+            <p:ph type="pic" idx="1"/>
+          </p:nvPr>
+        </p:nvSpPr>
+        <p:spPr>
+          <a:xfrm>
+            <a:off x="3887391" y="987426"/>
+            <a:ext cx="4629150" cy="4873625"/>
+          </a:xfrm>
+        </p:spPr>
+        <p:txBody>
+          <a:bodyPr/>
+          <a:lstStyle>
+            <a:lvl1pPr marL="0" indent="0">
+              <a:buNone/>
+              <a:defRPr sz="2400"/>
+            </a:lvl1pPr>
+            <a:lvl2pPr marL="342900" indent="0">
+              <a:buNone/>
+              <a:defRPr sz="2100"/>
+            </a:lvl2pPr>
+            <a:lvl3pPr marL="685800" indent="0">
+              <a:buNone/>
+              <a:defRPr sz="1800"/>
+            </a:lvl3pPr>
+            <a:lvl4pPr marL="1028700" indent="0">
+              <a:buNone/>
+              <a:defRPr sz="1500"/>
+            </a:lvl4pPr>
+            <a:lvl5pPr marL="1371600" indent="0">
+              <a:buNone/>
+              <a:defRPr sz="1500"/>
+            </a:lvl5pPr>
+            <a:lvl6pPr marL="1714500" indent="0">
+              <a:buNone/>
+              <a:defRPr sz="1500"/>
+            </a:lvl6pPr>
+            <a:lvl7pPr marL="2057400" indent="0">
+              <a:buNone/>
+              <a:defRPr sz="1500"/>
+            </a:lvl7pPr>
+            <a:lvl8pPr marL="2400300" indent="0">
+              <a:buNone/>
+              <a:defRPr sz="1500"/>
+            </a:lvl8pPr>
+            <a:lvl9pPr marL="2743200" indent="0">
+              <a:buNone/>
+              <a:defRPr sz="1500"/>
+            </a:lvl9pPr>
+          </a:lstStyle>
+          <a:p>
+            <a:endParaRPr lang="ru-RU"/>
+          </a:p>
+        </p:txBody>
+      </p:sp>
+      <p:sp>
+        <p:nvSpPr>
+          <p:cNvPr id="4" name="Текст 3">
+            <a:extLst>
+              <a:ext uri="{FF2B5EF4-FFF2-40B4-BE49-F238E27FC236}">
+                <a16:creationId xmlns:a16="http://schemas.microsoft.com/office/drawing/2014/main" id="{29963596-30FE-40E7-A77C-9507B809A721}"/>
+              </a:ext>
+            </a:extLst>
+          </p:cNvPr>
           <p:cNvSpPr>
             <a:spLocks noGrp="1"/>
           </p:cNvSpPr>
@@ -3346,35 +3487,54 @@
         </p:nvSpPr>
         <p:spPr>
           <a:xfrm>
-            <a:off x="914400" y="5445825"/>
-            <a:ext cx="7315200" cy="685800"/>
+            <a:off x="629841" y="2057400"/>
+            <a:ext cx="2949178" cy="3811588"/>
           </a:xfrm>
         </p:spPr>
         <p:txBody>
           <a:bodyPr/>
           <a:lstStyle>
             <a:lvl1pPr marL="0" indent="0">
-              <a:buFontTx/>
               <a:buNone/>
-              <a:defRPr sz="1600"/>
+              <a:defRPr sz="1200"/>
             </a:lvl1pPr>
-            <a:lvl2pPr>
-              <a:defRPr sz="1200"/>
+            <a:lvl2pPr marL="342900" indent="0">
+              <a:buNone/>
+              <a:defRPr sz="1050"/>
             </a:lvl2pPr>
-            <a:lvl3pPr>
-              <a:defRPr sz="1000"/>
+            <a:lvl3pPr marL="685800" indent="0">
+              <a:buNone/>
+              <a:defRPr sz="900"/>
             </a:lvl3pPr>
-            <a:lvl4pPr>
-              <a:defRPr sz="900"/>
+            <a:lvl4pPr marL="1028700" indent="0">
+              <a:buNone/>
+              <a:defRPr sz="750"/>
             </a:lvl4pPr>
-            <a:lvl5pPr>
-              <a:defRPr sz="900"/>
+            <a:lvl5pPr marL="1371600" indent="0">
+              <a:buNone/>
+              <a:defRPr sz="750"/>
             </a:lvl5pPr>
+            <a:lvl6pPr marL="1714500" indent="0">
+              <a:buNone/>
+              <a:defRPr sz="750"/>
+            </a:lvl6pPr>
+            <a:lvl7pPr marL="2057400" indent="0">
+              <a:buNone/>
+              <a:defRPr sz="750"/>
+            </a:lvl7pPr>
+            <a:lvl8pPr marL="2400300" indent="0">
+              <a:buNone/>
+              <a:defRPr sz="750"/>
+            </a:lvl8pPr>
+            <a:lvl9pPr marL="2743200" indent="0">
+              <a:buNone/>
+              <a:defRPr sz="750"/>
+            </a:lvl9pPr>
           </a:lstStyle>
           <a:p>
-            <a:pPr lvl="0" eaLnBrk="1" latinLnBrk="0" hangingPunct="1"/>
-            <a:r>
-              <a:rPr kumimoji="0" lang="ru-RU"/>
+            <a:pPr lvl="0"/>
+            <a:r>
+              <a:rPr lang="ru-RU"/>
               <a:t>Образец текста</a:t>
             </a:r>
           </a:p>
@@ -3382,7 +3542,13 @@
       </p:sp>
       <p:sp>
         <p:nvSpPr>
-          <p:cNvPr id="5" name="Дата 4"/>
+          <p:cNvPr id="5" name="Дата 4">
+            <a:extLst>
+              <a:ext uri="{FF2B5EF4-FFF2-40B4-BE49-F238E27FC236}">
+                <a16:creationId xmlns:a16="http://schemas.microsoft.com/office/drawing/2014/main" id="{91D0C3AD-317A-48C9-8BD8-4A3238B6D1C6}"/>
+              </a:ext>
+            </a:extLst>
+          </p:cNvPr>
           <p:cNvSpPr>
             <a:spLocks noGrp="1"/>
           </p:cNvSpPr>
@@ -3398,7 +3564,7 @@
             <a:fld id="{C67F1AC6-E1EE-428F-A358-54A4A76274AB}" type="datetime1">
               <a:rPr lang="ru-RU" smtClean="0"/>
               <a:pPr/>
-              <a:t>07.06.2021</a:t>
+              <a:t>09.06.2021</a:t>
             </a:fld>
             <a:endParaRPr lang="ru-RU"/>
           </a:p>
@@ -3406,7 +3572,13 @@
       </p:sp>
       <p:sp>
         <p:nvSpPr>
-          <p:cNvPr id="6" name="Нижний колонтитул 5"/>
+          <p:cNvPr id="6" name="Нижний колонтитул 5">
+            <a:extLst>
+              <a:ext uri="{FF2B5EF4-FFF2-40B4-BE49-F238E27FC236}">
+                <a16:creationId xmlns:a16="http://schemas.microsoft.com/office/drawing/2014/main" id="{C60B8CB7-F54F-415F-BA2B-73ADFDC1C90F}"/>
+              </a:ext>
+            </a:extLst>
+          </p:cNvPr>
           <p:cNvSpPr>
             <a:spLocks noGrp="1"/>
           </p:cNvSpPr>
@@ -3414,12 +3586,7 @@
             <p:ph type="ftr" sz="quarter" idx="11"/>
           </p:nvPr>
         </p:nvSpPr>
-        <p:spPr>
-          <a:xfrm>
-            <a:off x="914400" y="6172200"/>
-            <a:ext cx="3886200" cy="457200"/>
-          </a:xfrm>
-        </p:spPr>
+        <p:spPr/>
         <p:txBody>
           <a:bodyPr/>
           <a:lstStyle/>
@@ -3430,7 +3597,13 @@
       </p:sp>
       <p:sp>
         <p:nvSpPr>
-          <p:cNvPr id="7" name="Номер слайда 6"/>
+          <p:cNvPr id="7" name="Номер слайда 6">
+            <a:extLst>
+              <a:ext uri="{FF2B5EF4-FFF2-40B4-BE49-F238E27FC236}">
+                <a16:creationId xmlns:a16="http://schemas.microsoft.com/office/drawing/2014/main" id="{8CE9E9E7-80FC-4284-9D63-BF3478B82401}"/>
+              </a:ext>
+            </a:extLst>
+          </p:cNvPr>
           <p:cNvSpPr>
             <a:spLocks noGrp="1"/>
           </p:cNvSpPr>
@@ -3438,12 +3611,7 @@
             <p:ph type="sldNum" sz="quarter" idx="12"/>
           </p:nvPr>
         </p:nvSpPr>
-        <p:spPr>
-          <a:xfrm>
-            <a:off x="146304" y="6208776"/>
-            <a:ext cx="457200" cy="457200"/>
-          </a:xfrm>
-        </p:spPr>
+        <p:spPr/>
         <p:txBody>
           <a:bodyPr/>
           <a:lstStyle/>
@@ -3457,196 +3625,12 @@
           </a:p>
         </p:txBody>
       </p:sp>
-      <p:sp>
-        <p:nvSpPr>
-          <p:cNvPr id="11" name="Прямоугольник 10"/>
-          <p:cNvSpPr/>
-          <p:nvPr/>
-        </p:nvSpPr>
-        <p:spPr>
-          <a:xfrm flipV="1">
-            <a:off x="68307" y="4683555"/>
-            <a:ext cx="9006840" cy="91440"/>
-          </a:xfrm>
-          <a:prstGeom prst="rect">
-            <a:avLst/>
-          </a:prstGeom>
-          <a:solidFill>
-            <a:schemeClr val="accent1">
-              <a:alpha val="100000"/>
-            </a:schemeClr>
-          </a:solidFill>
-          <a:ln w="19050" cap="sq" cmpd="sng" algn="ctr">
-            <a:noFill/>
-            <a:prstDash val="solid"/>
-          </a:ln>
-          <a:effectLst/>
-        </p:spPr>
-        <p:style>
-          <a:lnRef idx="3">
-            <a:schemeClr val="lt1"/>
-          </a:lnRef>
-          <a:fillRef idx="1">
-            <a:schemeClr val="accent1"/>
-          </a:fillRef>
-          <a:effectRef idx="1">
-            <a:schemeClr val="accent1"/>
-          </a:effectRef>
-          <a:fontRef idx="minor">
-            <a:schemeClr val="lt1"/>
-          </a:fontRef>
-        </p:style>
-        <p:txBody>
-          <a:bodyPr anchor="ctr"/>
-          <a:lstStyle/>
-          <a:p>
-            <a:pPr algn="ctr" eaLnBrk="1" latinLnBrk="0" hangingPunct="1"/>
-            <a:endParaRPr kumimoji="0" lang="en-US"/>
-          </a:p>
-        </p:txBody>
-      </p:sp>
-      <p:sp>
-        <p:nvSpPr>
-          <p:cNvPr id="12" name="Прямоугольник 11"/>
-          <p:cNvSpPr/>
-          <p:nvPr/>
-        </p:nvSpPr>
-        <p:spPr>
-          <a:xfrm>
-            <a:off x="68508" y="4650474"/>
-            <a:ext cx="9006639" cy="45719"/>
-          </a:xfrm>
-          <a:prstGeom prst="rect">
-            <a:avLst/>
-          </a:prstGeom>
-          <a:solidFill>
-            <a:schemeClr val="accent1">
-              <a:tint val="60000"/>
-            </a:schemeClr>
-          </a:solidFill>
-          <a:ln w="19050" cap="sq" cmpd="sng" algn="ctr">
-            <a:noFill/>
-            <a:prstDash val="solid"/>
-          </a:ln>
-          <a:effectLst/>
-        </p:spPr>
-        <p:style>
-          <a:lnRef idx="3">
-            <a:schemeClr val="lt1"/>
-          </a:lnRef>
-          <a:fillRef idx="1">
-            <a:schemeClr val="accent1"/>
-          </a:fillRef>
-          <a:effectRef idx="1">
-            <a:schemeClr val="accent1"/>
-          </a:effectRef>
-          <a:fontRef idx="minor">
-            <a:schemeClr val="lt1"/>
-          </a:fontRef>
-        </p:style>
-        <p:txBody>
-          <a:bodyPr anchor="ctr"/>
-          <a:lstStyle/>
-          <a:p>
-            <a:pPr algn="ctr" eaLnBrk="1" latinLnBrk="0" hangingPunct="1"/>
-            <a:endParaRPr kumimoji="0" lang="en-US"/>
-          </a:p>
-        </p:txBody>
-      </p:sp>
-      <p:sp>
-        <p:nvSpPr>
-          <p:cNvPr id="13" name="Прямоугольник 12"/>
-          <p:cNvSpPr/>
-          <p:nvPr/>
-        </p:nvSpPr>
-        <p:spPr>
-          <a:xfrm>
-            <a:off x="68510" y="4773224"/>
-            <a:ext cx="9006637" cy="48807"/>
-          </a:xfrm>
-          <a:prstGeom prst="rect">
-            <a:avLst/>
-          </a:prstGeom>
-          <a:solidFill>
-            <a:schemeClr val="accent5"/>
-          </a:solidFill>
-          <a:ln w="19050" cap="sq" cmpd="sng" algn="ctr">
-            <a:noFill/>
-            <a:prstDash val="solid"/>
-          </a:ln>
-          <a:effectLst/>
-        </p:spPr>
-        <p:style>
-          <a:lnRef idx="3">
-            <a:schemeClr val="lt1"/>
-          </a:lnRef>
-          <a:fillRef idx="1">
-            <a:schemeClr val="accent1"/>
-          </a:fillRef>
-          <a:effectRef idx="1">
-            <a:schemeClr val="accent1"/>
-          </a:effectRef>
-          <a:fontRef idx="minor">
-            <a:schemeClr val="lt1"/>
-          </a:fontRef>
-        </p:style>
-        <p:txBody>
-          <a:bodyPr anchor="ctr"/>
-          <a:lstStyle/>
-          <a:p>
-            <a:pPr algn="ctr" eaLnBrk="1" latinLnBrk="0" hangingPunct="1"/>
-            <a:endParaRPr kumimoji="0" lang="en-US"/>
-          </a:p>
-        </p:txBody>
-      </p:sp>
-      <p:sp>
-        <p:nvSpPr>
-          <p:cNvPr id="3" name="Рисунок 2"/>
-          <p:cNvSpPr>
-            <a:spLocks noGrp="1"/>
-          </p:cNvSpPr>
-          <p:nvPr>
-            <p:ph type="pic" idx="1"/>
-          </p:nvPr>
-        </p:nvSpPr>
-        <p:spPr>
-          <a:xfrm>
-            <a:off x="68308" y="66675"/>
-            <a:ext cx="9001873" cy="4581525"/>
-          </a:xfrm>
-          <a:prstGeom prst="round2SameRect">
-            <a:avLst>
-              <a:gd name="adj1" fmla="val 7101"/>
-              <a:gd name="adj2" fmla="val 0"/>
-            </a:avLst>
-          </a:prstGeom>
-          <a:solidFill>
-            <a:schemeClr val="bg2"/>
-          </a:solidFill>
-          <a:ln w="6350">
-            <a:solidFill>
-              <a:schemeClr val="tx1"/>
-            </a:solidFill>
-          </a:ln>
-        </p:spPr>
-        <p:txBody>
-          <a:bodyPr/>
-          <a:lstStyle>
-            <a:lvl1pPr marL="0" indent="0">
-              <a:buNone/>
-              <a:defRPr sz="3200"/>
-            </a:lvl1pPr>
-          </a:lstStyle>
-          <a:p>
-            <a:r>
-              <a:rPr kumimoji="0" lang="ru-RU"/>
-              <a:t>Вставка рисунка</a:t>
-            </a:r>
-            <a:endParaRPr kumimoji="0" lang="en-US" dirty="0"/>
-          </a:p>
-        </p:txBody>
-      </p:sp>
     </p:spTree>
+    <p:extLst>
+      <p:ext uri="{BB962C8B-B14F-4D97-AF65-F5344CB8AC3E}">
+        <p14:creationId xmlns:p14="http://schemas.microsoft.com/office/powerpoint/2010/main" val="763075232"/>
+      </p:ext>
+    </p:extLst>
   </p:cSld>
   <p:clrMapOvr>
     <a:masterClrMapping/>
@@ -3678,101 +3662,13 @@
       </p:grpSpPr>
       <p:sp>
         <p:nvSpPr>
-          <p:cNvPr id="9" name="Прямоугольник 8"/>
-          <p:cNvSpPr/>
-          <p:nvPr/>
-        </p:nvSpPr>
-        <p:spPr>
-          <a:xfrm>
-            <a:off x="0" y="0"/>
-            <a:ext cx="9144000" cy="6858000"/>
-          </a:xfrm>
-          <a:prstGeom prst="rect">
-            <a:avLst/>
-          </a:prstGeom>
-          <a:solidFill>
-            <a:srgbClr val="FFFFFF"/>
-          </a:solidFill>
-          <a:ln w="12700" cap="flat" cmpd="sng" algn="ctr">
-            <a:noFill/>
-            <a:prstDash val="solid"/>
-          </a:ln>
-        </p:spPr>
-        <p:style>
-          <a:lnRef idx="2">
-            <a:schemeClr val="accent1"/>
-          </a:lnRef>
-          <a:fillRef idx="1">
-            <a:schemeClr val="accent1"/>
-          </a:fillRef>
-          <a:effectRef idx="0">
-            <a:schemeClr val="accent1"/>
-          </a:effectRef>
-          <a:fontRef idx="minor">
-            <a:schemeClr val="lt1"/>
-          </a:fontRef>
-        </p:style>
-        <p:txBody>
-          <a:bodyPr rtlCol="0" anchor="ctr"/>
-          <a:lstStyle/>
-          <a:p>
-            <a:pPr algn="ctr" eaLnBrk="1" latinLnBrk="0" hangingPunct="1"/>
-            <a:endParaRPr kumimoji="0" lang="en-US"/>
-          </a:p>
-        </p:txBody>
-      </p:sp>
-      <p:sp useBgFill="1">
-        <p:nvSpPr>
-          <p:cNvPr id="8" name="Скругленный прямоугольник 7"/>
-          <p:cNvSpPr/>
-          <p:nvPr/>
-        </p:nvSpPr>
-        <p:spPr>
-          <a:xfrm>
-            <a:off x="64008" y="69755"/>
-            <a:ext cx="9013372" cy="6693408"/>
-          </a:xfrm>
-          <a:prstGeom prst="roundRect">
-            <a:avLst>
-              <a:gd name="adj" fmla="val 4929"/>
-            </a:avLst>
-          </a:prstGeom>
-          <a:ln w="6350" cap="sq" cmpd="sng" algn="ctr">
-            <a:solidFill>
-              <a:schemeClr val="tx1">
-                <a:alpha val="100000"/>
-              </a:schemeClr>
-            </a:solidFill>
-            <a:prstDash val="solid"/>
-          </a:ln>
-          <a:effectLst/>
-        </p:spPr>
-        <p:style>
-          <a:lnRef idx="3">
-            <a:schemeClr val="lt1"/>
-          </a:lnRef>
-          <a:fillRef idx="1001">
-            <a:schemeClr val="lt1"/>
-          </a:fillRef>
-          <a:effectRef idx="1">
-            <a:schemeClr val="accent1"/>
-          </a:effectRef>
-          <a:fontRef idx="minor">
-            <a:schemeClr val="lt1"/>
-          </a:fontRef>
-        </p:style>
-        <p:txBody>
-          <a:bodyPr anchor="ctr"/>
-          <a:lstStyle/>
-          <a:p>
-            <a:pPr algn="ctr" eaLnBrk="1" latinLnBrk="0" hangingPunct="1"/>
-            <a:endParaRPr kumimoji="0" lang="en-US"/>
-          </a:p>
-        </p:txBody>
-      </p:sp>
-      <p:sp>
-        <p:nvSpPr>
-          <p:cNvPr id="22" name="Заголовок 21"/>
+          <p:cNvPr id="2" name="Заголовок 1">
+            <a:extLst>
+              <a:ext uri="{FF2B5EF4-FFF2-40B4-BE49-F238E27FC236}">
+                <a16:creationId xmlns:a16="http://schemas.microsoft.com/office/drawing/2014/main" id="{B9C6FE2B-00A2-4AB4-B011-367C46FA8B2B}"/>
+              </a:ext>
+            </a:extLst>
+          </p:cNvPr>
           <p:cNvSpPr>
             <a:spLocks noGrp="1"/>
           </p:cNvSpPr>
@@ -3782,30 +3678,35 @@
         </p:nvSpPr>
         <p:spPr>
           <a:xfrm>
-            <a:off x="914400" y="274638"/>
-            <a:ext cx="7772400" cy="1143000"/>
+            <a:off x="628650" y="365126"/>
+            <a:ext cx="7886700" cy="1325563"/>
           </a:xfrm>
           <a:prstGeom prst="rect">
             <a:avLst/>
           </a:prstGeom>
         </p:spPr>
         <p:txBody>
-          <a:bodyPr bIns="91440" anchor="b" anchorCtr="0">
+          <a:bodyPr vert="horz" lIns="91440" tIns="45720" rIns="91440" bIns="45720" rtlCol="0" anchor="ctr">
             <a:normAutofit/>
           </a:bodyPr>
           <a:lstStyle/>
           <a:p>
             <a:r>
-              <a:rPr kumimoji="0" lang="ru-RU"/>
+              <a:rPr lang="ru-RU"/>
               <a:t>Образец заголовка</a:t>
             </a:r>
-            <a:endParaRPr kumimoji="0" lang="en-US"/>
-          </a:p>
-        </p:txBody>
-      </p:sp>
-      <p:sp>
-        <p:nvSpPr>
-          <p:cNvPr id="13" name="Текст 12"/>
+          </a:p>
+        </p:txBody>
+      </p:sp>
+      <p:sp>
+        <p:nvSpPr>
+          <p:cNvPr id="3" name="Текст 2">
+            <a:extLst>
+              <a:ext uri="{FF2B5EF4-FFF2-40B4-BE49-F238E27FC236}">
+                <a16:creationId xmlns:a16="http://schemas.microsoft.com/office/drawing/2014/main" id="{DA6B40A3-6AA9-4053-8A22-711F21DF8928}"/>
+              </a:ext>
+            </a:extLst>
+          </p:cNvPr>
           <p:cNvSpPr>
             <a:spLocks noGrp="1"/>
           </p:cNvSpPr>
@@ -3815,59 +3716,64 @@
         </p:nvSpPr>
         <p:spPr>
           <a:xfrm>
-            <a:off x="914400" y="1447800"/>
-            <a:ext cx="7772400" cy="4572000"/>
+            <a:off x="628650" y="1825625"/>
+            <a:ext cx="7886700" cy="4351338"/>
           </a:xfrm>
           <a:prstGeom prst="rect">
             <a:avLst/>
           </a:prstGeom>
         </p:spPr>
         <p:txBody>
-          <a:bodyPr>
+          <a:bodyPr vert="horz" lIns="91440" tIns="45720" rIns="91440" bIns="45720" rtlCol="0">
             <a:normAutofit/>
           </a:bodyPr>
           <a:lstStyle/>
           <a:p>
-            <a:pPr lvl="0" eaLnBrk="1" latinLnBrk="0" hangingPunct="1"/>
-            <a:r>
-              <a:rPr kumimoji="0" lang="ru-RU"/>
+            <a:pPr lvl="0"/>
+            <a:r>
+              <a:rPr lang="ru-RU"/>
               <a:t>Образец текста</a:t>
             </a:r>
           </a:p>
           <a:p>
-            <a:pPr lvl="1" eaLnBrk="1" latinLnBrk="0" hangingPunct="1"/>
-            <a:r>
-              <a:rPr kumimoji="0" lang="ru-RU"/>
+            <a:pPr lvl="1"/>
+            <a:r>
+              <a:rPr lang="ru-RU"/>
               <a:t>Второй уровень</a:t>
             </a:r>
           </a:p>
           <a:p>
-            <a:pPr lvl="2" eaLnBrk="1" latinLnBrk="0" hangingPunct="1"/>
-            <a:r>
-              <a:rPr kumimoji="0" lang="ru-RU"/>
+            <a:pPr lvl="2"/>
+            <a:r>
+              <a:rPr lang="ru-RU"/>
               <a:t>Третий уровень</a:t>
             </a:r>
           </a:p>
           <a:p>
-            <a:pPr lvl="3" eaLnBrk="1" latinLnBrk="0" hangingPunct="1"/>
-            <a:r>
-              <a:rPr kumimoji="0" lang="ru-RU"/>
+            <a:pPr lvl="3"/>
+            <a:r>
+              <a:rPr lang="ru-RU"/>
               <a:t>Четвертый уровень</a:t>
             </a:r>
           </a:p>
           <a:p>
-            <a:pPr lvl="4" eaLnBrk="1" latinLnBrk="0" hangingPunct="1"/>
-            <a:r>
-              <a:rPr kumimoji="0" lang="ru-RU"/>
+            <a:pPr lvl="4"/>
+            <a:r>
+              <a:rPr lang="ru-RU"/>
               <a:t>Пятый уровень</a:t>
             </a:r>
-            <a:endParaRPr kumimoji="0" lang="en-US"/>
-          </a:p>
-        </p:txBody>
-      </p:sp>
-      <p:sp>
-        <p:nvSpPr>
-          <p:cNvPr id="14" name="Дата 13"/>
+          </a:p>
+        </p:txBody>
+      </p:sp>
+      <p:sp>
+        <p:nvSpPr>
+          <p:cNvPr id="4" name="Дата 3">
+            <a:extLst>
+              <a:ext uri="{FF2B5EF4-FFF2-40B4-BE49-F238E27FC236}">
+                <a16:creationId xmlns:a16="http://schemas.microsoft.com/office/drawing/2014/main" id="{BB381AD5-36B9-4BBB-8C8C-06E6FB919AAA}"/>
+              </a:ext>
+            </a:extLst>
+          </p:cNvPr>
           <p:cNvSpPr>
             <a:spLocks noGrp="1"/>
           </p:cNvSpPr>
@@ -3877,20 +3783,22 @@
         </p:nvSpPr>
         <p:spPr>
           <a:xfrm>
-            <a:off x="6172200" y="6191250"/>
-            <a:ext cx="2476500" cy="476250"/>
+            <a:off x="628650" y="6356351"/>
+            <a:ext cx="2057400" cy="365125"/>
           </a:xfrm>
           <a:prstGeom prst="rect">
             <a:avLst/>
           </a:prstGeom>
         </p:spPr>
         <p:txBody>
-          <a:bodyPr anchor="ctr" anchorCtr="0"/>
+          <a:bodyPr vert="horz" lIns="91440" tIns="45720" rIns="91440" bIns="45720" rtlCol="0" anchor="ctr"/>
           <a:lstStyle>
-            <a:lvl1pPr algn="r" eaLnBrk="1" latinLnBrk="0" hangingPunct="1">
-              <a:defRPr kumimoji="0" sz="1400">
+            <a:lvl1pPr algn="l">
+              <a:defRPr sz="900">
                 <a:solidFill>
-                  <a:schemeClr val="tx2"/>
+                  <a:schemeClr val="tx1">
+                    <a:tint val="75000"/>
+                  </a:schemeClr>
                 </a:solidFill>
               </a:defRPr>
             </a:lvl1pPr>
@@ -3899,7 +3807,7 @@
             <a:fld id="{410640AD-865E-48C9-8E6D-00BB9A26AD29}" type="datetime1">
               <a:rPr lang="ru-RU" smtClean="0"/>
               <a:pPr/>
-              <a:t>07.06.2021</a:t>
+              <a:t>09.06.2021</a:t>
             </a:fld>
             <a:endParaRPr lang="ru-RU"/>
           </a:p>
@@ -3907,7 +3815,13 @@
       </p:sp>
       <p:sp>
         <p:nvSpPr>
-          <p:cNvPr id="3" name="Нижний колонтитул 2"/>
+          <p:cNvPr id="5" name="Нижний колонтитул 4">
+            <a:extLst>
+              <a:ext uri="{FF2B5EF4-FFF2-40B4-BE49-F238E27FC236}">
+                <a16:creationId xmlns:a16="http://schemas.microsoft.com/office/drawing/2014/main" id="{55B2B9B9-7787-476F-877E-06C3EBE03B3C}"/>
+              </a:ext>
+            </a:extLst>
+          </p:cNvPr>
           <p:cNvSpPr>
             <a:spLocks noGrp="1"/>
           </p:cNvSpPr>
@@ -3917,20 +3831,22 @@
         </p:nvSpPr>
         <p:spPr>
           <a:xfrm>
-            <a:off x="914400" y="6172200"/>
-            <a:ext cx="3962400" cy="457200"/>
+            <a:off x="3028950" y="6356351"/>
+            <a:ext cx="3086100" cy="365125"/>
           </a:xfrm>
           <a:prstGeom prst="rect">
             <a:avLst/>
           </a:prstGeom>
         </p:spPr>
         <p:txBody>
-          <a:bodyPr anchor="ctr" anchorCtr="0"/>
+          <a:bodyPr vert="horz" lIns="91440" tIns="45720" rIns="91440" bIns="45720" rtlCol="0" anchor="ctr"/>
           <a:lstStyle>
-            <a:lvl1pPr eaLnBrk="1" latinLnBrk="0" hangingPunct="1">
-              <a:defRPr kumimoji="0" sz="1400">
+            <a:lvl1pPr algn="ctr">
+              <a:defRPr sz="900">
                 <a:solidFill>
-                  <a:schemeClr val="tx2"/>
+                  <a:schemeClr val="tx1">
+                    <a:tint val="75000"/>
+                  </a:schemeClr>
                 </a:solidFill>
               </a:defRPr>
             </a:lvl1pPr>
@@ -3942,7 +3858,13 @@
       </p:sp>
       <p:sp>
         <p:nvSpPr>
-          <p:cNvPr id="23" name="Номер слайда 22"/>
+          <p:cNvPr id="6" name="Номер слайда 5">
+            <a:extLst>
+              <a:ext uri="{FF2B5EF4-FFF2-40B4-BE49-F238E27FC236}">
+                <a16:creationId xmlns:a16="http://schemas.microsoft.com/office/drawing/2014/main" id="{A3F38B5C-E27A-406F-8AEF-FE6D9708B0EF}"/>
+              </a:ext>
+            </a:extLst>
+          </p:cNvPr>
           <p:cNvSpPr>
             <a:spLocks noGrp="1"/>
           </p:cNvSpPr>
@@ -3952,29 +3874,23 @@
         </p:nvSpPr>
         <p:spPr>
           <a:xfrm>
-            <a:off x="146304" y="6210300"/>
-            <a:ext cx="457200" cy="457200"/>
-          </a:xfrm>
-          <a:prstGeom prst="ellipse">
+            <a:off x="6457950" y="6356351"/>
+            <a:ext cx="2057400" cy="365125"/>
+          </a:xfrm>
+          <a:prstGeom prst="rect">
             <a:avLst/>
           </a:prstGeom>
-          <a:solidFill>
-            <a:schemeClr val="accent1"/>
-          </a:solidFill>
-        </p:spPr>
-        <p:txBody>
-          <a:bodyPr wrap="none" lIns="0" tIns="0" rIns="0" bIns="0" anchor="ctr" anchorCtr="1">
-            <a:noAutofit/>
-          </a:bodyPr>
+        </p:spPr>
+        <p:txBody>
+          <a:bodyPr vert="horz" lIns="91440" tIns="45720" rIns="91440" bIns="45720" rtlCol="0" anchor="ctr"/>
           <a:lstStyle>
-            <a:lvl1pPr algn="ctr" eaLnBrk="1" latinLnBrk="0" hangingPunct="1">
-              <a:defRPr kumimoji="0" sz="1400">
+            <a:lvl1pPr algn="r">
+              <a:defRPr sz="900">
                 <a:solidFill>
-                  <a:srgbClr val="FFFFFF"/>
+                  <a:schemeClr val="tx1">
+                    <a:tint val="75000"/>
+                  </a:schemeClr>
                 </a:solidFill>
-                <a:latin typeface="+mj-lt"/>
-                <a:ea typeface="+mj-ea"/>
-                <a:cs typeface="+mj-cs"/>
               </a:defRPr>
             </a:lvl1pPr>
           </a:lstStyle>
@@ -3989,32 +3905,40 @@
         </p:txBody>
       </p:sp>
     </p:spTree>
+    <p:extLst>
+      <p:ext uri="{BB962C8B-B14F-4D97-AF65-F5344CB8AC3E}">
+        <p14:creationId xmlns:p14="http://schemas.microsoft.com/office/powerpoint/2010/main" val="2147839787"/>
+      </p:ext>
+    </p:extLst>
   </p:cSld>
   <p:clrMap bg1="lt1" tx1="dk1" bg2="lt2" tx2="dk2" accent1="accent1" accent2="accent2" accent3="accent3" accent4="accent4" accent5="accent5" accent6="accent6" hlink="hlink" folHlink="folHlink"/>
   <p:sldLayoutIdLst>
-    <p:sldLayoutId id="2147483697" r:id="rId1"/>
-    <p:sldLayoutId id="2147483698" r:id="rId2"/>
-    <p:sldLayoutId id="2147483699" r:id="rId3"/>
-    <p:sldLayoutId id="2147483700" r:id="rId4"/>
-    <p:sldLayoutId id="2147483701" r:id="rId5"/>
-    <p:sldLayoutId id="2147483702" r:id="rId6"/>
-    <p:sldLayoutId id="2147483703" r:id="rId7"/>
-    <p:sldLayoutId id="2147483704" r:id="rId8"/>
-    <p:sldLayoutId id="2147483705" r:id="rId9"/>
-    <p:sldLayoutId id="2147483706" r:id="rId10"/>
-    <p:sldLayoutId id="2147483707" r:id="rId11"/>
+    <p:sldLayoutId id="2147483709" r:id="rId1"/>
+    <p:sldLayoutId id="2147483710" r:id="rId2"/>
+    <p:sldLayoutId id="2147483711" r:id="rId3"/>
+    <p:sldLayoutId id="2147483712" r:id="rId4"/>
+    <p:sldLayoutId id="2147483713" r:id="rId5"/>
+    <p:sldLayoutId id="2147483714" r:id="rId6"/>
+    <p:sldLayoutId id="2147483715" r:id="rId7"/>
+    <p:sldLayoutId id="2147483716" r:id="rId8"/>
+    <p:sldLayoutId id="2147483717" r:id="rId9"/>
+    <p:sldLayoutId id="2147483718" r:id="rId10"/>
+    <p:sldLayoutId id="2147483719" r:id="rId11"/>
   </p:sldLayoutIdLst>
   <p:hf hdr="0" ftr="0" dt="0"/>
   <p:txStyles>
     <p:titleStyle>
-      <a:lvl1pPr algn="l" rtl="0" eaLnBrk="1" latinLnBrk="0" hangingPunct="1">
+      <a:lvl1pPr algn="l" defTabSz="685800" rtl="0" eaLnBrk="1" latinLnBrk="0" hangingPunct="1">
+        <a:lnSpc>
+          <a:spcPct val="90000"/>
+        </a:lnSpc>
         <a:spcBef>
           <a:spcPct val="0"/>
         </a:spcBef>
         <a:buNone/>
-        <a:defRPr kumimoji="0" sz="4000" kern="1200">
+        <a:defRPr sz="3300" kern="1200">
           <a:solidFill>
-            <a:schemeClr val="tx2"/>
+            <a:schemeClr val="tx1"/>
           </a:solidFill>
           <a:latin typeface="+mj-lt"/>
           <a:ea typeface="+mj-ea"/>
@@ -4023,17 +3947,16 @@
       </a:lvl1pPr>
     </p:titleStyle>
     <p:bodyStyle>
-      <a:lvl1pPr marL="274320" indent="-274320" algn="l" rtl="0" eaLnBrk="1" latinLnBrk="0" hangingPunct="1">
+      <a:lvl1pPr marL="171450" indent="-171450" algn="l" defTabSz="685800" rtl="0" eaLnBrk="1" latinLnBrk="0" hangingPunct="1">
+        <a:lnSpc>
+          <a:spcPct val="90000"/>
+        </a:lnSpc>
         <a:spcBef>
-          <a:spcPts val="580"/>
+          <a:spcPts val="750"/>
         </a:spcBef>
-        <a:buClr>
-          <a:schemeClr val="accent1"/>
-        </a:buClr>
-        <a:buSzPct val="85000"/>
-        <a:buFont typeface="Wingdings 2"/>
-        <a:buChar char=""/>
-        <a:defRPr kumimoji="0" sz="2600" kern="1200">
+        <a:buFont typeface="Arial" panose="020B0604020202020204" pitchFamily="34" charset="0"/>
+        <a:buChar char="•"/>
+        <a:defRPr sz="2100" kern="1200">
           <a:solidFill>
             <a:schemeClr val="tx1"/>
           </a:solidFill>
@@ -4042,17 +3965,16 @@
           <a:cs typeface="+mn-cs"/>
         </a:defRPr>
       </a:lvl1pPr>
-      <a:lvl2pPr marL="548640" indent="-228600" algn="l" rtl="0" eaLnBrk="1" latinLnBrk="0" hangingPunct="1">
+      <a:lvl2pPr marL="514350" indent="-171450" algn="l" defTabSz="685800" rtl="0" eaLnBrk="1" latinLnBrk="0" hangingPunct="1">
+        <a:lnSpc>
+          <a:spcPct val="90000"/>
+        </a:lnSpc>
         <a:spcBef>
-          <a:spcPts val="370"/>
+          <a:spcPts val="375"/>
         </a:spcBef>
-        <a:buClr>
-          <a:schemeClr val="accent2"/>
-        </a:buClr>
-        <a:buSzPct val="85000"/>
-        <a:buFont typeface="Wingdings 2"/>
-        <a:buChar char=""/>
-        <a:defRPr kumimoji="0" sz="2400" kern="1200">
+        <a:buFont typeface="Arial" panose="020B0604020202020204" pitchFamily="34" charset="0"/>
+        <a:buChar char="•"/>
+        <a:defRPr sz="1800" kern="1200">
           <a:solidFill>
             <a:schemeClr val="tx1"/>
           </a:solidFill>
@@ -4061,19 +3983,16 @@
           <a:cs typeface="+mn-cs"/>
         </a:defRPr>
       </a:lvl2pPr>
-      <a:lvl3pPr marL="822960" indent="-228600" algn="l" rtl="0" eaLnBrk="1" latinLnBrk="0" hangingPunct="1">
+      <a:lvl3pPr marL="857250" indent="-171450" algn="l" defTabSz="685800" rtl="0" eaLnBrk="1" latinLnBrk="0" hangingPunct="1">
+        <a:lnSpc>
+          <a:spcPct val="90000"/>
+        </a:lnSpc>
         <a:spcBef>
-          <a:spcPts val="370"/>
+          <a:spcPts val="375"/>
         </a:spcBef>
-        <a:buClr>
-          <a:schemeClr val="accent1">
-            <a:tint val="60000"/>
-          </a:schemeClr>
-        </a:buClr>
-        <a:buSzPct val="85000"/>
-        <a:buFont typeface="Wingdings 2"/>
-        <a:buChar char=""/>
-        <a:defRPr kumimoji="0" sz="2000" kern="1200">
+        <a:buFont typeface="Arial" panose="020B0604020202020204" pitchFamily="34" charset="0"/>
+        <a:buChar char="•"/>
+        <a:defRPr sz="1500" kern="1200">
           <a:solidFill>
             <a:schemeClr val="tx1"/>
           </a:solidFill>
@@ -4082,17 +4001,16 @@
           <a:cs typeface="+mn-cs"/>
         </a:defRPr>
       </a:lvl3pPr>
-      <a:lvl4pPr marL="1097280" indent="-228600" algn="l" rtl="0" eaLnBrk="1" latinLnBrk="0" hangingPunct="1">
+      <a:lvl4pPr marL="1200150" indent="-171450" algn="l" defTabSz="685800" rtl="0" eaLnBrk="1" latinLnBrk="0" hangingPunct="1">
+        <a:lnSpc>
+          <a:spcPct val="90000"/>
+        </a:lnSpc>
         <a:spcBef>
-          <a:spcPts val="370"/>
+          <a:spcPts val="375"/>
         </a:spcBef>
-        <a:buClr>
-          <a:schemeClr val="accent3"/>
-        </a:buClr>
-        <a:buSzPct val="80000"/>
-        <a:buFont typeface="Wingdings 2"/>
-        <a:buChar char=""/>
-        <a:defRPr kumimoji="0" sz="2000" kern="1200">
+        <a:buFont typeface="Arial" panose="020B0604020202020204" pitchFamily="34" charset="0"/>
+        <a:buChar char="•"/>
+        <a:defRPr sz="1350" kern="1200">
           <a:solidFill>
             <a:schemeClr val="tx1"/>
           </a:solidFill>
@@ -4101,16 +4019,16 @@
           <a:cs typeface="+mn-cs"/>
         </a:defRPr>
       </a:lvl4pPr>
-      <a:lvl5pPr marL="1371600" indent="-228600" algn="l" rtl="0" eaLnBrk="1" latinLnBrk="0" hangingPunct="1">
+      <a:lvl5pPr marL="1543050" indent="-171450" algn="l" defTabSz="685800" rtl="0" eaLnBrk="1" latinLnBrk="0" hangingPunct="1">
+        <a:lnSpc>
+          <a:spcPct val="90000"/>
+        </a:lnSpc>
         <a:spcBef>
-          <a:spcPts val="370"/>
+          <a:spcPts val="375"/>
         </a:spcBef>
-        <a:buClr>
-          <a:schemeClr val="accent3"/>
-        </a:buClr>
-        <a:buFontTx/>
-        <a:buChar char="o"/>
-        <a:defRPr kumimoji="0" sz="2000" kern="1200">
+        <a:buFont typeface="Arial" panose="020B0604020202020204" pitchFamily="34" charset="0"/>
+        <a:buChar char="•"/>
+        <a:defRPr sz="1350" kern="1200">
           <a:solidFill>
             <a:schemeClr val="tx1"/>
           </a:solidFill>
@@ -4119,15 +4037,16 @@
           <a:cs typeface="+mn-cs"/>
         </a:defRPr>
       </a:lvl5pPr>
-      <a:lvl6pPr marL="1645920" indent="-228600" algn="l" rtl="0" eaLnBrk="1" latinLnBrk="0" hangingPunct="1">
+      <a:lvl6pPr marL="1885950" indent="-171450" algn="l" defTabSz="685800" rtl="0" eaLnBrk="1" latinLnBrk="0" hangingPunct="1">
+        <a:lnSpc>
+          <a:spcPct val="90000"/>
+        </a:lnSpc>
         <a:spcBef>
-          <a:spcPts val="370"/>
+          <a:spcPts val="375"/>
         </a:spcBef>
-        <a:buClr>
-          <a:schemeClr val="accent3"/>
-        </a:buClr>
+        <a:buFont typeface="Arial" panose="020B0604020202020204" pitchFamily="34" charset="0"/>
         <a:buChar char="•"/>
-        <a:defRPr kumimoji="0" sz="1800" kern="1200" baseline="0">
+        <a:defRPr sz="1350" kern="1200">
           <a:solidFill>
             <a:schemeClr val="tx1"/>
           </a:solidFill>
@@ -4136,15 +4055,16 @@
           <a:cs typeface="+mn-cs"/>
         </a:defRPr>
       </a:lvl6pPr>
-      <a:lvl7pPr marL="1920240" indent="-228600" algn="l" rtl="0" eaLnBrk="1" latinLnBrk="0" hangingPunct="1">
+      <a:lvl7pPr marL="2228850" indent="-171450" algn="l" defTabSz="685800" rtl="0" eaLnBrk="1" latinLnBrk="0" hangingPunct="1">
+        <a:lnSpc>
+          <a:spcPct val="90000"/>
+        </a:lnSpc>
         <a:spcBef>
-          <a:spcPts val="370"/>
+          <a:spcPts val="375"/>
         </a:spcBef>
-        <a:buClr>
-          <a:schemeClr val="accent2"/>
-        </a:buClr>
+        <a:buFont typeface="Arial" panose="020B0604020202020204" pitchFamily="34" charset="0"/>
         <a:buChar char="•"/>
-        <a:defRPr kumimoji="0" sz="1800" kern="1200">
+        <a:defRPr sz="1350" kern="1200">
           <a:solidFill>
             <a:schemeClr val="tx1"/>
           </a:solidFill>
@@ -4153,17 +4073,16 @@
           <a:cs typeface="+mn-cs"/>
         </a:defRPr>
       </a:lvl7pPr>
-      <a:lvl8pPr marL="2194560" indent="-228600" algn="l" rtl="0" eaLnBrk="1" latinLnBrk="0" hangingPunct="1">
+      <a:lvl8pPr marL="2571750" indent="-171450" algn="l" defTabSz="685800" rtl="0" eaLnBrk="1" latinLnBrk="0" hangingPunct="1">
+        <a:lnSpc>
+          <a:spcPct val="90000"/>
+        </a:lnSpc>
         <a:spcBef>
-          <a:spcPts val="370"/>
+          <a:spcPts val="375"/>
         </a:spcBef>
-        <a:buClr>
-          <a:schemeClr val="accent1">
-            <a:tint val="60000"/>
-          </a:schemeClr>
-        </a:buClr>
+        <a:buFont typeface="Arial" panose="020B0604020202020204" pitchFamily="34" charset="0"/>
         <a:buChar char="•"/>
-        <a:defRPr kumimoji="0" sz="1800" kern="1200">
+        <a:defRPr sz="1350" kern="1200">
           <a:solidFill>
             <a:schemeClr val="tx1"/>
           </a:solidFill>
@@ -4172,17 +4091,16 @@
           <a:cs typeface="+mn-cs"/>
         </a:defRPr>
       </a:lvl8pPr>
-      <a:lvl9pPr marL="2468880" indent="-228600" algn="l" rtl="0" eaLnBrk="1" latinLnBrk="0" hangingPunct="1">
+      <a:lvl9pPr marL="2914650" indent="-171450" algn="l" defTabSz="685800" rtl="0" eaLnBrk="1" latinLnBrk="0" hangingPunct="1">
+        <a:lnSpc>
+          <a:spcPct val="90000"/>
+        </a:lnSpc>
         <a:spcBef>
-          <a:spcPts val="370"/>
+          <a:spcPts val="375"/>
         </a:spcBef>
-        <a:buClr>
-          <a:schemeClr val="accent2">
-            <a:tint val="60000"/>
-          </a:schemeClr>
-        </a:buClr>
+        <a:buFont typeface="Arial" panose="020B0604020202020204" pitchFamily="34" charset="0"/>
         <a:buChar char="•"/>
-        <a:defRPr kumimoji="0" sz="1800" kern="1200">
+        <a:defRPr sz="1350" kern="1200">
           <a:solidFill>
             <a:schemeClr val="tx1"/>
           </a:solidFill>
@@ -4193,8 +4111,11 @@
       </a:lvl9pPr>
     </p:bodyStyle>
     <p:otherStyle>
-      <a:lvl1pPr marL="0" algn="l" rtl="0" eaLnBrk="1" latinLnBrk="0" hangingPunct="1">
-        <a:defRPr kumimoji="0" kern="1200">
+      <a:defPPr>
+        <a:defRPr lang="ru-RU"/>
+      </a:defPPr>
+      <a:lvl1pPr marL="0" algn="l" defTabSz="685800" rtl="0" eaLnBrk="1" latinLnBrk="0" hangingPunct="1">
+        <a:defRPr sz="1350" kern="1200">
           <a:solidFill>
             <a:schemeClr val="tx1"/>
           </a:solidFill>
@@ -4203,8 +4124,8 @@
           <a:cs typeface="+mn-cs"/>
         </a:defRPr>
       </a:lvl1pPr>
-      <a:lvl2pPr marL="457200" algn="l" rtl="0" eaLnBrk="1" latinLnBrk="0" hangingPunct="1">
-        <a:defRPr kumimoji="0" kern="1200">
+      <a:lvl2pPr marL="342900" algn="l" defTabSz="685800" rtl="0" eaLnBrk="1" latinLnBrk="0" hangingPunct="1">
+        <a:defRPr sz="1350" kern="1200">
           <a:solidFill>
             <a:schemeClr val="tx1"/>
           </a:solidFill>
@@ -4213,8 +4134,8 @@
           <a:cs typeface="+mn-cs"/>
         </a:defRPr>
       </a:lvl2pPr>
-      <a:lvl3pPr marL="914400" algn="l" rtl="0" eaLnBrk="1" latinLnBrk="0" hangingPunct="1">
-        <a:defRPr kumimoji="0" kern="1200">
+      <a:lvl3pPr marL="685800" algn="l" defTabSz="685800" rtl="0" eaLnBrk="1" latinLnBrk="0" hangingPunct="1">
+        <a:defRPr sz="1350" kern="1200">
           <a:solidFill>
             <a:schemeClr val="tx1"/>
           </a:solidFill>
@@ -4223,8 +4144,8 @@
           <a:cs typeface="+mn-cs"/>
         </a:defRPr>
       </a:lvl3pPr>
-      <a:lvl4pPr marL="1371600" algn="l" rtl="0" eaLnBrk="1" latinLnBrk="0" hangingPunct="1">
-        <a:defRPr kumimoji="0" kern="1200">
+      <a:lvl4pPr marL="1028700" algn="l" defTabSz="685800" rtl="0" eaLnBrk="1" latinLnBrk="0" hangingPunct="1">
+        <a:defRPr sz="1350" kern="1200">
           <a:solidFill>
             <a:schemeClr val="tx1"/>
           </a:solidFill>
@@ -4233,8 +4154,8 @@
           <a:cs typeface="+mn-cs"/>
         </a:defRPr>
       </a:lvl4pPr>
-      <a:lvl5pPr marL="1828800" algn="l" rtl="0" eaLnBrk="1" latinLnBrk="0" hangingPunct="1">
-        <a:defRPr kumimoji="0" kern="1200">
+      <a:lvl5pPr marL="1371600" algn="l" defTabSz="685800" rtl="0" eaLnBrk="1" latinLnBrk="0" hangingPunct="1">
+        <a:defRPr sz="1350" kern="1200">
           <a:solidFill>
             <a:schemeClr val="tx1"/>
           </a:solidFill>
@@ -4243,8 +4164,8 @@
           <a:cs typeface="+mn-cs"/>
         </a:defRPr>
       </a:lvl5pPr>
-      <a:lvl6pPr marL="2286000" algn="l" rtl="0" eaLnBrk="1" latinLnBrk="0" hangingPunct="1">
-        <a:defRPr kumimoji="0" kern="1200">
+      <a:lvl6pPr marL="1714500" algn="l" defTabSz="685800" rtl="0" eaLnBrk="1" latinLnBrk="0" hangingPunct="1">
+        <a:defRPr sz="1350" kern="1200">
           <a:solidFill>
             <a:schemeClr val="tx1"/>
           </a:solidFill>
@@ -4253,8 +4174,8 @@
           <a:cs typeface="+mn-cs"/>
         </a:defRPr>
       </a:lvl6pPr>
-      <a:lvl7pPr marL="2743200" algn="l" rtl="0" eaLnBrk="1" latinLnBrk="0" hangingPunct="1">
-        <a:defRPr kumimoji="0" kern="1200">
+      <a:lvl7pPr marL="2057400" algn="l" defTabSz="685800" rtl="0" eaLnBrk="1" latinLnBrk="0" hangingPunct="1">
+        <a:defRPr sz="1350" kern="1200">
           <a:solidFill>
             <a:schemeClr val="tx1"/>
           </a:solidFill>
@@ -4263,8 +4184,8 @@
           <a:cs typeface="+mn-cs"/>
         </a:defRPr>
       </a:lvl7pPr>
-      <a:lvl8pPr marL="3200400" algn="l" rtl="0" eaLnBrk="1" latinLnBrk="0" hangingPunct="1">
-        <a:defRPr kumimoji="0" kern="1200">
+      <a:lvl8pPr marL="2400300" algn="l" defTabSz="685800" rtl="0" eaLnBrk="1" latinLnBrk="0" hangingPunct="1">
+        <a:defRPr sz="1350" kern="1200">
           <a:solidFill>
             <a:schemeClr val="tx1"/>
           </a:solidFill>
@@ -4273,8 +4194,8 @@
           <a:cs typeface="+mn-cs"/>
         </a:defRPr>
       </a:lvl8pPr>
-      <a:lvl9pPr marL="3657600" algn="l" rtl="0" eaLnBrk="1" latinLnBrk="0" hangingPunct="1">
-        <a:defRPr kumimoji="0" kern="1200">
+      <a:lvl9pPr marL="2743200" algn="l" defTabSz="685800" rtl="0" eaLnBrk="1" latinLnBrk="0" hangingPunct="1">
+        <a:defRPr sz="1350" kern="1200">
           <a:solidFill>
             <a:schemeClr val="tx1"/>
           </a:solidFill>
@@ -4307,6 +4228,52 @@
       </p:grpSpPr>
       <p:sp>
         <p:nvSpPr>
+          <p:cNvPr id="2" name="Заголовок 1"/>
+          <p:cNvSpPr>
+            <a:spLocks noGrp="1"/>
+          </p:cNvSpPr>
+          <p:nvPr>
+            <p:ph type="ctrTitle"/>
+          </p:nvPr>
+        </p:nvSpPr>
+        <p:spPr>
+          <a:xfrm>
+            <a:off x="359024" y="1628800"/>
+            <a:ext cx="8784976" cy="1200833"/>
+          </a:xfrm>
+        </p:spPr>
+        <p:txBody>
+          <a:bodyPr>
+            <a:normAutofit fontScale="90000"/>
+          </a:bodyPr>
+          <a:lstStyle/>
+          <a:p>
+            <a:r>
+              <a:rPr lang="ru-RU" sz="3200" dirty="0">
+                <a:latin typeface="Times New Roman" panose="02020603050405020304" pitchFamily="18" charset="0"/>
+                <a:cs typeface="Times New Roman" panose="02020603050405020304" pitchFamily="18" charset="0"/>
+              </a:rPr>
+              <a:t>Тема</a:t>
+            </a:r>
+            <a:r>
+              <a:rPr lang="en-US" sz="3200" dirty="0">
+                <a:latin typeface="Times New Roman" panose="02020603050405020304" pitchFamily="18" charset="0"/>
+                <a:cs typeface="Times New Roman" panose="02020603050405020304" pitchFamily="18" charset="0"/>
+              </a:rPr>
+              <a:t>: </a:t>
+            </a:r>
+            <a:r>
+              <a:rPr lang="ru-RU" sz="3200" dirty="0">
+                <a:latin typeface="Times New Roman" panose="02020603050405020304" pitchFamily="18" charset="0"/>
+                <a:cs typeface="Times New Roman" panose="02020603050405020304" pitchFamily="18" charset="0"/>
+              </a:rPr>
+              <a:t>Оптимизация локальной компьютерной сети КГБПОУ «ККРИТ», используя технологию VLAN</a:t>
+            </a:r>
+          </a:p>
+        </p:txBody>
+      </p:sp>
+      <p:sp>
+        <p:nvSpPr>
           <p:cNvPr id="3" name="Подзаголовок 2"/>
           <p:cNvSpPr>
             <a:spLocks noGrp="1"/>
@@ -4404,80 +4371,25 @@
               </a:rPr>
               <a:t>Рецензент: </a:t>
             </a:r>
-          </a:p>
-        </p:txBody>
-      </p:sp>
-      <p:sp>
-        <p:nvSpPr>
-          <p:cNvPr id="6" name="Номер слайда 5"/>
-          <p:cNvSpPr>
-            <a:spLocks noGrp="1"/>
-          </p:cNvSpPr>
-          <p:nvPr>
-            <p:ph type="sldNum" sz="quarter" idx="12"/>
-          </p:nvPr>
-        </p:nvSpPr>
-        <p:spPr>
-          <a:xfrm>
-            <a:off x="8100392" y="6407835"/>
-            <a:ext cx="941203" cy="301752"/>
-          </a:xfrm>
-        </p:spPr>
-        <p:txBody>
-          <a:bodyPr/>
-          <a:lstStyle/>
-          <a:p>
-            <a:fld id="{B19B0651-EE4F-4900-A07F-96A6BFA9D0F0}" type="slidenum">
-              <a:rPr lang="ru-RU" sz="1800" smtClean="0"/>
-              <a:pPr/>
-              <a:t>1</a:t>
-            </a:fld>
-            <a:endParaRPr lang="ru-RU" sz="1800" dirty="0"/>
-          </a:p>
-        </p:txBody>
-      </p:sp>
-      <p:sp>
-        <p:nvSpPr>
-          <p:cNvPr id="2" name="Заголовок 1"/>
-          <p:cNvSpPr>
-            <a:spLocks noGrp="1"/>
-          </p:cNvSpPr>
-          <p:nvPr>
-            <p:ph type="ctrTitle"/>
-          </p:nvPr>
-        </p:nvSpPr>
-        <p:spPr>
-          <a:xfrm>
-            <a:off x="359024" y="1628800"/>
-            <a:ext cx="8784976" cy="1200833"/>
-          </a:xfrm>
-        </p:spPr>
-        <p:txBody>
-          <a:bodyPr>
-            <a:normAutofit fontScale="90000"/>
-          </a:bodyPr>
-          <a:lstStyle/>
-          <a:p>
-            <a:r>
-              <a:rPr lang="ru-RU" sz="3200" dirty="0">
-                <a:latin typeface="Times New Roman" panose="02020603050405020304" pitchFamily="18" charset="0"/>
-                <a:cs typeface="Times New Roman" panose="02020603050405020304" pitchFamily="18" charset="0"/>
-              </a:rPr>
-              <a:t>Тема</a:t>
-            </a:r>
-            <a:r>
-              <a:rPr lang="en-US" sz="3200" dirty="0">
-                <a:latin typeface="Times New Roman" panose="02020603050405020304" pitchFamily="18" charset="0"/>
-                <a:cs typeface="Times New Roman" panose="02020603050405020304" pitchFamily="18" charset="0"/>
-              </a:rPr>
-              <a:t>: </a:t>
-            </a:r>
-            <a:r>
-              <a:rPr lang="ru-RU" sz="3200" dirty="0">
-                <a:latin typeface="Times New Roman" panose="02020603050405020304" pitchFamily="18" charset="0"/>
-                <a:cs typeface="Times New Roman" panose="02020603050405020304" pitchFamily="18" charset="0"/>
-              </a:rPr>
-              <a:t>Оптимизация локальной компьютерной сети КГБПОУ «ККРИТ», используя технологию VLAN</a:t>
+            <a:r>
+              <a:rPr lang="ru-RU" sz="2000" kern="0" dirty="0" err="1">
+                <a:solidFill>
+                  <a:schemeClr val="tx1"/>
+                </a:solidFill>
+                <a:latin typeface="Times New Roman" pitchFamily="18" charset="0"/>
+                <a:cs typeface="Times New Roman" pitchFamily="18" charset="0"/>
+              </a:rPr>
+              <a:t>Лаер</a:t>
+            </a:r>
+            <a:r>
+              <a:rPr lang="ru-RU" sz="2000" kern="0" dirty="0">
+                <a:solidFill>
+                  <a:schemeClr val="tx1"/>
+                </a:solidFill>
+                <a:latin typeface="Times New Roman" pitchFamily="18" charset="0"/>
+                <a:cs typeface="Times New Roman" pitchFamily="18" charset="0"/>
+              </a:rPr>
+              <a:t> Андрей Сергеевич</a:t>
             </a:r>
           </a:p>
         </p:txBody>
@@ -4625,6 +4537,65 @@
           <a:chExt cx="0" cy="0"/>
         </a:xfrm>
       </p:grpSpPr>
+      <p:sp>
+        <p:nvSpPr>
+          <p:cNvPr id="23" name="Заголовок 1">
+            <a:extLst>
+              <a:ext uri="{FF2B5EF4-FFF2-40B4-BE49-F238E27FC236}">
+                <a16:creationId xmlns:a16="http://schemas.microsoft.com/office/drawing/2014/main" id="{B6A82511-3E25-4E3E-8F69-7B0A049C6C87}"/>
+              </a:ext>
+            </a:extLst>
+          </p:cNvPr>
+          <p:cNvSpPr>
+            <a:spLocks noGrp="1"/>
+          </p:cNvSpPr>
+          <p:nvPr>
+            <p:ph type="title"/>
+          </p:nvPr>
+        </p:nvSpPr>
+        <p:spPr>
+          <a:xfrm>
+            <a:off x="914400" y="548680"/>
+            <a:ext cx="7315200" cy="565956"/>
+          </a:xfrm>
+        </p:spPr>
+        <p:txBody>
+          <a:bodyPr>
+            <a:normAutofit/>
+          </a:bodyPr>
+          <a:lstStyle/>
+          <a:p>
+            <a:pPr algn="ctr"/>
+            <a:r>
+              <a:rPr lang="ru-RU" sz="3200" dirty="0">
+                <a:solidFill>
+                  <a:schemeClr val="tx1"/>
+                </a:solidFill>
+                <a:latin typeface="Times New Roman" panose="02020603050405020304" pitchFamily="18" charset="0"/>
+                <a:cs typeface="Times New Roman" panose="02020603050405020304" pitchFamily="18" charset="0"/>
+              </a:rPr>
+              <a:t>Настройка </a:t>
+            </a:r>
+            <a:r>
+              <a:rPr lang="en-US" sz="3200" dirty="0">
+                <a:solidFill>
+                  <a:schemeClr val="tx1"/>
+                </a:solidFill>
+                <a:latin typeface="Times New Roman" panose="02020603050405020304" pitchFamily="18" charset="0"/>
+                <a:cs typeface="Times New Roman" panose="02020603050405020304" pitchFamily="18" charset="0"/>
+              </a:rPr>
+              <a:t>Windows Server 2016</a:t>
+            </a:r>
+            <a:endParaRPr lang="ru-RU" sz="3200" dirty="0">
+              <a:solidFill>
+                <a:schemeClr val="tx1"/>
+              </a:solidFill>
+              <a:latin typeface="Times New Roman" panose="02020603050405020304" pitchFamily="18" charset="0"/>
+              <a:cs typeface="Times New Roman" panose="02020603050405020304" pitchFamily="18" charset="0"/>
+            </a:endParaRPr>
+          </a:p>
+        </p:txBody>
+      </p:sp>
       <p:sp>
         <p:nvSpPr>
           <p:cNvPr id="7" name="Номер слайда 6"/>
@@ -4866,7 +4837,7 @@
         </p:blipFill>
         <p:spPr>
           <a:xfrm>
-            <a:off x="5517604" y="980198"/>
+            <a:off x="5517604" y="980728"/>
             <a:ext cx="2882438" cy="2439962"/>
           </a:xfrm>
           <a:prstGeom prst="rect">
@@ -4904,38 +4875,46 @@
       </p:pic>
       <p:sp>
         <p:nvSpPr>
-          <p:cNvPr id="22" name="Прямоугольник 21">
-            <a:extLst>
-              <a:ext uri="{FF2B5EF4-FFF2-40B4-BE49-F238E27FC236}">
-                <a16:creationId xmlns:a16="http://schemas.microsoft.com/office/drawing/2014/main" id="{361E7569-FE39-44DD-977D-FA5EF7421EC0}"/>
-              </a:ext>
-            </a:extLst>
-          </p:cNvPr>
-          <p:cNvSpPr/>
+          <p:cNvPr id="24" name="TextBox 23">
+            <a:extLst>
+              <a:ext uri="{FF2B5EF4-FFF2-40B4-BE49-F238E27FC236}">
+                <a16:creationId xmlns:a16="http://schemas.microsoft.com/office/drawing/2014/main" id="{B52F0D6C-5E33-42B2-8C65-C740CB51E816}"/>
+              </a:ext>
+            </a:extLst>
+          </p:cNvPr>
+          <p:cNvSpPr txBox="1"/>
           <p:nvPr/>
         </p:nvSpPr>
         <p:spPr>
           <a:xfrm>
-            <a:off x="179512" y="0"/>
-            <a:ext cx="8460432" cy="584775"/>
+            <a:off x="0" y="3490917"/>
+            <a:ext cx="4773647" cy="369332"/>
           </a:xfrm>
           <a:prstGeom prst="rect">
             <a:avLst/>
           </a:prstGeom>
-        </p:spPr>
-        <p:txBody>
-          <a:bodyPr wrap="square">
+          <a:noFill/>
+        </p:spPr>
+        <p:txBody>
+          <a:bodyPr wrap="square" rtlCol="0">
             <a:spAutoFit/>
           </a:bodyPr>
           <a:lstStyle/>
           <a:p>
-            <a:pPr indent="450000"/>
-            <a:r>
-              <a:rPr lang="ru-RU" sz="1600" dirty="0">
+            <a:pPr algn="ctr"/>
+            <a:r>
+              <a:rPr lang="ru-RU" dirty="0">
                 <a:latin typeface="Times New Roman" panose="02020603050405020304" pitchFamily="18" charset="0"/>
                 <a:cs typeface="Times New Roman" panose="02020603050405020304" pitchFamily="18" charset="0"/>
               </a:rPr>
-              <a:t>Оптимизация локальной компьютерной сети КГБПОУ «ККРИТ», используя технологию VLAN</a:t>
+              <a:t>Рисунок 20 – Создание новой области </a:t>
+            </a:r>
+            <a:r>
+              <a:rPr lang="en-US" dirty="0">
+                <a:latin typeface="Times New Roman" panose="02020603050405020304" pitchFamily="18" charset="0"/>
+                <a:cs typeface="Times New Roman" panose="02020603050405020304" pitchFamily="18" charset="0"/>
+              </a:rPr>
+              <a:t>DHCP</a:t>
             </a:r>
             <a:endParaRPr lang="ru-RU" dirty="0">
               <a:latin typeface="Times New Roman" panose="02020603050405020304" pitchFamily="18" charset="0"/>
@@ -4946,69 +4925,10 @@
       </p:sp>
       <p:sp>
         <p:nvSpPr>
-          <p:cNvPr id="23" name="Заголовок 1">
-            <a:extLst>
-              <a:ext uri="{FF2B5EF4-FFF2-40B4-BE49-F238E27FC236}">
-                <a16:creationId xmlns:a16="http://schemas.microsoft.com/office/drawing/2014/main" id="{B6A82511-3E25-4E3E-8F69-7B0A049C6C87}"/>
-              </a:ext>
-            </a:extLst>
-          </p:cNvPr>
-          <p:cNvSpPr>
-            <a:spLocks noGrp="1"/>
-          </p:cNvSpPr>
-          <p:nvPr>
-            <p:ph type="title"/>
-          </p:nvPr>
-        </p:nvSpPr>
-        <p:spPr>
-          <a:xfrm>
-            <a:off x="914400" y="548680"/>
-            <a:ext cx="7315200" cy="565956"/>
-          </a:xfrm>
-        </p:spPr>
-        <p:txBody>
-          <a:bodyPr>
-            <a:normAutofit fontScale="90000"/>
-          </a:bodyPr>
-          <a:lstStyle/>
-          <a:p>
-            <a:pPr algn="ctr"/>
-            <a:r>
-              <a:rPr lang="ru-RU" sz="3200" dirty="0">
-                <a:solidFill>
-                  <a:schemeClr val="tx1"/>
-                </a:solidFill>
-                <a:latin typeface="Times New Roman" panose="02020603050405020304" pitchFamily="18" charset="0"/>
-                <a:cs typeface="Times New Roman" panose="02020603050405020304" pitchFamily="18" charset="0"/>
-              </a:rPr>
-              <a:t>Настройка </a:t>
-            </a:r>
-            <a:r>
-              <a:rPr lang="en-US" sz="3200" dirty="0">
-                <a:solidFill>
-                  <a:schemeClr val="tx1"/>
-                </a:solidFill>
-                <a:latin typeface="Times New Roman" panose="02020603050405020304" pitchFamily="18" charset="0"/>
-                <a:cs typeface="Times New Roman" panose="02020603050405020304" pitchFamily="18" charset="0"/>
-              </a:rPr>
-              <a:t>Windows Server 2016</a:t>
-            </a:r>
-            <a:endParaRPr lang="ru-RU" sz="3200" dirty="0">
-              <a:solidFill>
-                <a:schemeClr val="tx1"/>
-              </a:solidFill>
-              <a:latin typeface="Times New Roman" panose="02020603050405020304" pitchFamily="18" charset="0"/>
-              <a:cs typeface="Times New Roman" panose="02020603050405020304" pitchFamily="18" charset="0"/>
-            </a:endParaRPr>
-          </a:p>
-        </p:txBody>
-      </p:sp>
-      <p:sp>
-        <p:nvSpPr>
-          <p:cNvPr id="24" name="TextBox 23">
-            <a:extLst>
-              <a:ext uri="{FF2B5EF4-FFF2-40B4-BE49-F238E27FC236}">
-                <a16:creationId xmlns:a16="http://schemas.microsoft.com/office/drawing/2014/main" id="{B52F0D6C-5E33-42B2-8C65-C740CB51E816}"/>
+          <p:cNvPr id="25" name="TextBox 24">
+            <a:extLst>
+              <a:ext uri="{FF2B5EF4-FFF2-40B4-BE49-F238E27FC236}">
+                <a16:creationId xmlns:a16="http://schemas.microsoft.com/office/drawing/2014/main" id="{0F4AFF26-78F0-4CB7-9DEA-644BB94F47D9}"/>
               </a:ext>
             </a:extLst>
           </p:cNvPr>
@@ -5017,7 +4937,7 @@
         </p:nvSpPr>
         <p:spPr>
           <a:xfrm>
-            <a:off x="0" y="3490917"/>
+            <a:off x="4558194" y="3469176"/>
             <a:ext cx="4773647" cy="369332"/>
           </a:xfrm>
           <a:prstGeom prst="rect">
@@ -5037,7 +4957,7 @@
                 <a:latin typeface="Times New Roman" panose="02020603050405020304" pitchFamily="18" charset="0"/>
                 <a:cs typeface="Times New Roman" panose="02020603050405020304" pitchFamily="18" charset="0"/>
               </a:rPr>
-              <a:t>Рисунок 20 – Создание новой области </a:t>
+              <a:t>Рисунок 21 – Создание новой области </a:t>
             </a:r>
             <a:r>
               <a:rPr lang="en-US" dirty="0">
@@ -5055,10 +4975,10 @@
       </p:sp>
       <p:sp>
         <p:nvSpPr>
-          <p:cNvPr id="25" name="TextBox 24">
-            <a:extLst>
-              <a:ext uri="{FF2B5EF4-FFF2-40B4-BE49-F238E27FC236}">
-                <a16:creationId xmlns:a16="http://schemas.microsoft.com/office/drawing/2014/main" id="{0F4AFF26-78F0-4CB7-9DEA-644BB94F47D9}"/>
+          <p:cNvPr id="26" name="TextBox 25">
+            <a:extLst>
+              <a:ext uri="{FF2B5EF4-FFF2-40B4-BE49-F238E27FC236}">
+                <a16:creationId xmlns:a16="http://schemas.microsoft.com/office/drawing/2014/main" id="{9F95EBD4-4070-4FDB-8852-5A307D5B0D58}"/>
               </a:ext>
             </a:extLst>
           </p:cNvPr>
@@ -5067,8 +4987,8 @@
         </p:nvSpPr>
         <p:spPr>
           <a:xfrm>
-            <a:off x="4558194" y="3469176"/>
-            <a:ext cx="4773647" cy="369332"/>
+            <a:off x="2185176" y="6084004"/>
+            <a:ext cx="4773647" cy="646331"/>
           </a:xfrm>
           <a:prstGeom prst="rect">
             <a:avLst/>
@@ -5087,72 +5007,63 @@
                 <a:latin typeface="Times New Roman" panose="02020603050405020304" pitchFamily="18" charset="0"/>
                 <a:cs typeface="Times New Roman" panose="02020603050405020304" pitchFamily="18" charset="0"/>
               </a:rPr>
-              <a:t>Рисунок 21 – Создание новой области </a:t>
+              <a:t>Рисунок 22 – Статистика </a:t>
             </a:r>
             <a:r>
               <a:rPr lang="en-US" dirty="0">
                 <a:latin typeface="Times New Roman" panose="02020603050405020304" pitchFamily="18" charset="0"/>
                 <a:cs typeface="Times New Roman" panose="02020603050405020304" pitchFamily="18" charset="0"/>
               </a:rPr>
-              <a:t>DHCP</a:t>
+              <a:t>DHCP </a:t>
+            </a:r>
+            <a:r>
+              <a:rPr lang="ru-RU" dirty="0">
+                <a:latin typeface="Times New Roman" panose="02020603050405020304" pitchFamily="18" charset="0"/>
+                <a:cs typeface="Times New Roman" panose="02020603050405020304" pitchFamily="18" charset="0"/>
+              </a:rPr>
+              <a:t>запросов на межсетевом экране</a:t>
+            </a:r>
+          </a:p>
+        </p:txBody>
+      </p:sp>
+      <p:sp>
+        <p:nvSpPr>
+          <p:cNvPr id="14" name="Прямоугольник 13">
+            <a:extLst>
+              <a:ext uri="{FF2B5EF4-FFF2-40B4-BE49-F238E27FC236}">
+                <a16:creationId xmlns:a16="http://schemas.microsoft.com/office/drawing/2014/main" id="{F1074FC8-EFD0-4256-BA4E-BA276A49B45C}"/>
+              </a:ext>
+            </a:extLst>
+          </p:cNvPr>
+          <p:cNvSpPr/>
+          <p:nvPr/>
+        </p:nvSpPr>
+        <p:spPr>
+          <a:xfrm>
+            <a:off x="395536" y="44624"/>
+            <a:ext cx="8712968" cy="338554"/>
+          </a:xfrm>
+          <a:prstGeom prst="rect">
+            <a:avLst/>
+          </a:prstGeom>
+        </p:spPr>
+        <p:txBody>
+          <a:bodyPr wrap="square">
+            <a:spAutoFit/>
+          </a:bodyPr>
+          <a:lstStyle/>
+          <a:p>
+            <a:r>
+              <a:rPr lang="ru-RU" sz="1600" dirty="0">
+                <a:latin typeface="Times New Roman" panose="02020603050405020304" pitchFamily="18" charset="0"/>
+                <a:cs typeface="Times New Roman" panose="02020603050405020304" pitchFamily="18" charset="0"/>
+              </a:rPr>
+              <a:t>Оптимизация локальной компьютерной сети КГБПОУ «ККРИТ», используя технологию VLAN</a:t>
             </a:r>
             <a:endParaRPr lang="ru-RU" dirty="0">
               <a:latin typeface="Times New Roman" panose="02020603050405020304" pitchFamily="18" charset="0"/>
               <a:cs typeface="Times New Roman" panose="02020603050405020304" pitchFamily="18" charset="0"/>
             </a:endParaRPr>
-          </a:p>
-        </p:txBody>
-      </p:sp>
-      <p:sp>
-        <p:nvSpPr>
-          <p:cNvPr id="26" name="TextBox 25">
-            <a:extLst>
-              <a:ext uri="{FF2B5EF4-FFF2-40B4-BE49-F238E27FC236}">
-                <a16:creationId xmlns:a16="http://schemas.microsoft.com/office/drawing/2014/main" id="{9F95EBD4-4070-4FDB-8852-5A307D5B0D58}"/>
-              </a:ext>
-            </a:extLst>
-          </p:cNvPr>
-          <p:cNvSpPr txBox="1"/>
-          <p:nvPr/>
-        </p:nvSpPr>
-        <p:spPr>
-          <a:xfrm>
-            <a:off x="2185176" y="6084004"/>
-            <a:ext cx="4773647" cy="646331"/>
-          </a:xfrm>
-          <a:prstGeom prst="rect">
-            <a:avLst/>
-          </a:prstGeom>
-          <a:noFill/>
-        </p:spPr>
-        <p:txBody>
-          <a:bodyPr wrap="square" rtlCol="0">
-            <a:spAutoFit/>
-          </a:bodyPr>
-          <a:lstStyle/>
-          <a:p>
-            <a:pPr algn="ctr"/>
-            <a:r>
-              <a:rPr lang="ru-RU" dirty="0">
-                <a:latin typeface="Times New Roman" panose="02020603050405020304" pitchFamily="18" charset="0"/>
-                <a:cs typeface="Times New Roman" panose="02020603050405020304" pitchFamily="18" charset="0"/>
-              </a:rPr>
-              <a:t>Рисунок 22 – Статистика </a:t>
-            </a:r>
-            <a:r>
-              <a:rPr lang="en-US" dirty="0">
-                <a:latin typeface="Times New Roman" panose="02020603050405020304" pitchFamily="18" charset="0"/>
-                <a:cs typeface="Times New Roman" panose="02020603050405020304" pitchFamily="18" charset="0"/>
-              </a:rPr>
-              <a:t>DHCP </a:t>
-            </a:r>
-            <a:r>
-              <a:rPr lang="ru-RU" dirty="0">
-                <a:latin typeface="Times New Roman" panose="02020603050405020304" pitchFamily="18" charset="0"/>
-                <a:cs typeface="Times New Roman" panose="02020603050405020304" pitchFamily="18" charset="0"/>
-              </a:rPr>
-              <a:t>запросов на межсетевом экране</a:t>
-            </a:r>
           </a:p>
         </p:txBody>
       </p:sp>
@@ -5186,6 +5097,48 @@
           <a:chExt cx="0" cy="0"/>
         </a:xfrm>
       </p:grpSpPr>
+      <p:sp>
+        <p:nvSpPr>
+          <p:cNvPr id="17" name="Заголовок 1">
+            <a:extLst>
+              <a:ext uri="{FF2B5EF4-FFF2-40B4-BE49-F238E27FC236}">
+                <a16:creationId xmlns:a16="http://schemas.microsoft.com/office/drawing/2014/main" id="{46403025-F5BA-4A5C-B511-4375E66CC5DF}"/>
+              </a:ext>
+            </a:extLst>
+          </p:cNvPr>
+          <p:cNvSpPr>
+            <a:spLocks noGrp="1"/>
+          </p:cNvSpPr>
+          <p:nvPr>
+            <p:ph type="title"/>
+          </p:nvPr>
+        </p:nvSpPr>
+        <p:spPr>
+          <a:xfrm>
+            <a:off x="914400" y="548680"/>
+            <a:ext cx="7315200" cy="565956"/>
+          </a:xfrm>
+        </p:spPr>
+        <p:txBody>
+          <a:bodyPr>
+            <a:normAutofit/>
+          </a:bodyPr>
+          <a:lstStyle/>
+          <a:p>
+            <a:pPr algn="ctr"/>
+            <a:r>
+              <a:rPr lang="ru-RU" sz="3200" dirty="0">
+                <a:solidFill>
+                  <a:schemeClr val="tx1"/>
+                </a:solidFill>
+                <a:latin typeface="Times New Roman" panose="02020603050405020304" pitchFamily="18" charset="0"/>
+                <a:cs typeface="Times New Roman" panose="02020603050405020304" pitchFamily="18" charset="0"/>
+              </a:rPr>
+              <a:t>Экономический расчет</a:t>
+            </a:r>
+          </a:p>
+        </p:txBody>
+      </p:sp>
       <p:sp>
         <p:nvSpPr>
           <p:cNvPr id="7" name="Номер слайда 6"/>
@@ -5379,48 +5332,6 @@
           </a:p>
         </p:txBody>
       </p:sp>
-      <p:sp>
-        <p:nvSpPr>
-          <p:cNvPr id="22" name="Прямоугольник 21">
-            <a:extLst>
-              <a:ext uri="{FF2B5EF4-FFF2-40B4-BE49-F238E27FC236}">
-                <a16:creationId xmlns:a16="http://schemas.microsoft.com/office/drawing/2014/main" id="{361E7569-FE39-44DD-977D-FA5EF7421EC0}"/>
-              </a:ext>
-            </a:extLst>
-          </p:cNvPr>
-          <p:cNvSpPr/>
-          <p:nvPr/>
-        </p:nvSpPr>
-        <p:spPr>
-          <a:xfrm>
-            <a:off x="179512" y="0"/>
-            <a:ext cx="8460432" cy="584775"/>
-          </a:xfrm>
-          <a:prstGeom prst="rect">
-            <a:avLst/>
-          </a:prstGeom>
-        </p:spPr>
-        <p:txBody>
-          <a:bodyPr wrap="square">
-            <a:spAutoFit/>
-          </a:bodyPr>
-          <a:lstStyle/>
-          <a:p>
-            <a:pPr indent="450000"/>
-            <a:r>
-              <a:rPr lang="ru-RU" sz="1600" dirty="0">
-                <a:latin typeface="Times New Roman" panose="02020603050405020304" pitchFamily="18" charset="0"/>
-                <a:cs typeface="Times New Roman" panose="02020603050405020304" pitchFamily="18" charset="0"/>
-              </a:rPr>
-              <a:t>Оптимизация локальной компьютерной сети КГБПОУ «ККРИТ», используя технологию VLAN</a:t>
-            </a:r>
-            <a:endParaRPr lang="ru-RU" dirty="0">
-              <a:latin typeface="Times New Roman" panose="02020603050405020304" pitchFamily="18" charset="0"/>
-              <a:cs typeface="Times New Roman" panose="02020603050405020304" pitchFamily="18" charset="0"/>
-            </a:endParaRPr>
-          </a:p>
-        </p:txBody>
-      </p:sp>
       <p:graphicFrame>
         <p:nvGraphicFramePr>
           <p:cNvPr id="3" name="Таблица 2">
@@ -5436,20 +5347,20 @@
           <p:nvPr>
             <p:extLst>
               <p:ext uri="{D42A27DB-BD31-4B8C-83A1-F6EECF244321}">
-                <p14:modId xmlns:p14="http://schemas.microsoft.com/office/powerpoint/2010/main" val="1570876617"/>
+                <p14:modId xmlns:p14="http://schemas.microsoft.com/office/powerpoint/2010/main" val="1417862667"/>
               </p:ext>
             </p:extLst>
           </p:nvPr>
         </p:nvGraphicFramePr>
         <p:xfrm>
           <a:off x="179512" y="1512521"/>
-          <a:ext cx="6120765" cy="2743200"/>
+          <a:ext cx="6120765" cy="2377440"/>
         </p:xfrm>
         <a:graphic>
           <a:graphicData uri="http://schemas.openxmlformats.org/drawingml/2006/table">
             <a:tbl>
               <a:tblPr firstRow="1" firstCol="1" bandRow="1">
-                <a:tableStyleId>{5C22544A-7EE6-4342-B048-85BDC9FD1C3A}</a:tableStyleId>
+                <a:tableStyleId>{5940675A-B579-460E-94D1-54222C63F5DA}</a:tableStyleId>
               </a:tblPr>
               <a:tblGrid>
                 <a:gridCol w="1882775">
@@ -6683,7 +6594,7 @@
           <p:nvPr>
             <p:extLst>
               <p:ext uri="{D42A27DB-BD31-4B8C-83A1-F6EECF244321}">
-                <p14:modId xmlns:p14="http://schemas.microsoft.com/office/powerpoint/2010/main" val="1855748570"/>
+                <p14:modId xmlns:p14="http://schemas.microsoft.com/office/powerpoint/2010/main" val="1127692951"/>
               </p:ext>
             </p:extLst>
           </p:nvPr>
@@ -6696,7 +6607,7 @@
           <a:graphicData uri="http://schemas.openxmlformats.org/drawingml/2006/table">
             <a:tbl>
               <a:tblPr firstRow="1" firstCol="1" bandRow="1">
-                <a:tableStyleId>{5C22544A-7EE6-4342-B048-85BDC9FD1C3A}</a:tableStyleId>
+                <a:tableStyleId>{5940675A-B579-460E-94D1-54222C63F5DA}</a:tableStyleId>
               </a:tblPr>
               <a:tblGrid>
                 <a:gridCol w="3962400">
@@ -7126,48 +7037,6 @@
       </p:graphicFrame>
       <p:sp>
         <p:nvSpPr>
-          <p:cNvPr id="17" name="Заголовок 1">
-            <a:extLst>
-              <a:ext uri="{FF2B5EF4-FFF2-40B4-BE49-F238E27FC236}">
-                <a16:creationId xmlns:a16="http://schemas.microsoft.com/office/drawing/2014/main" id="{46403025-F5BA-4A5C-B511-4375E66CC5DF}"/>
-              </a:ext>
-            </a:extLst>
-          </p:cNvPr>
-          <p:cNvSpPr>
-            <a:spLocks noGrp="1"/>
-          </p:cNvSpPr>
-          <p:nvPr>
-            <p:ph type="title"/>
-          </p:nvPr>
-        </p:nvSpPr>
-        <p:spPr>
-          <a:xfrm>
-            <a:off x="914400" y="548680"/>
-            <a:ext cx="7315200" cy="565956"/>
-          </a:xfrm>
-        </p:spPr>
-        <p:txBody>
-          <a:bodyPr>
-            <a:normAutofit fontScale="90000"/>
-          </a:bodyPr>
-          <a:lstStyle/>
-          <a:p>
-            <a:pPr algn="ctr"/>
-            <a:r>
-              <a:rPr lang="ru-RU" sz="3200" dirty="0">
-                <a:solidFill>
-                  <a:schemeClr val="tx1"/>
-                </a:solidFill>
-                <a:latin typeface="Times New Roman" panose="02020603050405020304" pitchFamily="18" charset="0"/>
-                <a:cs typeface="Times New Roman" panose="02020603050405020304" pitchFamily="18" charset="0"/>
-              </a:rPr>
-              <a:t>Экономический расчет</a:t>
-            </a:r>
-          </a:p>
-        </p:txBody>
-      </p:sp>
-      <p:sp>
-        <p:nvSpPr>
           <p:cNvPr id="23" name="TextBox 22">
             <a:extLst>
               <a:ext uri="{FF2B5EF4-FFF2-40B4-BE49-F238E27FC236}">
@@ -7292,6 +7161,47 @@
               <a:effectLst/>
               <a:latin typeface="Times New Roman" panose="02020603050405020304" pitchFamily="18" charset="0"/>
               <a:ea typeface="Times New Roman" panose="02020603050405020304" pitchFamily="18" charset="0"/>
+            </a:endParaRPr>
+          </a:p>
+        </p:txBody>
+      </p:sp>
+      <p:sp>
+        <p:nvSpPr>
+          <p:cNvPr id="12" name="Прямоугольник 11">
+            <a:extLst>
+              <a:ext uri="{FF2B5EF4-FFF2-40B4-BE49-F238E27FC236}">
+                <a16:creationId xmlns:a16="http://schemas.microsoft.com/office/drawing/2014/main" id="{1238463D-0E47-4C5B-8EFF-DE859BE4B685}"/>
+              </a:ext>
+            </a:extLst>
+          </p:cNvPr>
+          <p:cNvSpPr/>
+          <p:nvPr/>
+        </p:nvSpPr>
+        <p:spPr>
+          <a:xfrm>
+            <a:off x="395536" y="44624"/>
+            <a:ext cx="8712968" cy="338554"/>
+          </a:xfrm>
+          <a:prstGeom prst="rect">
+            <a:avLst/>
+          </a:prstGeom>
+        </p:spPr>
+        <p:txBody>
+          <a:bodyPr wrap="square">
+            <a:spAutoFit/>
+          </a:bodyPr>
+          <a:lstStyle/>
+          <a:p>
+            <a:r>
+              <a:rPr lang="ru-RU" sz="1600" dirty="0">
+                <a:latin typeface="Times New Roman" panose="02020603050405020304" pitchFamily="18" charset="0"/>
+                <a:cs typeface="Times New Roman" panose="02020603050405020304" pitchFamily="18" charset="0"/>
+              </a:rPr>
+              <a:t>Оптимизация локальной компьютерной сети КГБПОУ «ККРИТ», используя технологию VLAN</a:t>
+            </a:r>
+            <a:endParaRPr lang="ru-RU" dirty="0">
+              <a:latin typeface="Times New Roman" panose="02020603050405020304" pitchFamily="18" charset="0"/>
+              <a:cs typeface="Times New Roman" panose="02020603050405020304" pitchFamily="18" charset="0"/>
             </a:endParaRPr>
           </a:p>
         </p:txBody>
@@ -7364,6 +7274,137 @@
       </p:sp>
       <p:sp>
         <p:nvSpPr>
+          <p:cNvPr id="3" name="Объект 2"/>
+          <p:cNvSpPr>
+            <a:spLocks noGrp="1"/>
+          </p:cNvSpPr>
+          <p:nvPr>
+            <p:ph idx="1"/>
+          </p:nvPr>
+        </p:nvSpPr>
+        <p:spPr>
+          <a:xfrm>
+            <a:off x="215516" y="940819"/>
+            <a:ext cx="8712968" cy="5279789"/>
+          </a:xfrm>
+        </p:spPr>
+        <p:txBody>
+          <a:bodyPr>
+            <a:noAutofit/>
+          </a:bodyPr>
+          <a:lstStyle/>
+          <a:p>
+            <a:pPr marL="45720" indent="450000" algn="just">
+              <a:buNone/>
+            </a:pPr>
+            <a:r>
+              <a:rPr lang="ru-RU" sz="1800" dirty="0">
+                <a:latin typeface="Times New Roman" panose="02020603050405020304" pitchFamily="18" charset="0"/>
+                <a:cs typeface="Times New Roman" panose="02020603050405020304" pitchFamily="18" charset="0"/>
+              </a:rPr>
+              <a:t>В процессе выполнения выпускной квалификационной работы была достигнута цель, а именно: выполнена оптимизация локальной компьютерной сети КГБПОУ «ККРИТ», используя технологию VLAN.</a:t>
+            </a:r>
+          </a:p>
+          <a:p>
+            <a:pPr marL="45720" indent="450000" algn="just">
+              <a:buNone/>
+            </a:pPr>
+            <a:r>
+              <a:rPr lang="ru-RU" sz="1800" dirty="0">
+                <a:latin typeface="Times New Roman" panose="02020603050405020304" pitchFamily="18" charset="0"/>
+                <a:cs typeface="Times New Roman" panose="02020603050405020304" pitchFamily="18" charset="0"/>
+              </a:rPr>
+              <a:t>Были выполнены следующие задачи:</a:t>
+            </a:r>
+          </a:p>
+          <a:p>
+            <a:pPr marL="45720" indent="450000" algn="just">
+              <a:buNone/>
+            </a:pPr>
+            <a:r>
+              <a:rPr lang="ru-RU" sz="1800" dirty="0">
+                <a:latin typeface="Times New Roman" panose="02020603050405020304" pitchFamily="18" charset="0"/>
+                <a:cs typeface="Times New Roman" panose="02020603050405020304" pitchFamily="18" charset="0"/>
+              </a:rPr>
+              <a:t>1)	спроектирована новая схему подключения устройства, согласно новой иерархии сети;</a:t>
+            </a:r>
+          </a:p>
+          <a:p>
+            <a:pPr marL="45720" indent="450000" algn="just">
+              <a:buNone/>
+            </a:pPr>
+            <a:r>
+              <a:rPr lang="ru-RU" sz="1800" dirty="0">
+                <a:latin typeface="Times New Roman" panose="02020603050405020304" pitchFamily="18" charset="0"/>
+                <a:cs typeface="Times New Roman" panose="02020603050405020304" pitchFamily="18" charset="0"/>
+              </a:rPr>
+              <a:t>2)	подключено сетевое оборудование, согласно новой схеме сети;</a:t>
+            </a:r>
+          </a:p>
+          <a:p>
+            <a:pPr marL="45720" indent="450000" algn="just">
+              <a:buNone/>
+            </a:pPr>
+            <a:r>
+              <a:rPr lang="ru-RU" sz="1800" dirty="0">
+                <a:latin typeface="Times New Roman" panose="02020603050405020304" pitchFamily="18" charset="0"/>
+                <a:cs typeface="Times New Roman" panose="02020603050405020304" pitchFamily="18" charset="0"/>
+              </a:rPr>
+              <a:t>3)	произведена настройка межсетевого экрана Cisco ASA 5505;</a:t>
+            </a:r>
+          </a:p>
+          <a:p>
+            <a:pPr marL="45720" indent="450000" algn="just">
+              <a:buNone/>
+            </a:pPr>
+            <a:r>
+              <a:rPr lang="ru-RU" sz="1800" dirty="0">
+                <a:latin typeface="Times New Roman" panose="02020603050405020304" pitchFamily="18" charset="0"/>
+                <a:cs typeface="Times New Roman" panose="02020603050405020304" pitchFamily="18" charset="0"/>
+              </a:rPr>
+              <a:t>4)	произведена настройка управляемых коммутаторов Cisco Catalyst 2960;</a:t>
+            </a:r>
+          </a:p>
+          <a:p>
+            <a:pPr marL="45720" indent="450000" algn="just">
+              <a:buNone/>
+            </a:pPr>
+            <a:r>
+              <a:rPr lang="ru-RU" sz="1800" dirty="0">
+                <a:latin typeface="Times New Roman" panose="02020603050405020304" pitchFamily="18" charset="0"/>
+                <a:cs typeface="Times New Roman" panose="02020603050405020304" pitchFamily="18" charset="0"/>
+              </a:rPr>
+              <a:t>5)	произведена настройка DHCP-сервера в ОС Windows Server 2016;</a:t>
+            </a:r>
+          </a:p>
+          <a:p>
+            <a:pPr marL="45720" indent="450000" algn="just">
+              <a:buNone/>
+            </a:pPr>
+            <a:r>
+              <a:rPr lang="ru-RU" sz="1800" dirty="0">
+                <a:latin typeface="Times New Roman" panose="02020603050405020304" pitchFamily="18" charset="0"/>
+                <a:cs typeface="Times New Roman" panose="02020603050405020304" pitchFamily="18" charset="0"/>
+              </a:rPr>
+              <a:t>6)	выполнен экономический расчет;</a:t>
+            </a:r>
+          </a:p>
+          <a:p>
+            <a:pPr marL="45720" indent="450000" algn="just">
+              <a:buNone/>
+            </a:pPr>
+            <a:r>
+              <a:rPr lang="ru-RU" sz="1800" dirty="0">
+                <a:latin typeface="Times New Roman" panose="02020603050405020304" pitchFamily="18" charset="0"/>
+                <a:cs typeface="Times New Roman" panose="02020603050405020304" pitchFamily="18" charset="0"/>
+              </a:rPr>
+              <a:t>7)	описана охрана труда и техника безопасности при работе с рабочими станциями и сетевым оборудованием.</a:t>
+            </a:r>
+          </a:p>
+        </p:txBody>
+      </p:sp>
+      <p:sp>
+        <p:nvSpPr>
           <p:cNvPr id="7" name="Номер слайда 6"/>
           <p:cNvSpPr>
             <a:spLocks noGrp="1"/>
@@ -7393,137 +7434,6 @@
       </p:sp>
       <p:sp>
         <p:nvSpPr>
-          <p:cNvPr id="3" name="Объект 2"/>
-          <p:cNvSpPr>
-            <a:spLocks noGrp="1"/>
-          </p:cNvSpPr>
-          <p:nvPr>
-            <p:ph sz="quarter" idx="1"/>
-          </p:nvPr>
-        </p:nvSpPr>
-        <p:spPr>
-          <a:xfrm>
-            <a:off x="215516" y="940819"/>
-            <a:ext cx="8712968" cy="5279789"/>
-          </a:xfrm>
-        </p:spPr>
-        <p:txBody>
-          <a:bodyPr>
-            <a:noAutofit/>
-          </a:bodyPr>
-          <a:lstStyle/>
-          <a:p>
-            <a:pPr marL="45720" indent="450000" algn="just">
-              <a:buNone/>
-            </a:pPr>
-            <a:r>
-              <a:rPr lang="ru-RU" sz="1800" dirty="0">
-                <a:latin typeface="Times New Roman" panose="02020603050405020304" pitchFamily="18" charset="0"/>
-                <a:cs typeface="Times New Roman" panose="02020603050405020304" pitchFamily="18" charset="0"/>
-              </a:rPr>
-              <a:t>В процессе выполнения выпускной квалификационной работы была достигнута цель, а именно: выполнена оптимизация локальной компьютерной сети КГБПОУ «ККРИТ», используя технологию VLAN.</a:t>
-            </a:r>
-          </a:p>
-          <a:p>
-            <a:pPr marL="45720" indent="450000" algn="just">
-              <a:buNone/>
-            </a:pPr>
-            <a:r>
-              <a:rPr lang="ru-RU" sz="1800" dirty="0">
-                <a:latin typeface="Times New Roman" panose="02020603050405020304" pitchFamily="18" charset="0"/>
-                <a:cs typeface="Times New Roman" panose="02020603050405020304" pitchFamily="18" charset="0"/>
-              </a:rPr>
-              <a:t>Были выполнены следующие задачи:</a:t>
-            </a:r>
-          </a:p>
-          <a:p>
-            <a:pPr marL="45720" indent="450000" algn="just">
-              <a:buNone/>
-            </a:pPr>
-            <a:r>
-              <a:rPr lang="ru-RU" sz="1800" dirty="0">
-                <a:latin typeface="Times New Roman" panose="02020603050405020304" pitchFamily="18" charset="0"/>
-                <a:cs typeface="Times New Roman" panose="02020603050405020304" pitchFamily="18" charset="0"/>
-              </a:rPr>
-              <a:t>1)	спроектирована новая схему подключения устройства, согласно новой иерархии сети;</a:t>
-            </a:r>
-          </a:p>
-          <a:p>
-            <a:pPr marL="45720" indent="450000" algn="just">
-              <a:buNone/>
-            </a:pPr>
-            <a:r>
-              <a:rPr lang="ru-RU" sz="1800" dirty="0">
-                <a:latin typeface="Times New Roman" panose="02020603050405020304" pitchFamily="18" charset="0"/>
-                <a:cs typeface="Times New Roman" panose="02020603050405020304" pitchFamily="18" charset="0"/>
-              </a:rPr>
-              <a:t>2)	подключено сетевое оборудование, согласно новой схеме сети;</a:t>
-            </a:r>
-          </a:p>
-          <a:p>
-            <a:pPr marL="45720" indent="450000" algn="just">
-              <a:buNone/>
-            </a:pPr>
-            <a:r>
-              <a:rPr lang="ru-RU" sz="1800" dirty="0">
-                <a:latin typeface="Times New Roman" panose="02020603050405020304" pitchFamily="18" charset="0"/>
-                <a:cs typeface="Times New Roman" panose="02020603050405020304" pitchFamily="18" charset="0"/>
-              </a:rPr>
-              <a:t>3)	произведена настройка межсетевого экрана Cisco ASA 5505;</a:t>
-            </a:r>
-          </a:p>
-          <a:p>
-            <a:pPr marL="45720" indent="450000" algn="just">
-              <a:buNone/>
-            </a:pPr>
-            <a:r>
-              <a:rPr lang="ru-RU" sz="1800" dirty="0">
-                <a:latin typeface="Times New Roman" panose="02020603050405020304" pitchFamily="18" charset="0"/>
-                <a:cs typeface="Times New Roman" panose="02020603050405020304" pitchFamily="18" charset="0"/>
-              </a:rPr>
-              <a:t>4)	произведена настройка управляемых коммутаторов Cisco Catalyst 2960;</a:t>
-            </a:r>
-          </a:p>
-          <a:p>
-            <a:pPr marL="45720" indent="450000" algn="just">
-              <a:buNone/>
-            </a:pPr>
-            <a:r>
-              <a:rPr lang="ru-RU" sz="1800" dirty="0">
-                <a:latin typeface="Times New Roman" panose="02020603050405020304" pitchFamily="18" charset="0"/>
-                <a:cs typeface="Times New Roman" panose="02020603050405020304" pitchFamily="18" charset="0"/>
-              </a:rPr>
-              <a:t>5)	произведена настройка DHCP-сервера в ОС Windows Server 2016;</a:t>
-            </a:r>
-          </a:p>
-          <a:p>
-            <a:pPr marL="45720" indent="450000" algn="just">
-              <a:buNone/>
-            </a:pPr>
-            <a:r>
-              <a:rPr lang="ru-RU" sz="1800" dirty="0">
-                <a:latin typeface="Times New Roman" panose="02020603050405020304" pitchFamily="18" charset="0"/>
-                <a:cs typeface="Times New Roman" panose="02020603050405020304" pitchFamily="18" charset="0"/>
-              </a:rPr>
-              <a:t>6)	выполнен экономический расчет;</a:t>
-            </a:r>
-          </a:p>
-          <a:p>
-            <a:pPr marL="45720" indent="450000" algn="just">
-              <a:buNone/>
-            </a:pPr>
-            <a:r>
-              <a:rPr lang="ru-RU" sz="1800" dirty="0">
-                <a:latin typeface="Times New Roman" panose="02020603050405020304" pitchFamily="18" charset="0"/>
-                <a:cs typeface="Times New Roman" panose="02020603050405020304" pitchFamily="18" charset="0"/>
-              </a:rPr>
-              <a:t>7)	описана охрана труда и техника безопасности при работе с рабочими станциями и сетевым оборудованием.</a:t>
-            </a:r>
-          </a:p>
-        </p:txBody>
-      </p:sp>
-      <p:sp>
-        <p:nvSpPr>
           <p:cNvPr id="9" name="Прямоугольник 8">
             <a:extLst>
               <a:ext uri="{FF2B5EF4-FFF2-40B4-BE49-F238E27FC236}">
@@ -7562,10 +7472,10 @@
       </p:sp>
       <p:sp>
         <p:nvSpPr>
-          <p:cNvPr id="11" name="Прямоугольник 10">
-            <a:extLst>
-              <a:ext uri="{FF2B5EF4-FFF2-40B4-BE49-F238E27FC236}">
-                <a16:creationId xmlns:a16="http://schemas.microsoft.com/office/drawing/2014/main" id="{6CCFC82B-0A8C-42CA-8586-32D9ABA3C1E3}"/>
+          <p:cNvPr id="8" name="Прямоугольник 7">
+            <a:extLst>
+              <a:ext uri="{FF2B5EF4-FFF2-40B4-BE49-F238E27FC236}">
+                <a16:creationId xmlns:a16="http://schemas.microsoft.com/office/drawing/2014/main" id="{EB532277-07E6-424A-91DE-998FFDCE91F7}"/>
               </a:ext>
             </a:extLst>
           </p:cNvPr>
@@ -7574,8 +7484,8 @@
         </p:nvSpPr>
         <p:spPr>
           <a:xfrm>
-            <a:off x="179512" y="0"/>
-            <a:ext cx="8460432" cy="584775"/>
+            <a:off x="395536" y="44624"/>
+            <a:ext cx="8712968" cy="338554"/>
           </a:xfrm>
           <a:prstGeom prst="rect">
             <a:avLst/>
@@ -7587,7 +7497,6 @@
           </a:bodyPr>
           <a:lstStyle/>
           <a:p>
-            <a:pPr indent="450000"/>
             <a:r>
               <a:rPr lang="ru-RU" sz="1600" dirty="0">
                 <a:latin typeface="Times New Roman" panose="02020603050405020304" pitchFamily="18" charset="0"/>
@@ -7670,41 +7579,12 @@
       </p:sp>
       <p:sp>
         <p:nvSpPr>
-          <p:cNvPr id="7" name="Номер слайда 6"/>
-          <p:cNvSpPr>
-            <a:spLocks noGrp="1"/>
-          </p:cNvSpPr>
-          <p:nvPr>
-            <p:ph type="sldNum" sz="quarter" idx="12"/>
-          </p:nvPr>
-        </p:nvSpPr>
-        <p:spPr>
-          <a:xfrm>
-            <a:off x="8202797" y="6507842"/>
-            <a:ext cx="941203" cy="301752"/>
-          </a:xfrm>
-        </p:spPr>
-        <p:txBody>
-          <a:bodyPr/>
-          <a:lstStyle/>
-          <a:p>
-            <a:fld id="{B19B0651-EE4F-4900-A07F-96A6BFA9D0F0}" type="slidenum">
-              <a:rPr lang="ru-RU" sz="1800" smtClean="0"/>
-              <a:pPr/>
-              <a:t>2</a:t>
-            </a:fld>
-            <a:endParaRPr lang="ru-RU" sz="1800" dirty="0"/>
-          </a:p>
-        </p:txBody>
-      </p:sp>
-      <p:sp>
-        <p:nvSpPr>
           <p:cNvPr id="3" name="Объект 2"/>
           <p:cNvSpPr>
             <a:spLocks noGrp="1"/>
           </p:cNvSpPr>
           <p:nvPr>
-            <p:ph sz="quarter" idx="1"/>
+            <p:ph idx="1"/>
           </p:nvPr>
         </p:nvSpPr>
         <p:spPr>
@@ -7748,6 +7628,35 @@
       </p:sp>
       <p:sp>
         <p:nvSpPr>
+          <p:cNvPr id="7" name="Номер слайда 6"/>
+          <p:cNvSpPr>
+            <a:spLocks noGrp="1"/>
+          </p:cNvSpPr>
+          <p:nvPr>
+            <p:ph type="sldNum" sz="quarter" idx="12"/>
+          </p:nvPr>
+        </p:nvSpPr>
+        <p:spPr>
+          <a:xfrm>
+            <a:off x="8202797" y="6507842"/>
+            <a:ext cx="941203" cy="301752"/>
+          </a:xfrm>
+        </p:spPr>
+        <p:txBody>
+          <a:bodyPr/>
+          <a:lstStyle/>
+          <a:p>
+            <a:fld id="{B19B0651-EE4F-4900-A07F-96A6BFA9D0F0}" type="slidenum">
+              <a:rPr lang="ru-RU" sz="1800" smtClean="0"/>
+              <a:pPr/>
+              <a:t>2</a:t>
+            </a:fld>
+            <a:endParaRPr lang="ru-RU" sz="1800" dirty="0"/>
+          </a:p>
+        </p:txBody>
+      </p:sp>
+      <p:sp>
+        <p:nvSpPr>
           <p:cNvPr id="10" name="Прямоугольник 9"/>
           <p:cNvSpPr/>
           <p:nvPr/>
@@ -7786,8 +7695,8 @@
         </p:nvSpPr>
         <p:spPr>
           <a:xfrm>
-            <a:off x="179512" y="0"/>
-            <a:ext cx="8460432" cy="584775"/>
+            <a:off x="395536" y="44624"/>
+            <a:ext cx="8712968" cy="338554"/>
           </a:xfrm>
           <a:prstGeom prst="rect">
             <a:avLst/>
@@ -7799,7 +7708,6 @@
           </a:bodyPr>
           <a:lstStyle/>
           <a:p>
-            <a:pPr indent="450000"/>
             <a:r>
               <a:rPr lang="ru-RU" sz="1600" dirty="0">
                 <a:latin typeface="Times New Roman" panose="02020603050405020304" pitchFamily="18" charset="0"/>
@@ -8086,6 +7994,47 @@
       </p:grpSpPr>
       <p:sp>
         <p:nvSpPr>
+          <p:cNvPr id="5" name="Заголовок 4">
+            <a:extLst>
+              <a:ext uri="{FF2B5EF4-FFF2-40B4-BE49-F238E27FC236}">
+                <a16:creationId xmlns:a16="http://schemas.microsoft.com/office/drawing/2014/main" id="{ED16891F-3F9D-4E21-B7C9-3BCCBDC5DED1}"/>
+              </a:ext>
+            </a:extLst>
+          </p:cNvPr>
+          <p:cNvSpPr>
+            <a:spLocks noGrp="1"/>
+          </p:cNvSpPr>
+          <p:nvPr>
+            <p:ph type="title"/>
+          </p:nvPr>
+        </p:nvSpPr>
+        <p:spPr>
+          <a:xfrm>
+            <a:off x="829816" y="659379"/>
+            <a:ext cx="7772400" cy="584776"/>
+          </a:xfrm>
+        </p:spPr>
+        <p:txBody>
+          <a:bodyPr>
+            <a:noAutofit/>
+          </a:bodyPr>
+          <a:lstStyle/>
+          <a:p>
+            <a:r>
+              <a:rPr lang="ru-RU" sz="3200" dirty="0">
+                <a:solidFill>
+                  <a:schemeClr val="tx1"/>
+                </a:solidFill>
+                <a:latin typeface="Times New Roman" panose="02020603050405020304" pitchFamily="18" charset="0"/>
+                <a:cs typeface="Times New Roman" panose="02020603050405020304" pitchFamily="18" charset="0"/>
+              </a:rPr>
+              <a:t>Проектирование схемы подключения сети </a:t>
+            </a:r>
+          </a:p>
+        </p:txBody>
+      </p:sp>
+      <p:sp>
+        <p:nvSpPr>
           <p:cNvPr id="7" name="Номер слайда 6"/>
           <p:cNvSpPr>
             <a:spLocks noGrp="1"/>
@@ -8151,89 +8100,6 @@
           </a:p>
         </p:txBody>
       </p:sp>
-      <p:sp>
-        <p:nvSpPr>
-          <p:cNvPr id="11" name="Прямоугольник 10">
-            <a:extLst>
-              <a:ext uri="{FF2B5EF4-FFF2-40B4-BE49-F238E27FC236}">
-                <a16:creationId xmlns:a16="http://schemas.microsoft.com/office/drawing/2014/main" id="{1477501C-76C0-4EE3-B45C-8448F79D2477}"/>
-              </a:ext>
-            </a:extLst>
-          </p:cNvPr>
-          <p:cNvSpPr/>
-          <p:nvPr/>
-        </p:nvSpPr>
-        <p:spPr>
-          <a:xfrm>
-            <a:off x="179512" y="0"/>
-            <a:ext cx="8460432" cy="584775"/>
-          </a:xfrm>
-          <a:prstGeom prst="rect">
-            <a:avLst/>
-          </a:prstGeom>
-        </p:spPr>
-        <p:txBody>
-          <a:bodyPr wrap="square">
-            <a:spAutoFit/>
-          </a:bodyPr>
-          <a:lstStyle/>
-          <a:p>
-            <a:pPr indent="450000"/>
-            <a:r>
-              <a:rPr lang="ru-RU" sz="1600" dirty="0">
-                <a:latin typeface="Times New Roman" panose="02020603050405020304" pitchFamily="18" charset="0"/>
-                <a:cs typeface="Times New Roman" panose="02020603050405020304" pitchFamily="18" charset="0"/>
-              </a:rPr>
-              <a:t>Оптимизация локальной компьютерной сети КГБПОУ «ККРИТ», используя технологию VLAN</a:t>
-            </a:r>
-            <a:endParaRPr lang="ru-RU" dirty="0">
-              <a:latin typeface="Times New Roman" panose="02020603050405020304" pitchFamily="18" charset="0"/>
-              <a:cs typeface="Times New Roman" panose="02020603050405020304" pitchFamily="18" charset="0"/>
-            </a:endParaRPr>
-          </a:p>
-        </p:txBody>
-      </p:sp>
-      <p:sp>
-        <p:nvSpPr>
-          <p:cNvPr id="5" name="Заголовок 4">
-            <a:extLst>
-              <a:ext uri="{FF2B5EF4-FFF2-40B4-BE49-F238E27FC236}">
-                <a16:creationId xmlns:a16="http://schemas.microsoft.com/office/drawing/2014/main" id="{ED16891F-3F9D-4E21-B7C9-3BCCBDC5DED1}"/>
-              </a:ext>
-            </a:extLst>
-          </p:cNvPr>
-          <p:cNvSpPr>
-            <a:spLocks noGrp="1"/>
-          </p:cNvSpPr>
-          <p:nvPr>
-            <p:ph type="title"/>
-          </p:nvPr>
-        </p:nvSpPr>
-        <p:spPr>
-          <a:xfrm>
-            <a:off x="829816" y="659379"/>
-            <a:ext cx="7772400" cy="584776"/>
-          </a:xfrm>
-        </p:spPr>
-        <p:txBody>
-          <a:bodyPr>
-            <a:noAutofit/>
-          </a:bodyPr>
-          <a:lstStyle/>
-          <a:p>
-            <a:r>
-              <a:rPr lang="ru-RU" sz="3200" dirty="0">
-                <a:solidFill>
-                  <a:schemeClr val="tx1"/>
-                </a:solidFill>
-                <a:latin typeface="Times New Roman" panose="02020603050405020304" pitchFamily="18" charset="0"/>
-                <a:cs typeface="Times New Roman" panose="02020603050405020304" pitchFamily="18" charset="0"/>
-              </a:rPr>
-              <a:t>Проектирование схемы подключения сети </a:t>
-            </a:r>
-          </a:p>
-        </p:txBody>
-      </p:sp>
       <p:pic>
         <p:nvPicPr>
           <p:cNvPr id="13" name="Рисунок 12">
@@ -8247,7 +8113,7 @@
           <p:nvPr/>
         </p:nvPicPr>
         <p:blipFill>
-          <a:blip r:embed="rId2" cstate="print">
+          <a:blip r:embed="rId3" cstate="print">
             <a:extLst>
               <a:ext uri="{28A0092B-C50C-407E-A947-70E740481C1C}">
                 <a14:useLocalDpi xmlns:a14="http://schemas.microsoft.com/office/drawing/2010/main" val="0"/>
@@ -8281,7 +8147,7 @@
           <p:nvPr/>
         </p:nvPicPr>
         <p:blipFill>
-          <a:blip r:embed="rId3" cstate="print">
+          <a:blip r:embed="rId4" cstate="print">
             <a:extLst>
               <a:ext uri="{28A0092B-C50C-407E-A947-70E740481C1C}">
                 <a14:useLocalDpi xmlns:a14="http://schemas.microsoft.com/office/drawing/2010/main" val="0"/>
@@ -8377,6 +8243,47 @@
               </a:rPr>
               <a:t>Рисунок 2 – Спроектированная схема</a:t>
             </a:r>
+          </a:p>
+        </p:txBody>
+      </p:sp>
+      <p:sp>
+        <p:nvSpPr>
+          <p:cNvPr id="10" name="Прямоугольник 9">
+            <a:extLst>
+              <a:ext uri="{FF2B5EF4-FFF2-40B4-BE49-F238E27FC236}">
+                <a16:creationId xmlns:a16="http://schemas.microsoft.com/office/drawing/2014/main" id="{621BD8FB-F887-4220-8482-515E03B23F63}"/>
+              </a:ext>
+            </a:extLst>
+          </p:cNvPr>
+          <p:cNvSpPr/>
+          <p:nvPr/>
+        </p:nvSpPr>
+        <p:spPr>
+          <a:xfrm>
+            <a:off x="395536" y="44624"/>
+            <a:ext cx="8712968" cy="338554"/>
+          </a:xfrm>
+          <a:prstGeom prst="rect">
+            <a:avLst/>
+          </a:prstGeom>
+        </p:spPr>
+        <p:txBody>
+          <a:bodyPr wrap="square">
+            <a:spAutoFit/>
+          </a:bodyPr>
+          <a:lstStyle/>
+          <a:p>
+            <a:r>
+              <a:rPr lang="ru-RU" sz="1600" dirty="0">
+                <a:latin typeface="Times New Roman" panose="02020603050405020304" pitchFamily="18" charset="0"/>
+                <a:cs typeface="Times New Roman" panose="02020603050405020304" pitchFamily="18" charset="0"/>
+              </a:rPr>
+              <a:t>Оптимизация локальной компьютерной сети КГБПОУ «ККРИТ», используя технологию VLAN</a:t>
+            </a:r>
+            <a:endParaRPr lang="ru-RU" dirty="0">
+              <a:latin typeface="Times New Roman" panose="02020603050405020304" pitchFamily="18" charset="0"/>
+              <a:cs typeface="Times New Roman" panose="02020603050405020304" pitchFamily="18" charset="0"/>
+            </a:endParaRPr>
           </a:p>
         </p:txBody>
       </p:sp>
@@ -8428,7 +8335,7 @@
         </p:spPr>
         <p:txBody>
           <a:bodyPr>
-            <a:normAutofit fontScale="90000"/>
+            <a:normAutofit/>
           </a:bodyPr>
           <a:lstStyle/>
           <a:p>
@@ -8543,48 +8450,6 @@
               </a:rPr>
               <a:t>ФИО студента: Аверяскин Е.В				Группа: 9КС-1.17</a:t>
             </a:r>
-          </a:p>
-        </p:txBody>
-      </p:sp>
-      <p:sp>
-        <p:nvSpPr>
-          <p:cNvPr id="20" name="Прямоугольник 19">
-            <a:extLst>
-              <a:ext uri="{FF2B5EF4-FFF2-40B4-BE49-F238E27FC236}">
-                <a16:creationId xmlns:a16="http://schemas.microsoft.com/office/drawing/2014/main" id="{C1C15589-B83F-4BF2-B033-3F873D47DC88}"/>
-              </a:ext>
-            </a:extLst>
-          </p:cNvPr>
-          <p:cNvSpPr/>
-          <p:nvPr/>
-        </p:nvSpPr>
-        <p:spPr>
-          <a:xfrm>
-            <a:off x="179512" y="0"/>
-            <a:ext cx="8460432" cy="584775"/>
-          </a:xfrm>
-          <a:prstGeom prst="rect">
-            <a:avLst/>
-          </a:prstGeom>
-        </p:spPr>
-        <p:txBody>
-          <a:bodyPr wrap="square">
-            <a:spAutoFit/>
-          </a:bodyPr>
-          <a:lstStyle/>
-          <a:p>
-            <a:pPr indent="450000"/>
-            <a:r>
-              <a:rPr lang="ru-RU" sz="1600" dirty="0">
-                <a:latin typeface="Times New Roman" panose="02020603050405020304" pitchFamily="18" charset="0"/>
-                <a:cs typeface="Times New Roman" panose="02020603050405020304" pitchFamily="18" charset="0"/>
-              </a:rPr>
-              <a:t>Оптимизация локальной компьютерной сети КГБПОУ «ККРИТ», используя технологию VLAN</a:t>
-            </a:r>
-            <a:endParaRPr lang="ru-RU" dirty="0">
-              <a:latin typeface="Times New Roman" panose="02020603050405020304" pitchFamily="18" charset="0"/>
-              <a:cs typeface="Times New Roman" panose="02020603050405020304" pitchFamily="18" charset="0"/>
-            </a:endParaRPr>
           </a:p>
         </p:txBody>
       </p:sp>
@@ -8978,6 +8843,47 @@
           </a:p>
         </p:txBody>
       </p:sp>
+      <p:sp>
+        <p:nvSpPr>
+          <p:cNvPr id="15" name="Прямоугольник 14">
+            <a:extLst>
+              <a:ext uri="{FF2B5EF4-FFF2-40B4-BE49-F238E27FC236}">
+                <a16:creationId xmlns:a16="http://schemas.microsoft.com/office/drawing/2014/main" id="{B6EB86B3-A5D3-4944-BBF6-DDCBE6D3CE5F}"/>
+              </a:ext>
+            </a:extLst>
+          </p:cNvPr>
+          <p:cNvSpPr/>
+          <p:nvPr/>
+        </p:nvSpPr>
+        <p:spPr>
+          <a:xfrm>
+            <a:off x="395536" y="44624"/>
+            <a:ext cx="8712968" cy="338554"/>
+          </a:xfrm>
+          <a:prstGeom prst="rect">
+            <a:avLst/>
+          </a:prstGeom>
+        </p:spPr>
+        <p:txBody>
+          <a:bodyPr wrap="square">
+            <a:spAutoFit/>
+          </a:bodyPr>
+          <a:lstStyle/>
+          <a:p>
+            <a:r>
+              <a:rPr lang="ru-RU" sz="1600" dirty="0">
+                <a:latin typeface="Times New Roman" panose="02020603050405020304" pitchFamily="18" charset="0"/>
+                <a:cs typeface="Times New Roman" panose="02020603050405020304" pitchFamily="18" charset="0"/>
+              </a:rPr>
+              <a:t>Оптимизация локальной компьютерной сети КГБПОУ «ККРИТ», используя технологию VLAN</a:t>
+            </a:r>
+            <a:endParaRPr lang="ru-RU" dirty="0">
+              <a:latin typeface="Times New Roman" panose="02020603050405020304" pitchFamily="18" charset="0"/>
+              <a:cs typeface="Times New Roman" panose="02020603050405020304" pitchFamily="18" charset="0"/>
+            </a:endParaRPr>
+          </a:p>
+        </p:txBody>
+      </p:sp>
     </p:spTree>
     <p:extLst>
       <p:ext uri="{BB962C8B-B14F-4D97-AF65-F5344CB8AC3E}">
@@ -9026,7 +8932,7 @@
         </p:spPr>
         <p:txBody>
           <a:bodyPr>
-            <a:normAutofit fontScale="90000"/>
+            <a:normAutofit/>
           </a:bodyPr>
           <a:lstStyle/>
           <a:p>
@@ -9041,6 +8947,50 @@
               </a:rPr>
               <a:t>Настройка межсетевого экрана</a:t>
             </a:r>
+          </a:p>
+        </p:txBody>
+      </p:sp>
+      <p:sp>
+        <p:nvSpPr>
+          <p:cNvPr id="3" name="Объект 2"/>
+          <p:cNvSpPr>
+            <a:spLocks noGrp="1"/>
+          </p:cNvSpPr>
+          <p:nvPr>
+            <p:ph idx="1"/>
+          </p:nvPr>
+        </p:nvSpPr>
+        <p:spPr>
+          <a:xfrm>
+            <a:off x="179512" y="1124744"/>
+            <a:ext cx="8784976" cy="5256584"/>
+          </a:xfrm>
+        </p:spPr>
+        <p:txBody>
+          <a:bodyPr>
+            <a:normAutofit/>
+          </a:bodyPr>
+          <a:lstStyle/>
+          <a:p>
+            <a:pPr marL="45720" indent="0">
+              <a:buNone/>
+            </a:pPr>
+            <a:r>
+              <a:rPr lang="en-US" dirty="0">
+                <a:latin typeface="Times New Roman" panose="02020603050405020304" pitchFamily="18" charset="0"/>
+                <a:cs typeface="Times New Roman" panose="02020603050405020304" pitchFamily="18" charset="0"/>
+              </a:rPr>
+              <a:t> </a:t>
+            </a:r>
+          </a:p>
+          <a:p>
+            <a:pPr marL="45720" indent="0">
+              <a:buNone/>
+            </a:pPr>
+            <a:endParaRPr lang="ru-RU" dirty="0">
+              <a:latin typeface="Times New Roman" panose="02020603050405020304" pitchFamily="18" charset="0"/>
+              <a:cs typeface="Times New Roman" panose="02020603050405020304" pitchFamily="18" charset="0"/>
+            </a:endParaRPr>
           </a:p>
         </p:txBody>
       </p:sp>
@@ -9075,50 +9025,6 @@
       </p:sp>
       <p:sp>
         <p:nvSpPr>
-          <p:cNvPr id="3" name="Объект 2"/>
-          <p:cNvSpPr>
-            <a:spLocks noGrp="1"/>
-          </p:cNvSpPr>
-          <p:nvPr>
-            <p:ph sz="quarter" idx="1"/>
-          </p:nvPr>
-        </p:nvSpPr>
-        <p:spPr>
-          <a:xfrm>
-            <a:off x="179512" y="1124744"/>
-            <a:ext cx="8784976" cy="5256584"/>
-          </a:xfrm>
-        </p:spPr>
-        <p:txBody>
-          <a:bodyPr>
-            <a:normAutofit/>
-          </a:bodyPr>
-          <a:lstStyle/>
-          <a:p>
-            <a:pPr marL="45720" indent="0">
-              <a:buNone/>
-            </a:pPr>
-            <a:r>
-              <a:rPr lang="en-US" dirty="0">
-                <a:latin typeface="Times New Roman" panose="02020603050405020304" pitchFamily="18" charset="0"/>
-                <a:cs typeface="Times New Roman" panose="02020603050405020304" pitchFamily="18" charset="0"/>
-              </a:rPr>
-              <a:t> </a:t>
-            </a:r>
-          </a:p>
-          <a:p>
-            <a:pPr marL="45720" indent="0">
-              <a:buNone/>
-            </a:pPr>
-            <a:endParaRPr lang="ru-RU" dirty="0">
-              <a:latin typeface="Times New Roman" panose="02020603050405020304" pitchFamily="18" charset="0"/>
-              <a:cs typeface="Times New Roman" panose="02020603050405020304" pitchFamily="18" charset="0"/>
-            </a:endParaRPr>
-          </a:p>
-        </p:txBody>
-      </p:sp>
-      <p:sp>
-        <p:nvSpPr>
           <p:cNvPr id="10" name="Прямоугольник 9">
             <a:extLst>
               <a:ext uri="{FF2B5EF4-FFF2-40B4-BE49-F238E27FC236}">
@@ -9152,48 +9058,6 @@
               </a:rPr>
               <a:t>ФИО студента: Аверяскин Е.В				Группа: 9КС-1.17</a:t>
             </a:r>
-          </a:p>
-        </p:txBody>
-      </p:sp>
-      <p:sp>
-        <p:nvSpPr>
-          <p:cNvPr id="13" name="Прямоугольник 12">
-            <a:extLst>
-              <a:ext uri="{FF2B5EF4-FFF2-40B4-BE49-F238E27FC236}">
-                <a16:creationId xmlns:a16="http://schemas.microsoft.com/office/drawing/2014/main" id="{501F3972-0295-4166-90EB-7A0B474BADAD}"/>
-              </a:ext>
-            </a:extLst>
-          </p:cNvPr>
-          <p:cNvSpPr/>
-          <p:nvPr/>
-        </p:nvSpPr>
-        <p:spPr>
-          <a:xfrm>
-            <a:off x="179512" y="0"/>
-            <a:ext cx="8460432" cy="584775"/>
-          </a:xfrm>
-          <a:prstGeom prst="rect">
-            <a:avLst/>
-          </a:prstGeom>
-        </p:spPr>
-        <p:txBody>
-          <a:bodyPr wrap="square">
-            <a:spAutoFit/>
-          </a:bodyPr>
-          <a:lstStyle/>
-          <a:p>
-            <a:pPr indent="450000"/>
-            <a:r>
-              <a:rPr lang="ru-RU" sz="1600" dirty="0">
-                <a:latin typeface="Times New Roman" panose="02020603050405020304" pitchFamily="18" charset="0"/>
-                <a:cs typeface="Times New Roman" panose="02020603050405020304" pitchFamily="18" charset="0"/>
-              </a:rPr>
-              <a:t>Оптимизация локальной компьютерной сети КГБПОУ «ККРИТ», используя технологию VLAN</a:t>
-            </a:r>
-            <a:endParaRPr lang="ru-RU" dirty="0">
-              <a:latin typeface="Times New Roman" panose="02020603050405020304" pitchFamily="18" charset="0"/>
-              <a:cs typeface="Times New Roman" panose="02020603050405020304" pitchFamily="18" charset="0"/>
-            </a:endParaRPr>
           </a:p>
         </p:txBody>
       </p:sp>
@@ -9370,6 +9234,47 @@
               </a:rPr>
               <a:t>интерфейсам межсетевого экрана</a:t>
             </a:r>
+          </a:p>
+        </p:txBody>
+      </p:sp>
+      <p:sp>
+        <p:nvSpPr>
+          <p:cNvPr id="11" name="Прямоугольник 10">
+            <a:extLst>
+              <a:ext uri="{FF2B5EF4-FFF2-40B4-BE49-F238E27FC236}">
+                <a16:creationId xmlns:a16="http://schemas.microsoft.com/office/drawing/2014/main" id="{46300AFD-302F-4DDB-8A5C-38257819A7C6}"/>
+              </a:ext>
+            </a:extLst>
+          </p:cNvPr>
+          <p:cNvSpPr/>
+          <p:nvPr/>
+        </p:nvSpPr>
+        <p:spPr>
+          <a:xfrm>
+            <a:off x="395536" y="44624"/>
+            <a:ext cx="8712968" cy="338554"/>
+          </a:xfrm>
+          <a:prstGeom prst="rect">
+            <a:avLst/>
+          </a:prstGeom>
+        </p:spPr>
+        <p:txBody>
+          <a:bodyPr wrap="square">
+            <a:spAutoFit/>
+          </a:bodyPr>
+          <a:lstStyle/>
+          <a:p>
+            <a:r>
+              <a:rPr lang="ru-RU" sz="1600" dirty="0">
+                <a:latin typeface="Times New Roman" panose="02020603050405020304" pitchFamily="18" charset="0"/>
+                <a:cs typeface="Times New Roman" panose="02020603050405020304" pitchFamily="18" charset="0"/>
+              </a:rPr>
+              <a:t>Оптимизация локальной компьютерной сети КГБПОУ «ККРИТ», используя технологию VLAN</a:t>
+            </a:r>
+            <a:endParaRPr lang="ru-RU" dirty="0">
+              <a:latin typeface="Times New Roman" panose="02020603050405020304" pitchFamily="18" charset="0"/>
+              <a:cs typeface="Times New Roman" panose="02020603050405020304" pitchFamily="18" charset="0"/>
+            </a:endParaRPr>
           </a:p>
         </p:txBody>
       </p:sp>
@@ -9470,48 +9375,6 @@
           </a:p>
         </p:txBody>
       </p:sp>
-      <p:sp>
-        <p:nvSpPr>
-          <p:cNvPr id="12" name="Прямоугольник 11">
-            <a:extLst>
-              <a:ext uri="{FF2B5EF4-FFF2-40B4-BE49-F238E27FC236}">
-                <a16:creationId xmlns:a16="http://schemas.microsoft.com/office/drawing/2014/main" id="{191EC200-4F6F-4183-B334-4867C19DEDB3}"/>
-              </a:ext>
-            </a:extLst>
-          </p:cNvPr>
-          <p:cNvSpPr/>
-          <p:nvPr/>
-        </p:nvSpPr>
-        <p:spPr>
-          <a:xfrm>
-            <a:off x="179512" y="0"/>
-            <a:ext cx="8460432" cy="584775"/>
-          </a:xfrm>
-          <a:prstGeom prst="rect">
-            <a:avLst/>
-          </a:prstGeom>
-        </p:spPr>
-        <p:txBody>
-          <a:bodyPr wrap="square">
-            <a:spAutoFit/>
-          </a:bodyPr>
-          <a:lstStyle/>
-          <a:p>
-            <a:pPr indent="450000"/>
-            <a:r>
-              <a:rPr lang="ru-RU" sz="1600" dirty="0">
-                <a:latin typeface="Times New Roman" panose="02020603050405020304" pitchFamily="18" charset="0"/>
-                <a:cs typeface="Times New Roman" panose="02020603050405020304" pitchFamily="18" charset="0"/>
-              </a:rPr>
-              <a:t>Оптимизация локальной компьютерной сети КГБПОУ «ККРИТ», используя технологию VLAN</a:t>
-            </a:r>
-            <a:endParaRPr lang="ru-RU" dirty="0">
-              <a:latin typeface="Times New Roman" panose="02020603050405020304" pitchFamily="18" charset="0"/>
-              <a:cs typeface="Times New Roman" panose="02020603050405020304" pitchFamily="18" charset="0"/>
-            </a:endParaRPr>
-          </a:p>
-        </p:txBody>
-      </p:sp>
       <p:pic>
         <p:nvPicPr>
           <p:cNvPr id="21" name="Рисунок 20">
@@ -9714,6 +9577,47 @@
                 <a:cs typeface="Times New Roman" panose="02020603050405020304" pitchFamily="18" charset="0"/>
               </a:rPr>
               <a:t>NAT</a:t>
+            </a:r>
+            <a:endParaRPr lang="ru-RU" dirty="0">
+              <a:latin typeface="Times New Roman" panose="02020603050405020304" pitchFamily="18" charset="0"/>
+              <a:cs typeface="Times New Roman" panose="02020603050405020304" pitchFamily="18" charset="0"/>
+            </a:endParaRPr>
+          </a:p>
+        </p:txBody>
+      </p:sp>
+      <p:sp>
+        <p:nvSpPr>
+          <p:cNvPr id="10" name="Прямоугольник 9">
+            <a:extLst>
+              <a:ext uri="{FF2B5EF4-FFF2-40B4-BE49-F238E27FC236}">
+                <a16:creationId xmlns:a16="http://schemas.microsoft.com/office/drawing/2014/main" id="{22691769-8859-4532-BAF0-106C4E9E86C7}"/>
+              </a:ext>
+            </a:extLst>
+          </p:cNvPr>
+          <p:cNvSpPr/>
+          <p:nvPr/>
+        </p:nvSpPr>
+        <p:spPr>
+          <a:xfrm>
+            <a:off x="395536" y="44624"/>
+            <a:ext cx="8712968" cy="338554"/>
+          </a:xfrm>
+          <a:prstGeom prst="rect">
+            <a:avLst/>
+          </a:prstGeom>
+        </p:spPr>
+        <p:txBody>
+          <a:bodyPr wrap="square">
+            <a:spAutoFit/>
+          </a:bodyPr>
+          <a:lstStyle/>
+          <a:p>
+            <a:r>
+              <a:rPr lang="ru-RU" sz="1600" dirty="0">
+                <a:latin typeface="Times New Roman" panose="02020603050405020304" pitchFamily="18" charset="0"/>
+                <a:cs typeface="Times New Roman" panose="02020603050405020304" pitchFamily="18" charset="0"/>
+              </a:rPr>
+              <a:t>Оптимизация локальной компьютерной сети КГБПОУ «ККРИТ», используя технологию VLAN</a:t>
             </a:r>
             <a:endParaRPr lang="ru-RU" dirty="0">
               <a:latin typeface="Times New Roman" panose="02020603050405020304" pitchFamily="18" charset="0"/>
@@ -9754,6 +9658,48 @@
       </p:grpSpPr>
       <p:sp>
         <p:nvSpPr>
+          <p:cNvPr id="22" name="Заголовок 1">
+            <a:extLst>
+              <a:ext uri="{FF2B5EF4-FFF2-40B4-BE49-F238E27FC236}">
+                <a16:creationId xmlns:a16="http://schemas.microsoft.com/office/drawing/2014/main" id="{B0EF527E-2EA6-4AEC-8796-885B7D19D815}"/>
+              </a:ext>
+            </a:extLst>
+          </p:cNvPr>
+          <p:cNvSpPr>
+            <a:spLocks noGrp="1"/>
+          </p:cNvSpPr>
+          <p:nvPr>
+            <p:ph type="title"/>
+          </p:nvPr>
+        </p:nvSpPr>
+        <p:spPr>
+          <a:xfrm>
+            <a:off x="914400" y="548680"/>
+            <a:ext cx="7315200" cy="565956"/>
+          </a:xfrm>
+        </p:spPr>
+        <p:txBody>
+          <a:bodyPr>
+            <a:normAutofit/>
+          </a:bodyPr>
+          <a:lstStyle/>
+          <a:p>
+            <a:pPr algn="ctr"/>
+            <a:r>
+              <a:rPr lang="ru-RU" sz="3200" dirty="0">
+                <a:solidFill>
+                  <a:schemeClr val="tx1"/>
+                </a:solidFill>
+                <a:latin typeface="Times New Roman" panose="02020603050405020304" pitchFamily="18" charset="0"/>
+                <a:cs typeface="Times New Roman" panose="02020603050405020304" pitchFamily="18" charset="0"/>
+              </a:rPr>
+              <a:t>Настройка межсетевого экрана</a:t>
+            </a:r>
+          </a:p>
+        </p:txBody>
+      </p:sp>
+      <p:sp>
+        <p:nvSpPr>
           <p:cNvPr id="7" name="Номер слайда 6"/>
           <p:cNvSpPr>
             <a:spLocks noGrp="1"/>
@@ -9816,48 +9762,6 @@
               </a:rPr>
               <a:t>ФИО студента: Аверяскин Е.В				Группа: 9КС-1.17</a:t>
             </a:r>
-          </a:p>
-        </p:txBody>
-      </p:sp>
-      <p:sp>
-        <p:nvSpPr>
-          <p:cNvPr id="15" name="Прямоугольник 14">
-            <a:extLst>
-              <a:ext uri="{FF2B5EF4-FFF2-40B4-BE49-F238E27FC236}">
-                <a16:creationId xmlns:a16="http://schemas.microsoft.com/office/drawing/2014/main" id="{6CE4DC85-84DF-48A5-98BD-D91433018B89}"/>
-              </a:ext>
-            </a:extLst>
-          </p:cNvPr>
-          <p:cNvSpPr/>
-          <p:nvPr/>
-        </p:nvSpPr>
-        <p:spPr>
-          <a:xfrm>
-            <a:off x="179512" y="0"/>
-            <a:ext cx="8460432" cy="584775"/>
-          </a:xfrm>
-          <a:prstGeom prst="rect">
-            <a:avLst/>
-          </a:prstGeom>
-        </p:spPr>
-        <p:txBody>
-          <a:bodyPr wrap="square">
-            <a:spAutoFit/>
-          </a:bodyPr>
-          <a:lstStyle/>
-          <a:p>
-            <a:pPr indent="450000"/>
-            <a:r>
-              <a:rPr lang="ru-RU" sz="1600" dirty="0">
-                <a:latin typeface="Times New Roman" panose="02020603050405020304" pitchFamily="18" charset="0"/>
-                <a:cs typeface="Times New Roman" panose="02020603050405020304" pitchFamily="18" charset="0"/>
-              </a:rPr>
-              <a:t>Оптимизация локальной компьютерной сети КГБПОУ «ККРИТ», используя технологию VLAN</a:t>
-            </a:r>
-            <a:endParaRPr lang="ru-RU" dirty="0">
-              <a:latin typeface="Times New Roman" panose="02020603050405020304" pitchFamily="18" charset="0"/>
-              <a:cs typeface="Times New Roman" panose="02020603050405020304" pitchFamily="18" charset="0"/>
-            </a:endParaRPr>
           </a:p>
         </p:txBody>
       </p:sp>
@@ -9917,48 +9821,6 @@
           </a:prstGeom>
         </p:spPr>
       </p:pic>
-      <p:sp>
-        <p:nvSpPr>
-          <p:cNvPr id="22" name="Заголовок 1">
-            <a:extLst>
-              <a:ext uri="{FF2B5EF4-FFF2-40B4-BE49-F238E27FC236}">
-                <a16:creationId xmlns:a16="http://schemas.microsoft.com/office/drawing/2014/main" id="{B0EF527E-2EA6-4AEC-8796-885B7D19D815}"/>
-              </a:ext>
-            </a:extLst>
-          </p:cNvPr>
-          <p:cNvSpPr>
-            <a:spLocks noGrp="1"/>
-          </p:cNvSpPr>
-          <p:nvPr>
-            <p:ph type="title"/>
-          </p:nvPr>
-        </p:nvSpPr>
-        <p:spPr>
-          <a:xfrm>
-            <a:off x="914400" y="548680"/>
-            <a:ext cx="7315200" cy="565956"/>
-          </a:xfrm>
-        </p:spPr>
-        <p:txBody>
-          <a:bodyPr>
-            <a:normAutofit fontScale="90000"/>
-          </a:bodyPr>
-          <a:lstStyle/>
-          <a:p>
-            <a:pPr algn="ctr"/>
-            <a:r>
-              <a:rPr lang="ru-RU" sz="3200" dirty="0">
-                <a:solidFill>
-                  <a:schemeClr val="tx1"/>
-                </a:solidFill>
-                <a:latin typeface="Times New Roman" panose="02020603050405020304" pitchFamily="18" charset="0"/>
-                <a:cs typeface="Times New Roman" panose="02020603050405020304" pitchFamily="18" charset="0"/>
-              </a:rPr>
-              <a:t>Настройка межсетевого экрана</a:t>
-            </a:r>
-          </a:p>
-        </p:txBody>
-      </p:sp>
       <p:sp>
         <p:nvSpPr>
           <p:cNvPr id="23" name="TextBox 22">
@@ -10145,6 +10007,47 @@
           </a:p>
         </p:txBody>
       </p:sp>
+      <p:sp>
+        <p:nvSpPr>
+          <p:cNvPr id="12" name="Прямоугольник 11">
+            <a:extLst>
+              <a:ext uri="{FF2B5EF4-FFF2-40B4-BE49-F238E27FC236}">
+                <a16:creationId xmlns:a16="http://schemas.microsoft.com/office/drawing/2014/main" id="{91941090-3EFD-4B8C-B840-B3A493375026}"/>
+              </a:ext>
+            </a:extLst>
+          </p:cNvPr>
+          <p:cNvSpPr/>
+          <p:nvPr/>
+        </p:nvSpPr>
+        <p:spPr>
+          <a:xfrm>
+            <a:off x="395536" y="44624"/>
+            <a:ext cx="8712968" cy="338554"/>
+          </a:xfrm>
+          <a:prstGeom prst="rect">
+            <a:avLst/>
+          </a:prstGeom>
+        </p:spPr>
+        <p:txBody>
+          <a:bodyPr wrap="square">
+            <a:spAutoFit/>
+          </a:bodyPr>
+          <a:lstStyle/>
+          <a:p>
+            <a:r>
+              <a:rPr lang="ru-RU" sz="1600" dirty="0">
+                <a:latin typeface="Times New Roman" panose="02020603050405020304" pitchFamily="18" charset="0"/>
+                <a:cs typeface="Times New Roman" panose="02020603050405020304" pitchFamily="18" charset="0"/>
+              </a:rPr>
+              <a:t>Оптимизация локальной компьютерной сети КГБПОУ «ККРИТ», используя технологию VLAN</a:t>
+            </a:r>
+            <a:endParaRPr lang="ru-RU" dirty="0">
+              <a:latin typeface="Times New Roman" panose="02020603050405020304" pitchFamily="18" charset="0"/>
+              <a:cs typeface="Times New Roman" panose="02020603050405020304" pitchFamily="18" charset="0"/>
+            </a:endParaRPr>
+          </a:p>
+        </p:txBody>
+      </p:sp>
     </p:spTree>
     <p:extLst>
       <p:ext uri="{BB962C8B-B14F-4D97-AF65-F5344CB8AC3E}">
@@ -10177,6 +10080,48 @@
       </p:grpSpPr>
       <p:sp>
         <p:nvSpPr>
+          <p:cNvPr id="22" name="Заголовок 1">
+            <a:extLst>
+              <a:ext uri="{FF2B5EF4-FFF2-40B4-BE49-F238E27FC236}">
+                <a16:creationId xmlns:a16="http://schemas.microsoft.com/office/drawing/2014/main" id="{F5AD8380-58D4-4A92-9AFB-98FC1DD83265}"/>
+              </a:ext>
+            </a:extLst>
+          </p:cNvPr>
+          <p:cNvSpPr>
+            <a:spLocks noGrp="1"/>
+          </p:cNvSpPr>
+          <p:nvPr>
+            <p:ph type="title"/>
+          </p:nvPr>
+        </p:nvSpPr>
+        <p:spPr>
+          <a:xfrm>
+            <a:off x="914400" y="548680"/>
+            <a:ext cx="7315200" cy="565956"/>
+          </a:xfrm>
+        </p:spPr>
+        <p:txBody>
+          <a:bodyPr>
+            <a:normAutofit/>
+          </a:bodyPr>
+          <a:lstStyle/>
+          <a:p>
+            <a:pPr algn="ctr"/>
+            <a:r>
+              <a:rPr lang="ru-RU" sz="3200" dirty="0">
+                <a:solidFill>
+                  <a:schemeClr val="tx1"/>
+                </a:solidFill>
+                <a:latin typeface="Times New Roman" panose="02020603050405020304" pitchFamily="18" charset="0"/>
+                <a:cs typeface="Times New Roman" panose="02020603050405020304" pitchFamily="18" charset="0"/>
+              </a:rPr>
+              <a:t>Настройка коммутаторов</a:t>
+            </a:r>
+          </a:p>
+        </p:txBody>
+      </p:sp>
+      <p:sp>
+        <p:nvSpPr>
           <p:cNvPr id="4" name="Номер слайда 3"/>
           <p:cNvSpPr>
             <a:spLocks noGrp="1"/>
@@ -10239,48 +10184,6 @@
               </a:rPr>
               <a:t>ФИО студента: Аверяскин Е.В				Группа: 9КС-1.17</a:t>
             </a:r>
-          </a:p>
-        </p:txBody>
-      </p:sp>
-      <p:sp>
-        <p:nvSpPr>
-          <p:cNvPr id="14" name="Прямоугольник 13">
-            <a:extLst>
-              <a:ext uri="{FF2B5EF4-FFF2-40B4-BE49-F238E27FC236}">
-                <a16:creationId xmlns:a16="http://schemas.microsoft.com/office/drawing/2014/main" id="{4F2C8529-462F-4362-93D7-B2BD2B8C3355}"/>
-              </a:ext>
-            </a:extLst>
-          </p:cNvPr>
-          <p:cNvSpPr/>
-          <p:nvPr/>
-        </p:nvSpPr>
-        <p:spPr>
-          <a:xfrm>
-            <a:off x="179512" y="0"/>
-            <a:ext cx="8460432" cy="584775"/>
-          </a:xfrm>
-          <a:prstGeom prst="rect">
-            <a:avLst/>
-          </a:prstGeom>
-        </p:spPr>
-        <p:txBody>
-          <a:bodyPr wrap="square">
-            <a:spAutoFit/>
-          </a:bodyPr>
-          <a:lstStyle/>
-          <a:p>
-            <a:pPr indent="450000"/>
-            <a:r>
-              <a:rPr lang="ru-RU" sz="1600" dirty="0">
-                <a:latin typeface="Times New Roman" panose="02020603050405020304" pitchFamily="18" charset="0"/>
-                <a:cs typeface="Times New Roman" panose="02020603050405020304" pitchFamily="18" charset="0"/>
-              </a:rPr>
-              <a:t>Оптимизация локальной компьютерной сети КГБПОУ «ККРИТ», используя технологию VLAN</a:t>
-            </a:r>
-            <a:endParaRPr lang="ru-RU" dirty="0">
-              <a:latin typeface="Times New Roman" panose="02020603050405020304" pitchFamily="18" charset="0"/>
-              <a:cs typeface="Times New Roman" panose="02020603050405020304" pitchFamily="18" charset="0"/>
-            </a:endParaRPr>
           </a:p>
         </p:txBody>
       </p:sp>
@@ -10464,48 +10367,6 @@
       </p:pic>
       <p:sp>
         <p:nvSpPr>
-          <p:cNvPr id="22" name="Заголовок 1">
-            <a:extLst>
-              <a:ext uri="{FF2B5EF4-FFF2-40B4-BE49-F238E27FC236}">
-                <a16:creationId xmlns:a16="http://schemas.microsoft.com/office/drawing/2014/main" id="{F5AD8380-58D4-4A92-9AFB-98FC1DD83265}"/>
-              </a:ext>
-            </a:extLst>
-          </p:cNvPr>
-          <p:cNvSpPr>
-            <a:spLocks noGrp="1"/>
-          </p:cNvSpPr>
-          <p:nvPr>
-            <p:ph type="title"/>
-          </p:nvPr>
-        </p:nvSpPr>
-        <p:spPr>
-          <a:xfrm>
-            <a:off x="914400" y="548680"/>
-            <a:ext cx="7315200" cy="565956"/>
-          </a:xfrm>
-        </p:spPr>
-        <p:txBody>
-          <a:bodyPr>
-            <a:normAutofit fontScale="90000"/>
-          </a:bodyPr>
-          <a:lstStyle/>
-          <a:p>
-            <a:pPr algn="ctr"/>
-            <a:r>
-              <a:rPr lang="ru-RU" sz="3200" dirty="0">
-                <a:solidFill>
-                  <a:schemeClr val="tx1"/>
-                </a:solidFill>
-                <a:latin typeface="Times New Roman" panose="02020603050405020304" pitchFamily="18" charset="0"/>
-                <a:cs typeface="Times New Roman" panose="02020603050405020304" pitchFamily="18" charset="0"/>
-              </a:rPr>
-              <a:t>Настройка коммутаторов</a:t>
-            </a:r>
-          </a:p>
-        </p:txBody>
-      </p:sp>
-      <p:sp>
-        <p:nvSpPr>
           <p:cNvPr id="23" name="TextBox 22">
             <a:extLst>
               <a:ext uri="{FF2B5EF4-FFF2-40B4-BE49-F238E27FC236}">
@@ -10716,6 +10577,47 @@
                 <a:cs typeface="Times New Roman" panose="02020603050405020304" pitchFamily="18" charset="0"/>
               </a:rPr>
               <a:t>VLAN 8</a:t>
+            </a:r>
+            <a:endParaRPr lang="ru-RU" dirty="0">
+              <a:latin typeface="Times New Roman" panose="02020603050405020304" pitchFamily="18" charset="0"/>
+              <a:cs typeface="Times New Roman" panose="02020603050405020304" pitchFamily="18" charset="0"/>
+            </a:endParaRPr>
+          </a:p>
+        </p:txBody>
+      </p:sp>
+      <p:sp>
+        <p:nvSpPr>
+          <p:cNvPr id="15" name="Прямоугольник 14">
+            <a:extLst>
+              <a:ext uri="{FF2B5EF4-FFF2-40B4-BE49-F238E27FC236}">
+                <a16:creationId xmlns:a16="http://schemas.microsoft.com/office/drawing/2014/main" id="{3B701D58-9F12-47B8-9F8A-5BC6B254E650}"/>
+              </a:ext>
+            </a:extLst>
+          </p:cNvPr>
+          <p:cNvSpPr/>
+          <p:nvPr/>
+        </p:nvSpPr>
+        <p:spPr>
+          <a:xfrm>
+            <a:off x="395536" y="44624"/>
+            <a:ext cx="8712968" cy="338554"/>
+          </a:xfrm>
+          <a:prstGeom prst="rect">
+            <a:avLst/>
+          </a:prstGeom>
+        </p:spPr>
+        <p:txBody>
+          <a:bodyPr wrap="square">
+            <a:spAutoFit/>
+          </a:bodyPr>
+          <a:lstStyle/>
+          <a:p>
+            <a:r>
+              <a:rPr lang="ru-RU" sz="1600" dirty="0">
+                <a:latin typeface="Times New Roman" panose="02020603050405020304" pitchFamily="18" charset="0"/>
+                <a:cs typeface="Times New Roman" panose="02020603050405020304" pitchFamily="18" charset="0"/>
+              </a:rPr>
+              <a:t>Оптимизация локальной компьютерной сети КГБПОУ «ККРИТ», используя технологию VLAN</a:t>
             </a:r>
             <a:endParaRPr lang="ru-RU" dirty="0">
               <a:latin typeface="Times New Roman" panose="02020603050405020304" pitchFamily="18" charset="0"/>
@@ -10756,6 +10658,65 @@
       </p:grpSpPr>
       <p:sp>
         <p:nvSpPr>
+          <p:cNvPr id="23" name="Заголовок 1">
+            <a:extLst>
+              <a:ext uri="{FF2B5EF4-FFF2-40B4-BE49-F238E27FC236}">
+                <a16:creationId xmlns:a16="http://schemas.microsoft.com/office/drawing/2014/main" id="{1D85C173-C4A9-4426-B317-0A8CEB44848C}"/>
+              </a:ext>
+            </a:extLst>
+          </p:cNvPr>
+          <p:cNvSpPr>
+            <a:spLocks noGrp="1"/>
+          </p:cNvSpPr>
+          <p:nvPr>
+            <p:ph type="title"/>
+          </p:nvPr>
+        </p:nvSpPr>
+        <p:spPr>
+          <a:xfrm>
+            <a:off x="914400" y="377444"/>
+            <a:ext cx="7315200" cy="565956"/>
+          </a:xfrm>
+        </p:spPr>
+        <p:txBody>
+          <a:bodyPr>
+            <a:normAutofit/>
+          </a:bodyPr>
+          <a:lstStyle/>
+          <a:p>
+            <a:pPr algn="ctr"/>
+            <a:r>
+              <a:rPr lang="ru-RU" sz="3200" dirty="0">
+                <a:solidFill>
+                  <a:schemeClr val="tx1"/>
+                </a:solidFill>
+                <a:latin typeface="Times New Roman" panose="02020603050405020304" pitchFamily="18" charset="0"/>
+                <a:cs typeface="Times New Roman" panose="02020603050405020304" pitchFamily="18" charset="0"/>
+              </a:rPr>
+              <a:t>Настройка </a:t>
+            </a:r>
+            <a:r>
+              <a:rPr lang="en-US" sz="3200" dirty="0">
+                <a:solidFill>
+                  <a:schemeClr val="tx1"/>
+                </a:solidFill>
+                <a:latin typeface="Times New Roman" panose="02020603050405020304" pitchFamily="18" charset="0"/>
+                <a:cs typeface="Times New Roman" panose="02020603050405020304" pitchFamily="18" charset="0"/>
+              </a:rPr>
+              <a:t>Windows Server 2016</a:t>
+            </a:r>
+            <a:endParaRPr lang="ru-RU" sz="3200" dirty="0">
+              <a:solidFill>
+                <a:schemeClr val="tx1"/>
+              </a:solidFill>
+              <a:latin typeface="Times New Roman" panose="02020603050405020304" pitchFamily="18" charset="0"/>
+              <a:cs typeface="Times New Roman" panose="02020603050405020304" pitchFamily="18" charset="0"/>
+            </a:endParaRPr>
+          </a:p>
+        </p:txBody>
+      </p:sp>
+      <p:sp>
+        <p:nvSpPr>
           <p:cNvPr id="7" name="Номер слайда 6"/>
           <p:cNvSpPr>
             <a:spLocks noGrp="1"/>
@@ -10793,7 +10754,7 @@
         </p:nvSpPr>
         <p:spPr bwMode="auto">
           <a:xfrm>
-            <a:off x="0" y="0"/>
+            <a:off x="167562" y="150733"/>
             <a:ext cx="9144000" cy="457200"/>
           </a:xfrm>
           <a:prstGeom prst="rect">
@@ -10947,48 +10908,6 @@
           </a:p>
         </p:txBody>
       </p:sp>
-      <p:sp>
-        <p:nvSpPr>
-          <p:cNvPr id="17" name="Прямоугольник 16">
-            <a:extLst>
-              <a:ext uri="{FF2B5EF4-FFF2-40B4-BE49-F238E27FC236}">
-                <a16:creationId xmlns:a16="http://schemas.microsoft.com/office/drawing/2014/main" id="{3AE0AAE6-890A-4BDA-BB61-63C0048C051E}"/>
-              </a:ext>
-            </a:extLst>
-          </p:cNvPr>
-          <p:cNvSpPr/>
-          <p:nvPr/>
-        </p:nvSpPr>
-        <p:spPr>
-          <a:xfrm>
-            <a:off x="179512" y="0"/>
-            <a:ext cx="8460432" cy="584775"/>
-          </a:xfrm>
-          <a:prstGeom prst="rect">
-            <a:avLst/>
-          </a:prstGeom>
-        </p:spPr>
-        <p:txBody>
-          <a:bodyPr wrap="square">
-            <a:spAutoFit/>
-          </a:bodyPr>
-          <a:lstStyle/>
-          <a:p>
-            <a:pPr indent="450000"/>
-            <a:r>
-              <a:rPr lang="ru-RU" sz="1600" dirty="0">
-                <a:latin typeface="Times New Roman" panose="02020603050405020304" pitchFamily="18" charset="0"/>
-                <a:cs typeface="Times New Roman" panose="02020603050405020304" pitchFamily="18" charset="0"/>
-              </a:rPr>
-              <a:t>Оптимизация локальной компьютерной сети КГБПОУ «ККРИТ», используя технологию VLAN</a:t>
-            </a:r>
-            <a:endParaRPr lang="ru-RU" dirty="0">
-              <a:latin typeface="Times New Roman" panose="02020603050405020304" pitchFamily="18" charset="0"/>
-              <a:cs typeface="Times New Roman" panose="02020603050405020304" pitchFamily="18" charset="0"/>
-            </a:endParaRPr>
-          </a:p>
-        </p:txBody>
-      </p:sp>
       <p:pic>
         <p:nvPicPr>
           <p:cNvPr id="19" name="Рисунок 18">
@@ -11014,7 +10933,7 @@
         </p:blipFill>
         <p:spPr bwMode="auto">
           <a:xfrm>
-            <a:off x="276861" y="889022"/>
+            <a:off x="276861" y="908720"/>
             <a:ext cx="4932680" cy="1849755"/>
           </a:xfrm>
           <a:prstGeom prst="rect">
@@ -11124,65 +11043,6 @@
       </p:pic>
       <p:sp>
         <p:nvSpPr>
-          <p:cNvPr id="23" name="Заголовок 1">
-            <a:extLst>
-              <a:ext uri="{FF2B5EF4-FFF2-40B4-BE49-F238E27FC236}">
-                <a16:creationId xmlns:a16="http://schemas.microsoft.com/office/drawing/2014/main" id="{1D85C173-C4A9-4426-B317-0A8CEB44848C}"/>
-              </a:ext>
-            </a:extLst>
-          </p:cNvPr>
-          <p:cNvSpPr>
-            <a:spLocks noGrp="1"/>
-          </p:cNvSpPr>
-          <p:nvPr>
-            <p:ph type="title"/>
-          </p:nvPr>
-        </p:nvSpPr>
-        <p:spPr>
-          <a:xfrm>
-            <a:off x="914400" y="548680"/>
-            <a:ext cx="7315200" cy="565956"/>
-          </a:xfrm>
-        </p:spPr>
-        <p:txBody>
-          <a:bodyPr>
-            <a:normAutofit fontScale="90000"/>
-          </a:bodyPr>
-          <a:lstStyle/>
-          <a:p>
-            <a:pPr algn="ctr"/>
-            <a:r>
-              <a:rPr lang="ru-RU" sz="3200" dirty="0">
-                <a:solidFill>
-                  <a:schemeClr val="tx1"/>
-                </a:solidFill>
-                <a:latin typeface="Times New Roman" panose="02020603050405020304" pitchFamily="18" charset="0"/>
-                <a:cs typeface="Times New Roman" panose="02020603050405020304" pitchFamily="18" charset="0"/>
-              </a:rPr>
-              <a:t>Настройка </a:t>
-            </a:r>
-            <a:r>
-              <a:rPr lang="en-US" sz="3200" dirty="0">
-                <a:solidFill>
-                  <a:schemeClr val="tx1"/>
-                </a:solidFill>
-                <a:latin typeface="Times New Roman" panose="02020603050405020304" pitchFamily="18" charset="0"/>
-                <a:cs typeface="Times New Roman" panose="02020603050405020304" pitchFamily="18" charset="0"/>
-              </a:rPr>
-              <a:t>Windows Server 2016</a:t>
-            </a:r>
-            <a:endParaRPr lang="ru-RU" sz="3200" dirty="0">
-              <a:solidFill>
-                <a:schemeClr val="tx1"/>
-              </a:solidFill>
-              <a:latin typeface="Times New Roman" panose="02020603050405020304" pitchFamily="18" charset="0"/>
-              <a:cs typeface="Times New Roman" panose="02020603050405020304" pitchFamily="18" charset="0"/>
-            </a:endParaRPr>
-          </a:p>
-        </p:txBody>
-      </p:sp>
-      <p:sp>
-        <p:nvSpPr>
           <p:cNvPr id="24" name="TextBox 23">
             <a:extLst>
               <a:ext uri="{FF2B5EF4-FFF2-40B4-BE49-F238E27FC236}">
@@ -11401,6 +11261,47 @@
                 <a:cs typeface="Times New Roman" panose="02020603050405020304" pitchFamily="18" charset="0"/>
               </a:rPr>
               <a:t>DHCP</a:t>
+            </a:r>
+            <a:endParaRPr lang="ru-RU" dirty="0">
+              <a:latin typeface="Times New Roman" panose="02020603050405020304" pitchFamily="18" charset="0"/>
+              <a:cs typeface="Times New Roman" panose="02020603050405020304" pitchFamily="18" charset="0"/>
+            </a:endParaRPr>
+          </a:p>
+        </p:txBody>
+      </p:sp>
+      <p:sp>
+        <p:nvSpPr>
+          <p:cNvPr id="16" name="Прямоугольник 15">
+            <a:extLst>
+              <a:ext uri="{FF2B5EF4-FFF2-40B4-BE49-F238E27FC236}">
+                <a16:creationId xmlns:a16="http://schemas.microsoft.com/office/drawing/2014/main" id="{3A59766C-BCD6-4B26-B920-1BD6A75F34B6}"/>
+              </a:ext>
+            </a:extLst>
+          </p:cNvPr>
+          <p:cNvSpPr/>
+          <p:nvPr/>
+        </p:nvSpPr>
+        <p:spPr>
+          <a:xfrm>
+            <a:off x="395536" y="44624"/>
+            <a:ext cx="8712968" cy="338554"/>
+          </a:xfrm>
+          <a:prstGeom prst="rect">
+            <a:avLst/>
+          </a:prstGeom>
+        </p:spPr>
+        <p:txBody>
+          <a:bodyPr wrap="square">
+            <a:spAutoFit/>
+          </a:bodyPr>
+          <a:lstStyle/>
+          <a:p>
+            <a:r>
+              <a:rPr lang="ru-RU" sz="1600" dirty="0">
+                <a:latin typeface="Times New Roman" panose="02020603050405020304" pitchFamily="18" charset="0"/>
+                <a:cs typeface="Times New Roman" panose="02020603050405020304" pitchFamily="18" charset="0"/>
+              </a:rPr>
+              <a:t>Оптимизация локальной компьютерной сети КГБПОУ «ККРИТ», используя технологию VLAN</a:t>
             </a:r>
             <a:endParaRPr lang="ru-RU" dirty="0">
               <a:latin typeface="Times New Roman" panose="02020603050405020304" pitchFamily="18" charset="0"/>
@@ -11423,9 +11324,9 @@
 </file>
 
 <file path=ppt/theme/theme1.xml><?xml version="1.0" encoding="utf-8"?>
-<a:theme xmlns:a="http://schemas.openxmlformats.org/drawingml/2006/main" name="Справедливость">
+<a:theme xmlns:a="http://schemas.openxmlformats.org/drawingml/2006/main" name="Тема Office">
   <a:themeElements>
-    <a:clrScheme name="Справедливость">
+    <a:clrScheme name="Стандартная">
       <a:dk1>
         <a:sysClr val="windowText" lastClr="000000"/>
       </a:dk1>
@@ -11433,86 +11334,48 @@
         <a:sysClr val="window" lastClr="FFFFFF"/>
       </a:lt1>
       <a:dk2>
-        <a:srgbClr val="696464"/>
+        <a:srgbClr val="44546A"/>
       </a:dk2>
       <a:lt2>
-        <a:srgbClr val="E9E5DC"/>
+        <a:srgbClr val="E7E6E6"/>
       </a:lt2>
       <a:accent1>
-        <a:srgbClr val="D34817"/>
+        <a:srgbClr val="4472C4"/>
       </a:accent1>
       <a:accent2>
-        <a:srgbClr val="9B2D1F"/>
+        <a:srgbClr val="ED7D31"/>
       </a:accent2>
       <a:accent3>
-        <a:srgbClr val="A28E6A"/>
+        <a:srgbClr val="A5A5A5"/>
       </a:accent3>
       <a:accent4>
-        <a:srgbClr val="956251"/>
+        <a:srgbClr val="FFC000"/>
       </a:accent4>
       <a:accent5>
-        <a:srgbClr val="918485"/>
+        <a:srgbClr val="5B9BD5"/>
       </a:accent5>
       <a:accent6>
-        <a:srgbClr val="855D5D"/>
+        <a:srgbClr val="70AD47"/>
       </a:accent6>
       <a:hlink>
-        <a:srgbClr val="CC9900"/>
+        <a:srgbClr val="0563C1"/>
       </a:hlink>
       <a:folHlink>
-        <a:srgbClr val="96A9A9"/>
+        <a:srgbClr val="954F72"/>
       </a:folHlink>
     </a:clrScheme>
-    <a:fontScheme name="Справедливость">
+    <a:fontScheme name="Стандартная">
       <a:majorFont>
-        <a:latin typeface="Franklin Gothic Book"/>
+        <a:latin typeface="Calibri Light" panose="020F0302020204030204"/>
         <a:ea typeface=""/>
         <a:cs typeface=""/>
-        <a:font script="Grek" typeface="Calibri"/>
-        <a:font script="Cyrl" typeface="Calibri"/>
-        <a:font script="Jpan" typeface="HGｺﾞｼｯｸM"/>
-        <a:font script="Hang" typeface="바탕"/>
-        <a:font script="Hans" typeface="幼圆"/>
-        <a:font script="Hant" typeface="微軟正黑體"/>
-        <a:font script="Arab" typeface="Tahoma"/>
-        <a:font script="Hebr" typeface="Aharoni"/>
-        <a:font script="Thai" typeface="LilyUPC"/>
-        <a:font script="Ethi" typeface="Nyala"/>
-        <a:font script="Beng" typeface="Vrinda"/>
-        <a:font script="Gujr" typeface="Shruti"/>
-        <a:font script="Khmr" typeface="DaunPenh"/>
-        <a:font script="Knda" typeface="Tunga"/>
-        <a:font script="Guru" typeface="Raavi"/>
-        <a:font script="Cans" typeface="Euphemia"/>
-        <a:font script="Cher" typeface="Plantagenet Cherokee"/>
-        <a:font script="Yiii" typeface="Microsoft Yi Baiti"/>
-        <a:font script="Tibt" typeface="Microsoft Himalaya"/>
-        <a:font script="Thaa" typeface="MV Boli"/>
-        <a:font script="Deva" typeface="Mangal"/>
-        <a:font script="Telu" typeface="Gautami"/>
-        <a:font script="Taml" typeface="Latha"/>
-        <a:font script="Syrc" typeface="Estrangelo Edessa"/>
-        <a:font script="Orya" typeface="Kalinga"/>
-        <a:font script="Mlym" typeface="Kartika"/>
-        <a:font script="Laoo" typeface="DokChampa"/>
-        <a:font script="Sinh" typeface="Iskoola Pota"/>
-        <a:font script="Mong" typeface="Mongolian Baiti"/>
-        <a:font script="Viet" typeface="Tahoma"/>
-        <a:font script="Uigh" typeface="Microsoft Uighur"/>
-      </a:majorFont>
-      <a:minorFont>
-        <a:latin typeface="Perpetua"/>
-        <a:ea typeface=""/>
-        <a:cs typeface=""/>
-        <a:font script="Grek" typeface="Cambria"/>
-        <a:font script="Cyrl" typeface="Cambria"/>
-        <a:font script="Jpan" typeface="HG創英ﾌﾟﾚｾﾞﾝｽEB"/>
+        <a:font script="Jpan" typeface="游ゴシック Light"/>
         <a:font script="Hang" typeface="맑은 고딕"/>
-        <a:font script="Hans" typeface="宋体"/>
+        <a:font script="Hans" typeface="等线 Light"/>
         <a:font script="Hant" typeface="新細明體"/>
         <a:font script="Arab" typeface="Times New Roman"/>
-        <a:font script="Hebr" typeface="Aharoni"/>
-        <a:font script="Thai" typeface="EucrosiaUPC"/>
+        <a:font script="Hebr" typeface="Times New Roman"/>
+        <a:font script="Thai" typeface="Angsana New"/>
         <a:font script="Ethi" typeface="Nyala"/>
         <a:font script="Beng" typeface="Vrinda"/>
         <a:font script="Gujr" typeface="Shruti"/>
@@ -11535,114 +11398,80 @@
         <a:font script="Mong" typeface="Mongolian Baiti"/>
         <a:font script="Viet" typeface="Times New Roman"/>
         <a:font script="Uigh" typeface="Microsoft Uighur"/>
+        <a:font script="Geor" typeface="Sylfaen"/>
+        <a:font script="Armn" typeface="Arial"/>
+        <a:font script="Bugi" typeface="Leelawadee UI"/>
+        <a:font script="Bopo" typeface="Microsoft JhengHei"/>
+        <a:font script="Java" typeface="Javanese Text"/>
+        <a:font script="Lisu" typeface="Segoe UI"/>
+        <a:font script="Mymr" typeface="Myanmar Text"/>
+        <a:font script="Nkoo" typeface="Ebrima"/>
+        <a:font script="Olck" typeface="Nirmala UI"/>
+        <a:font script="Osma" typeface="Ebrima"/>
+        <a:font script="Phag" typeface="Phagspa"/>
+        <a:font script="Syrn" typeface="Estrangelo Edessa"/>
+        <a:font script="Syrj" typeface="Estrangelo Edessa"/>
+        <a:font script="Syre" typeface="Estrangelo Edessa"/>
+        <a:font script="Sora" typeface="Nirmala UI"/>
+        <a:font script="Tale" typeface="Microsoft Tai Le"/>
+        <a:font script="Talu" typeface="Microsoft New Tai Lue"/>
+        <a:font script="Tfng" typeface="Ebrima"/>
+      </a:majorFont>
+      <a:minorFont>
+        <a:latin typeface="Calibri" panose="020F0502020204030204"/>
+        <a:ea typeface=""/>
+        <a:cs typeface=""/>
+        <a:font script="Jpan" typeface="游ゴシック"/>
+        <a:font script="Hang" typeface="맑은 고딕"/>
+        <a:font script="Hans" typeface="等线"/>
+        <a:font script="Hant" typeface="新細明體"/>
+        <a:font script="Arab" typeface="Arial"/>
+        <a:font script="Hebr" typeface="Arial"/>
+        <a:font script="Thai" typeface="Cordia New"/>
+        <a:font script="Ethi" typeface="Nyala"/>
+        <a:font script="Beng" typeface="Vrinda"/>
+        <a:font script="Gujr" typeface="Shruti"/>
+        <a:font script="Khmr" typeface="DaunPenh"/>
+        <a:font script="Knda" typeface="Tunga"/>
+        <a:font script="Guru" typeface="Raavi"/>
+        <a:font script="Cans" typeface="Euphemia"/>
+        <a:font script="Cher" typeface="Plantagenet Cherokee"/>
+        <a:font script="Yiii" typeface="Microsoft Yi Baiti"/>
+        <a:font script="Tibt" typeface="Microsoft Himalaya"/>
+        <a:font script="Thaa" typeface="MV Boli"/>
+        <a:font script="Deva" typeface="Mangal"/>
+        <a:font script="Telu" typeface="Gautami"/>
+        <a:font script="Taml" typeface="Latha"/>
+        <a:font script="Syrc" typeface="Estrangelo Edessa"/>
+        <a:font script="Orya" typeface="Kalinga"/>
+        <a:font script="Mlym" typeface="Kartika"/>
+        <a:font script="Laoo" typeface="DokChampa"/>
+        <a:font script="Sinh" typeface="Iskoola Pota"/>
+        <a:font script="Mong" typeface="Mongolian Baiti"/>
+        <a:font script="Viet" typeface="Arial"/>
+        <a:font script="Uigh" typeface="Microsoft Uighur"/>
+        <a:font script="Geor" typeface="Sylfaen"/>
+        <a:font script="Armn" typeface="Arial"/>
+        <a:font script="Bugi" typeface="Leelawadee UI"/>
+        <a:font script="Bopo" typeface="Microsoft JhengHei"/>
+        <a:font script="Java" typeface="Javanese Text"/>
+        <a:font script="Lisu" typeface="Segoe UI"/>
+        <a:font script="Mymr" typeface="Myanmar Text"/>
+        <a:font script="Nkoo" typeface="Ebrima"/>
+        <a:font script="Olck" typeface="Nirmala UI"/>
+        <a:font script="Osma" typeface="Ebrima"/>
+        <a:font script="Phag" typeface="Phagspa"/>
+        <a:font script="Syrn" typeface="Estrangelo Edessa"/>
+        <a:font script="Syrj" typeface="Estrangelo Edessa"/>
+        <a:font script="Syre" typeface="Estrangelo Edessa"/>
+        <a:font script="Sora" typeface="Nirmala UI"/>
+        <a:font script="Tale" typeface="Microsoft Tai Le"/>
+        <a:font script="Talu" typeface="Microsoft New Tai Lue"/>
+        <a:font script="Tfng" typeface="Ebrima"/>
       </a:minorFont>
     </a:fontScheme>
-    <a:fmtScheme name="Справедливость">
+    <a:fmtScheme name="Стандартная">
       <a:fillStyleLst>
-        <a:solidFill>
-          <a:schemeClr val="phClr"/>
-        </a:solidFill>
-        <a:blipFill>
-          <a:blip xmlns:r="http://schemas.openxmlformats.org/officeDocument/2006/relationships" r:embed="rId1">
-            <a:duotone>
-              <a:schemeClr val="phClr">
-                <a:tint val="30000"/>
-                <a:satMod val="300000"/>
-              </a:schemeClr>
-              <a:schemeClr val="phClr">
-                <a:tint val="40000"/>
-                <a:satMod val="200000"/>
-              </a:schemeClr>
-            </a:duotone>
-          </a:blip>
-          <a:tile tx="0" ty="0" sx="70000" sy="70000" flip="none" algn="ctr"/>
-        </a:blipFill>
-        <a:blipFill>
-          <a:blip xmlns:r="http://schemas.openxmlformats.org/officeDocument/2006/relationships" r:embed="rId1">
-            <a:duotone>
-              <a:schemeClr val="phClr">
-                <a:shade val="22000"/>
-                <a:satMod val="160000"/>
-              </a:schemeClr>
-              <a:schemeClr val="phClr">
-                <a:shade val="45000"/>
-                <a:satMod val="100000"/>
-              </a:schemeClr>
-            </a:duotone>
-          </a:blip>
-          <a:tile tx="0" ty="0" sx="65000" sy="65000" flip="none" algn="ctr"/>
-        </a:blipFill>
-      </a:fillStyleLst>
-      <a:lnStyleLst>
-        <a:ln w="9525" cap="flat" cmpd="sng" algn="ctr">
-          <a:solidFill>
-            <a:schemeClr val="phClr">
-              <a:shade val="60000"/>
-              <a:satMod val="110000"/>
-            </a:schemeClr>
-          </a:solidFill>
-          <a:prstDash val="solid"/>
-        </a:ln>
-        <a:ln w="12700" cap="flat" cmpd="sng" algn="ctr">
-          <a:solidFill>
-            <a:schemeClr val="phClr"/>
-          </a:solidFill>
-          <a:prstDash val="solid"/>
-        </a:ln>
-        <a:ln w="38100" cap="flat" cmpd="sng" algn="ctr">
-          <a:solidFill>
-            <a:schemeClr val="phClr"/>
-          </a:solidFill>
-          <a:prstDash val="solid"/>
-        </a:ln>
-      </a:lnStyleLst>
-      <a:effectStyleLst>
-        <a:effectStyle>
-          <a:effectLst>
-            <a:outerShdw blurRad="38100" dist="25400" dir="5400000" algn="t" rotWithShape="0">
-              <a:srgbClr val="000000">
-                <a:alpha val="50000"/>
-              </a:srgbClr>
-            </a:outerShdw>
-          </a:effectLst>
-        </a:effectStyle>
-        <a:effectStyle>
-          <a:effectLst>
-            <a:outerShdw blurRad="38100" dist="25400" dir="5400000" algn="t" rotWithShape="0">
-              <a:srgbClr val="000000">
-                <a:alpha val="50000"/>
-              </a:srgbClr>
-            </a:outerShdw>
-          </a:effectLst>
-        </a:effectStyle>
-        <a:effectStyle>
-          <a:effectLst>
-            <a:outerShdw blurRad="50800" dist="50800" dir="5400000" algn="t" rotWithShape="0">
-              <a:srgbClr val="000000">
-                <a:alpha val="60000"/>
-              </a:srgbClr>
-            </a:outerShdw>
-          </a:effectLst>
-          <a:scene3d>
-            <a:camera prst="isometricBottomUp" fov="0">
-              <a:rot lat="0" lon="0" rev="0"/>
-            </a:camera>
-            <a:lightRig rig="soft" dir="b">
-              <a:rot lat="0" lon="0" rev="9000000"/>
-            </a:lightRig>
-          </a:scene3d>
-          <a:sp3d contourW="35000" prstMaterial="matte">
-            <a:bevelT w="45000" h="38100" prst="convex"/>
-            <a:contourClr>
-              <a:schemeClr val="phClr">
-                <a:tint val="10000"/>
-                <a:satMod val="130000"/>
-              </a:schemeClr>
-            </a:contourClr>
-          </a:sp3d>
-        </a:effectStyle>
-      </a:effectStyleLst>
-      <a:bgFillStyleLst>
         <a:solidFill>
           <a:schemeClr val="phClr"/>
         </a:solidFill>
@@ -11650,45 +11479,142 @@
           <a:gsLst>
             <a:gs pos="0">
               <a:schemeClr val="phClr">
-                <a:shade val="40000"/>
-                <a:satMod val="165000"/>
+                <a:lumMod val="110000"/>
+                <a:satMod val="105000"/>
+                <a:tint val="67000"/>
               </a:schemeClr>
             </a:gs>
             <a:gs pos="50000">
               <a:schemeClr val="phClr">
-                <a:shade val="80000"/>
-                <a:satMod val="155000"/>
+                <a:lumMod val="105000"/>
+                <a:satMod val="103000"/>
+                <a:tint val="73000"/>
               </a:schemeClr>
             </a:gs>
             <a:gs pos="100000">
               <a:schemeClr val="phClr">
-                <a:tint val="95000"/>
-                <a:satMod val="200000"/>
+                <a:lumMod val="105000"/>
+                <a:satMod val="109000"/>
+                <a:tint val="81000"/>
               </a:schemeClr>
             </a:gs>
           </a:gsLst>
-          <a:lin ang="16200000" scaled="1"/>
+          <a:lin ang="5400000" scaled="0"/>
         </a:gradFill>
-        <a:blipFill>
-          <a:blip xmlns:r="http://schemas.openxmlformats.org/officeDocument/2006/relationships" r:embed="rId1">
-            <a:duotone>
+        <a:gradFill rotWithShape="1">
+          <a:gsLst>
+            <a:gs pos="0">
               <a:schemeClr val="phClr">
-                <a:tint val="95000"/>
-                <a:satMod val="200000"/>
+                <a:satMod val="103000"/>
+                <a:lumMod val="102000"/>
+                <a:tint val="94000"/>
               </a:schemeClr>
+            </a:gs>
+            <a:gs pos="50000">
               <a:schemeClr val="phClr">
-                <a:shade val="80000"/>
-                <a:satMod val="100000"/>
+                <a:satMod val="110000"/>
+                <a:lumMod val="100000"/>
+                <a:shade val="100000"/>
               </a:schemeClr>
-            </a:duotone>
-          </a:blip>
-          <a:tile tx="0" ty="0" sx="55000" sy="55000" flip="none" algn="tl"/>
-        </a:blipFill>
+            </a:gs>
+            <a:gs pos="100000">
+              <a:schemeClr val="phClr">
+                <a:lumMod val="99000"/>
+                <a:satMod val="120000"/>
+                <a:shade val="78000"/>
+              </a:schemeClr>
+            </a:gs>
+          </a:gsLst>
+          <a:lin ang="5400000" scaled="0"/>
+        </a:gradFill>
+      </a:fillStyleLst>
+      <a:lnStyleLst>
+        <a:ln w="6350" cap="flat" cmpd="sng" algn="ctr">
+          <a:solidFill>
+            <a:schemeClr val="phClr"/>
+          </a:solidFill>
+          <a:prstDash val="solid"/>
+          <a:miter lim="800000"/>
+        </a:ln>
+        <a:ln w="12700" cap="flat" cmpd="sng" algn="ctr">
+          <a:solidFill>
+            <a:schemeClr val="phClr"/>
+          </a:solidFill>
+          <a:prstDash val="solid"/>
+          <a:miter lim="800000"/>
+        </a:ln>
+        <a:ln w="19050" cap="flat" cmpd="sng" algn="ctr">
+          <a:solidFill>
+            <a:schemeClr val="phClr"/>
+          </a:solidFill>
+          <a:prstDash val="solid"/>
+          <a:miter lim="800000"/>
+        </a:ln>
+      </a:lnStyleLst>
+      <a:effectStyleLst>
+        <a:effectStyle>
+          <a:effectLst/>
+        </a:effectStyle>
+        <a:effectStyle>
+          <a:effectLst/>
+        </a:effectStyle>
+        <a:effectStyle>
+          <a:effectLst>
+            <a:outerShdw blurRad="57150" dist="19050" dir="5400000" algn="ctr" rotWithShape="0">
+              <a:srgbClr val="000000">
+                <a:alpha val="63000"/>
+              </a:srgbClr>
+            </a:outerShdw>
+          </a:effectLst>
+        </a:effectStyle>
+      </a:effectStyleLst>
+      <a:bgFillStyleLst>
+        <a:solidFill>
+          <a:schemeClr val="phClr"/>
+        </a:solidFill>
+        <a:solidFill>
+          <a:schemeClr val="phClr">
+            <a:tint val="95000"/>
+            <a:satMod val="170000"/>
+          </a:schemeClr>
+        </a:solidFill>
+        <a:gradFill rotWithShape="1">
+          <a:gsLst>
+            <a:gs pos="0">
+              <a:schemeClr val="phClr">
+                <a:tint val="93000"/>
+                <a:satMod val="150000"/>
+                <a:shade val="98000"/>
+                <a:lumMod val="102000"/>
+              </a:schemeClr>
+            </a:gs>
+            <a:gs pos="50000">
+              <a:schemeClr val="phClr">
+                <a:tint val="98000"/>
+                <a:satMod val="130000"/>
+                <a:shade val="90000"/>
+                <a:lumMod val="103000"/>
+              </a:schemeClr>
+            </a:gs>
+            <a:gs pos="100000">
+              <a:schemeClr val="phClr">
+                <a:shade val="63000"/>
+                <a:satMod val="120000"/>
+              </a:schemeClr>
+            </a:gs>
+          </a:gsLst>
+          <a:lin ang="5400000" scaled="0"/>
+        </a:gradFill>
       </a:bgFillStyleLst>
     </a:fmtScheme>
   </a:themeElements>
   <a:objectDefaults/>
   <a:extraClrSchemeLst/>
+  <a:extLst>
+    <a:ext uri="{05A4C25C-085E-4340-85A3-A5531E510DB2}">
+      <thm15:themeFamily xmlns:thm15="http://schemas.microsoft.com/office/thememl/2012/main" name="Office Theme" id="{62F939B6-93AF-4DB8-9C6B-D6C7DFDC589F}" vid="{4A3C46E8-61CC-4603-A589-7422A47A8E4A}"/>
+    </a:ext>
+  </a:extLst>
 </a:theme>
 </file>
 
